--- a/Pandas_Cheat_Sheet.pptx
+++ b/Pandas_Cheat_Sheet.pptx
@@ -123,7 +123,7 @@
   </p:defaultTextStyle>
   <p:extLst>
     <p:ext uri="{EFAFB233-063F-42B5-8137-9DF3F51BA10A}">
-      <p15:sldGuideLst xmlns="" xmlns:p15="http://schemas.microsoft.com/office/powerpoint/2012/main">
+      <p15:sldGuideLst xmlns:p15="http://schemas.microsoft.com/office/powerpoint/2012/main" xmlns="">
         <p15:guide id="1" orient="horz" pos="2160">
           <p15:clr>
             <a:srgbClr val="A4A3A4"/>
@@ -320,7 +320,7 @@
             <a:fld id="{530820CF-B880-4189-942D-D702A7CBA730}" type="datetimeFigureOut">
               <a:rPr lang="zh-CN" altLang="en-US" smtClean="0"/>
               <a:pPr/>
-              <a:t>2019/6/14</a:t>
+              <a:t>2019/12/24</a:t>
             </a:fld>
             <a:endParaRPr lang="zh-CN" altLang="en-US"/>
           </a:p>
@@ -485,7 +485,7 @@
             <a:fld id="{530820CF-B880-4189-942D-D702A7CBA730}" type="datetimeFigureOut">
               <a:rPr lang="zh-CN" altLang="en-US" smtClean="0"/>
               <a:pPr/>
-              <a:t>2019/6/14</a:t>
+              <a:t>2019/12/24</a:t>
             </a:fld>
             <a:endParaRPr lang="zh-CN" altLang="en-US"/>
           </a:p>
@@ -660,7 +660,7 @@
             <a:fld id="{530820CF-B880-4189-942D-D702A7CBA730}" type="datetimeFigureOut">
               <a:rPr lang="zh-CN" altLang="en-US" smtClean="0"/>
               <a:pPr/>
-              <a:t>2019/6/14</a:t>
+              <a:t>2019/12/24</a:t>
             </a:fld>
             <a:endParaRPr lang="zh-CN" altLang="en-US"/>
           </a:p>
@@ -825,7 +825,7 @@
             <a:fld id="{530820CF-B880-4189-942D-D702A7CBA730}" type="datetimeFigureOut">
               <a:rPr lang="zh-CN" altLang="en-US" smtClean="0"/>
               <a:pPr/>
-              <a:t>2019/6/14</a:t>
+              <a:t>2019/12/24</a:t>
             </a:fld>
             <a:endParaRPr lang="zh-CN" altLang="en-US"/>
           </a:p>
@@ -1067,7 +1067,7 @@
             <a:fld id="{530820CF-B880-4189-942D-D702A7CBA730}" type="datetimeFigureOut">
               <a:rPr lang="zh-CN" altLang="en-US" smtClean="0"/>
               <a:pPr/>
-              <a:t>2019/6/14</a:t>
+              <a:t>2019/12/24</a:t>
             </a:fld>
             <a:endParaRPr lang="zh-CN" altLang="en-US"/>
           </a:p>
@@ -1349,7 +1349,7 @@
             <a:fld id="{530820CF-B880-4189-942D-D702A7CBA730}" type="datetimeFigureOut">
               <a:rPr lang="zh-CN" altLang="en-US" smtClean="0"/>
               <a:pPr/>
-              <a:t>2019/6/14</a:t>
+              <a:t>2019/12/24</a:t>
             </a:fld>
             <a:endParaRPr lang="zh-CN" altLang="en-US"/>
           </a:p>
@@ -1765,7 +1765,7 @@
             <a:fld id="{530820CF-B880-4189-942D-D702A7CBA730}" type="datetimeFigureOut">
               <a:rPr lang="zh-CN" altLang="en-US" smtClean="0"/>
               <a:pPr/>
-              <a:t>2019/6/14</a:t>
+              <a:t>2019/12/24</a:t>
             </a:fld>
             <a:endParaRPr lang="zh-CN" altLang="en-US"/>
           </a:p>
@@ -1879,7 +1879,7 @@
             <a:fld id="{530820CF-B880-4189-942D-D702A7CBA730}" type="datetimeFigureOut">
               <a:rPr lang="zh-CN" altLang="en-US" smtClean="0"/>
               <a:pPr/>
-              <a:t>2019/6/14</a:t>
+              <a:t>2019/12/24</a:t>
             </a:fld>
             <a:endParaRPr lang="zh-CN" altLang="en-US"/>
           </a:p>
@@ -1971,7 +1971,7 @@
             <a:fld id="{530820CF-B880-4189-942D-D702A7CBA730}" type="datetimeFigureOut">
               <a:rPr lang="zh-CN" altLang="en-US" smtClean="0"/>
               <a:pPr/>
-              <a:t>2019/6/14</a:t>
+              <a:t>2019/12/24</a:t>
             </a:fld>
             <a:endParaRPr lang="zh-CN" altLang="en-US"/>
           </a:p>
@@ -2243,7 +2243,7 @@
             <a:fld id="{530820CF-B880-4189-942D-D702A7CBA730}" type="datetimeFigureOut">
               <a:rPr lang="zh-CN" altLang="en-US" smtClean="0"/>
               <a:pPr/>
-              <a:t>2019/6/14</a:t>
+              <a:t>2019/12/24</a:t>
             </a:fld>
             <a:endParaRPr lang="zh-CN" altLang="en-US"/>
           </a:p>
@@ -2492,7 +2492,7 @@
             <a:fld id="{530820CF-B880-4189-942D-D702A7CBA730}" type="datetimeFigureOut">
               <a:rPr lang="zh-CN" altLang="en-US" smtClean="0"/>
               <a:pPr/>
-              <a:t>2019/6/14</a:t>
+              <a:t>2019/12/24</a:t>
             </a:fld>
             <a:endParaRPr lang="zh-CN" altLang="en-US"/>
           </a:p>
@@ -2700,7 +2700,7 @@
             <a:fld id="{530820CF-B880-4189-942D-D702A7CBA730}" type="datetimeFigureOut">
               <a:rPr lang="zh-CN" altLang="en-US" smtClean="0"/>
               <a:pPr/>
-              <a:t>2019/6/14</a:t>
+              <a:t>2019/12/24</a:t>
             </a:fld>
             <a:endParaRPr lang="zh-CN" altLang="en-US"/>
           </a:p>
@@ -3531,7 +3531,7 @@
           <p:cNvPr id="2" name="Title 1">
             <a:extLst>
               <a:ext uri="{FF2B5EF4-FFF2-40B4-BE49-F238E27FC236}">
-                <a16:creationId xmlns="" xmlns:a16="http://schemas.microsoft.com/office/drawing/2014/main" id="{3D5DEDCA-A91F-4E1C-9F56-607D6645AF51}"/>
+                <a16:creationId xmlns:a16="http://schemas.microsoft.com/office/drawing/2014/main" xmlns="" id="{3D5DEDCA-A91F-4E1C-9F56-607D6645AF51}"/>
               </a:ext>
             </a:extLst>
           </p:cNvPr>
@@ -3568,7 +3568,7 @@
           <p:cNvPr id="3" name="Content Placeholder 2">
             <a:extLst>
               <a:ext uri="{FF2B5EF4-FFF2-40B4-BE49-F238E27FC236}">
-                <a16:creationId xmlns="" xmlns:a16="http://schemas.microsoft.com/office/drawing/2014/main" id="{4D7145D0-92E3-4294-941D-1D28C5F13751}"/>
+                <a16:creationId xmlns:a16="http://schemas.microsoft.com/office/drawing/2014/main" xmlns="" id="{4D7145D0-92E3-4294-941D-1D28C5F13751}"/>
               </a:ext>
             </a:extLst>
           </p:cNvPr>
@@ -3677,7 +3677,7 @@
     </p:spTree>
     <p:extLst>
       <p:ext uri="{BB962C8B-B14F-4D97-AF65-F5344CB8AC3E}">
-        <p14:creationId xmlns="" xmlns:p14="http://schemas.microsoft.com/office/powerpoint/2010/main" val="1359580981"/>
+        <p14:creationId xmlns:p14="http://schemas.microsoft.com/office/powerpoint/2010/main" xmlns="" val="1359580981"/>
       </p:ext>
     </p:extLst>
   </p:cSld>
@@ -4099,8 +4099,36 @@
             </a:r>
             <a:r>
               <a:rPr lang="en-US" sz="2000" dirty="0" smtClean="0"/>
-              <a:t>=False)</a:t>
-            </a:r>
+              <a:t>=False</a:t>
+            </a:r>
+            <a:r>
+              <a:rPr lang="en-US" sz="2000" dirty="0" smtClean="0"/>
+              <a:t>)</a:t>
+            </a:r>
+          </a:p>
+          <a:p>
+            <a:pPr lvl="1"/>
+            <a:r>
+              <a:rPr lang="en-US" sz="2000" dirty="0" smtClean="0"/>
+              <a:t>df.loc[</a:t>
+            </a:r>
+            <a:r>
+              <a:rPr lang="en-US" sz="2000" dirty="0" err="1" smtClean="0"/>
+              <a:t>len</a:t>
+            </a:r>
+            <a:r>
+              <a:rPr lang="en-US" sz="2000" dirty="0" smtClean="0"/>
+              <a:t>(</a:t>
+            </a:r>
+            <a:r>
+              <a:rPr lang="en-US" sz="2000" dirty="0" err="1" smtClean="0"/>
+              <a:t>df</a:t>
+            </a:r>
+            <a:r>
+              <a:rPr lang="en-US" sz="2000" dirty="0" smtClean="0"/>
+              <a:t>)] = [1,2,3]</a:t>
+            </a:r>
+            <a:endParaRPr lang="en-US" sz="2000" dirty="0" smtClean="0"/>
           </a:p>
           <a:p>
             <a:r>
@@ -4763,7 +4791,7 @@
           <p:cNvPr id="2" name="Title 1">
             <a:extLst>
               <a:ext uri="{FF2B5EF4-FFF2-40B4-BE49-F238E27FC236}">
-                <a16:creationId xmlns="" xmlns:a16="http://schemas.microsoft.com/office/drawing/2014/main" id="{C9CDCE50-ED31-421E-839F-CC4C85BEF5FF}"/>
+                <a16:creationId xmlns:a16="http://schemas.microsoft.com/office/drawing/2014/main" xmlns="" id="{C9CDCE50-ED31-421E-839F-CC4C85BEF5FF}"/>
               </a:ext>
             </a:extLst>
           </p:cNvPr>
@@ -4804,7 +4832,7 @@
           <p:cNvPr id="3" name="Content Placeholder 2">
             <a:extLst>
               <a:ext uri="{FF2B5EF4-FFF2-40B4-BE49-F238E27FC236}">
-                <a16:creationId xmlns="" xmlns:a16="http://schemas.microsoft.com/office/drawing/2014/main" id="{73D2D912-3AD3-4656-BC5D-38DA3D71C239}"/>
+                <a16:creationId xmlns:a16="http://schemas.microsoft.com/office/drawing/2014/main" xmlns="" id="{73D2D912-3AD3-4656-BC5D-38DA3D71C239}"/>
               </a:ext>
             </a:extLst>
           </p:cNvPr>
@@ -4908,7 +4936,7 @@
     </p:spTree>
     <p:extLst>
       <p:ext uri="{BB962C8B-B14F-4D97-AF65-F5344CB8AC3E}">
-        <p14:creationId xmlns="" xmlns:p14="http://schemas.microsoft.com/office/powerpoint/2010/main" val="524410915"/>
+        <p14:creationId xmlns:p14="http://schemas.microsoft.com/office/powerpoint/2010/main" xmlns="" val="524410915"/>
       </p:ext>
     </p:extLst>
   </p:cSld>

--- a/Pandas_Cheat_Sheet.pptx
+++ b/Pandas_Cheat_Sheet.pptx
@@ -17,12 +17,14 @@
     <p:sldId id="267" r:id="rId11"/>
     <p:sldId id="264" r:id="rId12"/>
     <p:sldId id="265" r:id="rId13"/>
-    <p:sldId id="271" r:id="rId14"/>
-    <p:sldId id="269" r:id="rId15"/>
-    <p:sldId id="270" r:id="rId16"/>
-    <p:sldId id="268" r:id="rId17"/>
-    <p:sldId id="272" r:id="rId18"/>
-    <p:sldId id="266" r:id="rId19"/>
+    <p:sldId id="275" r:id="rId14"/>
+    <p:sldId id="271" r:id="rId15"/>
+    <p:sldId id="269" r:id="rId16"/>
+    <p:sldId id="276" r:id="rId17"/>
+    <p:sldId id="270" r:id="rId18"/>
+    <p:sldId id="268" r:id="rId19"/>
+    <p:sldId id="272" r:id="rId20"/>
+    <p:sldId id="266" r:id="rId21"/>
   </p:sldIdLst>
   <p:sldSz cx="9144000" cy="6858000" type="screen4x3"/>
   <p:notesSz cx="6858000" cy="9144000"/>
@@ -123,7 +125,7 @@
   </p:defaultTextStyle>
   <p:extLst>
     <p:ext uri="{EFAFB233-063F-42B5-8137-9DF3F51BA10A}">
-      <p15:sldGuideLst xmlns:p15="http://schemas.microsoft.com/office/powerpoint/2012/main" xmlns="">
+      <p15:sldGuideLst xmlns:p15="http://schemas.microsoft.com/office/powerpoint/2012/main">
         <p15:guide id="1" orient="horz" pos="2160">
           <p15:clr>
             <a:srgbClr val="A4A3A4"/>
@@ -320,7 +322,7 @@
             <a:fld id="{530820CF-B880-4189-942D-D702A7CBA730}" type="datetimeFigureOut">
               <a:rPr lang="zh-CN" altLang="en-US" smtClean="0"/>
               <a:pPr/>
-              <a:t>2019/12/24</a:t>
+              <a:t>2019/12/25</a:t>
             </a:fld>
             <a:endParaRPr lang="zh-CN" altLang="en-US"/>
           </a:p>
@@ -485,7 +487,7 @@
             <a:fld id="{530820CF-B880-4189-942D-D702A7CBA730}" type="datetimeFigureOut">
               <a:rPr lang="zh-CN" altLang="en-US" smtClean="0"/>
               <a:pPr/>
-              <a:t>2019/12/24</a:t>
+              <a:t>2019/12/25</a:t>
             </a:fld>
             <a:endParaRPr lang="zh-CN" altLang="en-US"/>
           </a:p>
@@ -660,7 +662,7 @@
             <a:fld id="{530820CF-B880-4189-942D-D702A7CBA730}" type="datetimeFigureOut">
               <a:rPr lang="zh-CN" altLang="en-US" smtClean="0"/>
               <a:pPr/>
-              <a:t>2019/12/24</a:t>
+              <a:t>2019/12/25</a:t>
             </a:fld>
             <a:endParaRPr lang="zh-CN" altLang="en-US"/>
           </a:p>
@@ -825,7 +827,7 @@
             <a:fld id="{530820CF-B880-4189-942D-D702A7CBA730}" type="datetimeFigureOut">
               <a:rPr lang="zh-CN" altLang="en-US" smtClean="0"/>
               <a:pPr/>
-              <a:t>2019/12/24</a:t>
+              <a:t>2019/12/25</a:t>
             </a:fld>
             <a:endParaRPr lang="zh-CN" altLang="en-US"/>
           </a:p>
@@ -1067,7 +1069,7 @@
             <a:fld id="{530820CF-B880-4189-942D-D702A7CBA730}" type="datetimeFigureOut">
               <a:rPr lang="zh-CN" altLang="en-US" smtClean="0"/>
               <a:pPr/>
-              <a:t>2019/12/24</a:t>
+              <a:t>2019/12/25</a:t>
             </a:fld>
             <a:endParaRPr lang="zh-CN" altLang="en-US"/>
           </a:p>
@@ -1349,7 +1351,7 @@
             <a:fld id="{530820CF-B880-4189-942D-D702A7CBA730}" type="datetimeFigureOut">
               <a:rPr lang="zh-CN" altLang="en-US" smtClean="0"/>
               <a:pPr/>
-              <a:t>2019/12/24</a:t>
+              <a:t>2019/12/25</a:t>
             </a:fld>
             <a:endParaRPr lang="zh-CN" altLang="en-US"/>
           </a:p>
@@ -1765,7 +1767,7 @@
             <a:fld id="{530820CF-B880-4189-942D-D702A7CBA730}" type="datetimeFigureOut">
               <a:rPr lang="zh-CN" altLang="en-US" smtClean="0"/>
               <a:pPr/>
-              <a:t>2019/12/24</a:t>
+              <a:t>2019/12/25</a:t>
             </a:fld>
             <a:endParaRPr lang="zh-CN" altLang="en-US"/>
           </a:p>
@@ -1879,7 +1881,7 @@
             <a:fld id="{530820CF-B880-4189-942D-D702A7CBA730}" type="datetimeFigureOut">
               <a:rPr lang="zh-CN" altLang="en-US" smtClean="0"/>
               <a:pPr/>
-              <a:t>2019/12/24</a:t>
+              <a:t>2019/12/25</a:t>
             </a:fld>
             <a:endParaRPr lang="zh-CN" altLang="en-US"/>
           </a:p>
@@ -1971,7 +1973,7 @@
             <a:fld id="{530820CF-B880-4189-942D-D702A7CBA730}" type="datetimeFigureOut">
               <a:rPr lang="zh-CN" altLang="en-US" smtClean="0"/>
               <a:pPr/>
-              <a:t>2019/12/24</a:t>
+              <a:t>2019/12/25</a:t>
             </a:fld>
             <a:endParaRPr lang="zh-CN" altLang="en-US"/>
           </a:p>
@@ -2243,7 +2245,7 @@
             <a:fld id="{530820CF-B880-4189-942D-D702A7CBA730}" type="datetimeFigureOut">
               <a:rPr lang="zh-CN" altLang="en-US" smtClean="0"/>
               <a:pPr/>
-              <a:t>2019/12/24</a:t>
+              <a:t>2019/12/25</a:t>
             </a:fld>
             <a:endParaRPr lang="zh-CN" altLang="en-US"/>
           </a:p>
@@ -2492,7 +2494,7 @@
             <a:fld id="{530820CF-B880-4189-942D-D702A7CBA730}" type="datetimeFigureOut">
               <a:rPr lang="zh-CN" altLang="en-US" smtClean="0"/>
               <a:pPr/>
-              <a:t>2019/12/24</a:t>
+              <a:t>2019/12/25</a:t>
             </a:fld>
             <a:endParaRPr lang="zh-CN" altLang="en-US"/>
           </a:p>
@@ -2700,7 +2702,7 @@
             <a:fld id="{530820CF-B880-4189-942D-D702A7CBA730}" type="datetimeFigureOut">
               <a:rPr lang="zh-CN" altLang="en-US" smtClean="0"/>
               <a:pPr/>
-              <a:t>2019/12/24</a:t>
+              <a:t>2019/12/25</a:t>
             </a:fld>
             <a:endParaRPr lang="zh-CN" altLang="en-US"/>
           </a:p>
@@ -3158,14 +3160,13 @@
           <a:lstStyle/>
           <a:p>
             <a:r>
-              <a:rPr lang="en-US" altLang="zh-CN" dirty="0" err="1" smtClean="0"/>
+              <a:rPr lang="en-US" altLang="zh-CN" dirty="0" err="1"/>
               <a:t>DataFrame</a:t>
             </a:r>
             <a:r>
-              <a:rPr lang="zh-CN" altLang="en-US" dirty="0" smtClean="0"/>
+              <a:rPr lang="zh-CN" altLang="en-US" dirty="0"/>
               <a:t>的创建示例</a:t>
             </a:r>
-            <a:endParaRPr lang="zh-CN" altLang="en-US" dirty="0"/>
           </a:p>
         </p:txBody>
       </p:sp>
@@ -3187,59 +3188,59 @@
           <a:lstStyle/>
           <a:p>
             <a:r>
-              <a:rPr lang="en-US" altLang="zh-CN" sz="1800" dirty="0" err="1" smtClean="0"/>
+              <a:rPr lang="en-US" altLang="zh-CN" sz="1800" dirty="0" err="1"/>
               <a:t>df</a:t>
             </a:r>
             <a:r>
-              <a:rPr lang="en-US" altLang="zh-CN" sz="1800" dirty="0" smtClean="0"/>
+              <a:rPr lang="en-US" altLang="zh-CN" sz="1800" dirty="0"/>
               <a:t> = </a:t>
             </a:r>
             <a:r>
-              <a:rPr lang="en-US" altLang="zh-CN" sz="1800" dirty="0" err="1" smtClean="0"/>
+              <a:rPr lang="en-US" altLang="zh-CN" sz="1800" dirty="0" err="1"/>
               <a:t>pd.DataFrame</a:t>
             </a:r>
             <a:r>
-              <a:rPr lang="en-US" altLang="zh-CN" sz="1800" dirty="0" smtClean="0"/>
+              <a:rPr lang="en-US" altLang="zh-CN" sz="1800" dirty="0"/>
               <a:t>([[1,2,3],[4,5,6]])</a:t>
             </a:r>
           </a:p>
           <a:p>
             <a:r>
-              <a:rPr lang="pt-BR" altLang="zh-CN" sz="1800" dirty="0" smtClean="0"/>
+              <a:rPr lang="pt-BR" altLang="zh-CN" sz="1800" dirty="0"/>
               <a:t>df = pd.DataFrame([[1,2,3], [4,5,6]], index=['r1', 'r2'], columns=['c1', 'c2', 'c3'])</a:t>
             </a:r>
           </a:p>
           <a:p>
             <a:r>
-              <a:rPr lang="en-US" altLang="zh-CN" sz="1800" dirty="0" err="1" smtClean="0"/>
+              <a:rPr lang="en-US" altLang="zh-CN" sz="1800" dirty="0" err="1"/>
               <a:t>pd.DataFrame</a:t>
             </a:r>
             <a:r>
-              <a:rPr lang="en-US" altLang="zh-CN" sz="1800" dirty="0" smtClean="0"/>
+              <a:rPr lang="en-US" altLang="zh-CN" sz="1800" dirty="0"/>
               <a:t>(</a:t>
             </a:r>
             <a:r>
-              <a:rPr lang="en-US" altLang="zh-CN" sz="1800" dirty="0" err="1" smtClean="0"/>
+              <a:rPr lang="en-US" altLang="zh-CN" sz="1800" dirty="0" err="1"/>
               <a:t>np.random.randn</a:t>
             </a:r>
             <a:r>
-              <a:rPr lang="en-US" altLang="zh-CN" sz="1800" dirty="0" smtClean="0"/>
+              <a:rPr lang="en-US" altLang="zh-CN" sz="1800" dirty="0"/>
               <a:t>(6, 4), index=</a:t>
             </a:r>
             <a:r>
-              <a:rPr lang="en-US" altLang="zh-CN" sz="1800" dirty="0" err="1" smtClean="0"/>
+              <a:rPr lang="en-US" altLang="zh-CN" sz="1800" dirty="0" err="1"/>
               <a:t>pd.date_range</a:t>
             </a:r>
             <a:r>
-              <a:rPr lang="en-US" altLang="zh-CN" sz="1800" dirty="0" smtClean="0"/>
+              <a:rPr lang="en-US" altLang="zh-CN" sz="1800" dirty="0"/>
               <a:t>('20301001', periods=6), columns=list('</a:t>
             </a:r>
             <a:r>
-              <a:rPr lang="en-US" altLang="zh-CN" sz="1800" dirty="0" err="1" smtClean="0"/>
+              <a:rPr lang="en-US" altLang="zh-CN" sz="1800" dirty="0" err="1"/>
               <a:t>abcd</a:t>
             </a:r>
             <a:r>
-              <a:rPr lang="en-US" altLang="zh-CN" sz="1800" dirty="0" smtClean="0"/>
+              <a:rPr lang="en-US" altLang="zh-CN" sz="1800" dirty="0"/>
               <a:t>'))</a:t>
             </a:r>
             <a:endParaRPr lang="zh-CN" altLang="en-US" sz="1800" dirty="0"/>
@@ -3291,12 +3292,8 @@
               <a:t>DataFrame</a:t>
             </a:r>
             <a:r>
-              <a:rPr lang="zh-CN" altLang="en-US" dirty="0" smtClean="0"/>
-              <a:t>的行选择</a:t>
-            </a:r>
-            <a:r>
-              <a:rPr lang="zh-CN" altLang="en-US" dirty="0"/>
-              <a:t>操作</a:t>
+              <a:rPr lang="zh-CN" altLang="en-US" dirty="0"/>
+              <a:t>的行选择操作</a:t>
             </a:r>
           </a:p>
         </p:txBody>
@@ -3531,7 +3528,7 @@
           <p:cNvPr id="2" name="Title 1">
             <a:extLst>
               <a:ext uri="{FF2B5EF4-FFF2-40B4-BE49-F238E27FC236}">
-                <a16:creationId xmlns:a16="http://schemas.microsoft.com/office/drawing/2014/main" xmlns="" id="{3D5DEDCA-A91F-4E1C-9F56-607D6645AF51}"/>
+                <a16:creationId xmlns:a16="http://schemas.microsoft.com/office/drawing/2014/main" id="{3D5DEDCA-A91F-4E1C-9F56-607D6645AF51}"/>
               </a:ext>
             </a:extLst>
           </p:cNvPr>
@@ -3552,12 +3549,8 @@
               <a:t>DataFrame</a:t>
             </a:r>
             <a:r>
-              <a:rPr lang="zh-CN" altLang="en-US" dirty="0" smtClean="0"/>
-              <a:t>的列选择</a:t>
-            </a:r>
-            <a:r>
-              <a:rPr lang="zh-CN" altLang="en-US" dirty="0"/>
-              <a:t>操作</a:t>
+              <a:rPr lang="zh-CN" altLang="en-US" dirty="0"/>
+              <a:t>的列选择操作</a:t>
             </a:r>
             <a:endParaRPr lang="en-US" dirty="0"/>
           </a:p>
@@ -3568,7 +3561,7 @@
           <p:cNvPr id="3" name="Content Placeholder 2">
             <a:extLst>
               <a:ext uri="{FF2B5EF4-FFF2-40B4-BE49-F238E27FC236}">
-                <a16:creationId xmlns:a16="http://schemas.microsoft.com/office/drawing/2014/main" xmlns="" id="{4D7145D0-92E3-4294-941D-1D28C5F13751}"/>
+                <a16:creationId xmlns:a16="http://schemas.microsoft.com/office/drawing/2014/main" id="{4D7145D0-92E3-4294-941D-1D28C5F13751}"/>
               </a:ext>
             </a:extLst>
           </p:cNvPr>
@@ -3677,7 +3670,7 @@
     </p:spTree>
     <p:extLst>
       <p:ext uri="{BB962C8B-B14F-4D97-AF65-F5344CB8AC3E}">
-        <p14:creationId xmlns:p14="http://schemas.microsoft.com/office/powerpoint/2010/main" xmlns="" val="1359580981"/>
+        <p14:creationId xmlns:p14="http://schemas.microsoft.com/office/powerpoint/2010/main" val="1359580981"/>
       </p:ext>
     </p:extLst>
   </p:cSld>
@@ -3706,7 +3699,13 @@
       </p:grpSpPr>
       <p:sp>
         <p:nvSpPr>
-          <p:cNvPr id="2" name="标题 1"/>
+          <p:cNvPr id="2" name="Title 1">
+            <a:extLst>
+              <a:ext uri="{FF2B5EF4-FFF2-40B4-BE49-F238E27FC236}">
+                <a16:creationId xmlns:a16="http://schemas.microsoft.com/office/drawing/2014/main" id="{1BF769BC-4229-4114-B0FD-32695EB1EA27}"/>
+              </a:ext>
+            </a:extLst>
+          </p:cNvPr>
           <p:cNvSpPr>
             <a:spLocks noGrp="1"/>
           </p:cNvSpPr>
@@ -3720,20 +3719,30 @@
           <a:lstStyle/>
           <a:p>
             <a:r>
-              <a:rPr lang="en-US" altLang="zh-CN" dirty="0" err="1" smtClean="0"/>
+              <a:rPr lang="en-US" altLang="zh-CN" dirty="0" err="1"/>
               <a:t>DataFrame</a:t>
             </a:r>
             <a:r>
-              <a:rPr lang="zh-CN" altLang="en-US" dirty="0" smtClean="0"/>
-              <a:t>的筛选</a:t>
-            </a:r>
-            <a:endParaRPr lang="zh-CN" altLang="en-US" dirty="0"/>
-          </a:p>
-        </p:txBody>
-      </p:sp>
-      <p:sp>
-        <p:nvSpPr>
-          <p:cNvPr id="3" name="内容占位符 2"/>
+              <a:rPr lang="zh-CN" altLang="en-US" dirty="0"/>
+              <a:t>转</a:t>
+            </a:r>
+            <a:r>
+              <a:rPr lang="en-US" altLang="zh-CN" dirty="0"/>
+              <a:t>List</a:t>
+            </a:r>
+            <a:endParaRPr lang="en-US" dirty="0"/>
+          </a:p>
+        </p:txBody>
+      </p:sp>
+      <p:sp>
+        <p:nvSpPr>
+          <p:cNvPr id="3" name="Content Placeholder 2">
+            <a:extLst>
+              <a:ext uri="{FF2B5EF4-FFF2-40B4-BE49-F238E27FC236}">
+                <a16:creationId xmlns:a16="http://schemas.microsoft.com/office/drawing/2014/main" id="{C20577FB-AFB5-4DD8-97C9-A175FE51C8BF}"/>
+              </a:ext>
+            </a:extLst>
+          </p:cNvPr>
           <p:cNvSpPr>
             <a:spLocks noGrp="1"/>
           </p:cNvSpPr>
@@ -3743,253 +3752,78 @@
         </p:nvSpPr>
         <p:spPr/>
         <p:txBody>
-          <a:bodyPr>
-            <a:normAutofit/>
-          </a:bodyPr>
-          <a:lstStyle/>
-          <a:p>
-            <a:r>
-              <a:rPr lang="en-US" altLang="en-US" sz="2400" dirty="0" err="1" smtClean="0"/>
-              <a:t>df</a:t>
-            </a:r>
-            <a:r>
-              <a:rPr lang="en-US" altLang="en-US" sz="2400" dirty="0" smtClean="0"/>
-              <a:t>[</a:t>
-            </a:r>
-            <a:r>
-              <a:rPr lang="en-US" altLang="en-US" sz="2400" dirty="0" err="1" smtClean="0"/>
-              <a:t>df</a:t>
-            </a:r>
-            <a:r>
-              <a:rPr lang="en-US" altLang="en-US" sz="2400" dirty="0" smtClean="0"/>
-              <a:t>[‘column1’]&gt;100]</a:t>
+          <a:bodyPr/>
+          <a:lstStyle/>
+          <a:p>
+            <a:r>
+              <a:rPr lang="zh-CN" altLang="en-US" dirty="0"/>
+              <a:t>整个</a:t>
+            </a:r>
+            <a:r>
+              <a:rPr lang="en-US" altLang="zh-CN" dirty="0" err="1"/>
+              <a:t>DataFrame</a:t>
+            </a:r>
+            <a:r>
+              <a:rPr lang="zh-CN" altLang="en-US" dirty="0"/>
+              <a:t>转</a:t>
+            </a:r>
+            <a:r>
+              <a:rPr lang="en-US" altLang="zh-CN" dirty="0"/>
+              <a:t>List of List</a:t>
             </a:r>
           </a:p>
           <a:p>
             <a:pPr lvl="1"/>
             <a:r>
-              <a:rPr lang="zh-CN" altLang="en-US" sz="2000" dirty="0" smtClean="0"/>
-              <a:t>筛选出</a:t>
-            </a:r>
-            <a:r>
-              <a:rPr lang="en-US" altLang="en-US" sz="2000" dirty="0" smtClean="0"/>
-              <a:t>columns</a:t>
-            </a:r>
-            <a:r>
-              <a:rPr lang="zh-CN" altLang="en-US" sz="2000" dirty="0" smtClean="0"/>
-              <a:t>列大于</a:t>
-            </a:r>
-            <a:r>
-              <a:rPr lang="en-US" altLang="zh-CN" sz="2000" dirty="0" smtClean="0"/>
-              <a:t>100</a:t>
-            </a:r>
-            <a:r>
-              <a:rPr lang="zh-CN" altLang="en-US" sz="2000" dirty="0" smtClean="0"/>
-              <a:t>的行</a:t>
-            </a:r>
-            <a:endParaRPr lang="en-US" altLang="zh-CN" sz="2000" dirty="0" smtClean="0"/>
-          </a:p>
-          <a:p>
-            <a:r>
-              <a:rPr lang="pt-BR" altLang="zh-CN" sz="2400" dirty="0" smtClean="0"/>
-              <a:t>df[[</a:t>
-            </a:r>
-            <a:r>
-              <a:rPr lang="en-US" altLang="zh-CN" sz="2400" dirty="0" smtClean="0"/>
-              <a:t>‘</a:t>
-            </a:r>
-            <a:r>
-              <a:rPr lang="en-US" altLang="en-US" sz="2400" dirty="0" smtClean="0"/>
-              <a:t>column2</a:t>
-            </a:r>
-            <a:r>
-              <a:rPr lang="pt-BR" altLang="zh-CN" sz="2400" dirty="0" smtClean="0"/>
-              <a:t>’, ‘</a:t>
-            </a:r>
-            <a:r>
-              <a:rPr lang="en-US" altLang="en-US" sz="2400" dirty="0" smtClean="0"/>
-              <a:t>column3</a:t>
-            </a:r>
-            <a:r>
-              <a:rPr lang="pt-BR" altLang="zh-CN" sz="2400" dirty="0" smtClean="0"/>
-              <a:t>’]][</a:t>
-            </a:r>
-            <a:r>
-              <a:rPr lang="en-US" altLang="zh-CN" sz="2400" dirty="0" err="1" smtClean="0"/>
-              <a:t>df</a:t>
-            </a:r>
-            <a:r>
-              <a:rPr lang="en-US" altLang="en-US" sz="2400" dirty="0" smtClean="0"/>
-              <a:t>["column1"]&gt;100</a:t>
-            </a:r>
-            <a:r>
-              <a:rPr lang="pt-BR" altLang="zh-CN" sz="2400" dirty="0" smtClean="0"/>
-              <a:t>]</a:t>
+              <a:rPr lang="en-US" dirty="0" err="1"/>
+              <a:t>df.values.tolist</a:t>
+            </a:r>
+            <a:r>
+              <a:rPr lang="en-US" dirty="0"/>
+              <a:t>()</a:t>
+            </a:r>
+          </a:p>
+          <a:p>
+            <a:r>
+              <a:rPr lang="zh-CN" altLang="en-US" dirty="0"/>
+              <a:t>行切片转</a:t>
+            </a:r>
+            <a:r>
+              <a:rPr lang="en-US" altLang="zh-CN" dirty="0"/>
+              <a:t>List</a:t>
             </a:r>
           </a:p>
           <a:p>
             <a:pPr lvl="1"/>
             <a:r>
-              <a:rPr lang="en-US" altLang="en-US" sz="2000" dirty="0" smtClean="0"/>
-              <a:t>columns</a:t>
-            </a:r>
-            <a:r>
-              <a:rPr lang="zh-CN" altLang="en-US" sz="2000" dirty="0" smtClean="0"/>
-              <a:t>列大于</a:t>
-            </a:r>
-            <a:r>
-              <a:rPr lang="en-US" altLang="zh-CN" sz="2000" dirty="0" smtClean="0"/>
-              <a:t>100</a:t>
-            </a:r>
-            <a:r>
-              <a:rPr lang="zh-CN" altLang="en-US" sz="2000" dirty="0" smtClean="0"/>
-              <a:t>的列，仅选择</a:t>
-            </a:r>
-            <a:r>
-              <a:rPr lang="en-US" altLang="zh-CN" sz="2000" dirty="0" smtClean="0"/>
-              <a:t>column2</a:t>
-            </a:r>
-            <a:r>
-              <a:rPr lang="zh-CN" altLang="en-US" sz="2000" dirty="0" smtClean="0"/>
-              <a:t>和</a:t>
-            </a:r>
-            <a:r>
-              <a:rPr lang="en-US" altLang="zh-CN" sz="2000" dirty="0" smtClean="0"/>
-              <a:t>column3</a:t>
-            </a:r>
-          </a:p>
-          <a:p>
-            <a:r>
-              <a:rPr lang="en-US" altLang="zh-CN" sz="2400" dirty="0" err="1" smtClean="0"/>
-              <a:t>df</a:t>
-            </a:r>
-            <a:r>
-              <a:rPr lang="en-US" altLang="zh-CN" sz="2400" dirty="0" smtClean="0"/>
-              <a:t>[</a:t>
-            </a:r>
-            <a:r>
-              <a:rPr lang="en-US" altLang="zh-CN" sz="2400" dirty="0" err="1" smtClean="0"/>
-              <a:t>df</a:t>
-            </a:r>
-            <a:r>
-              <a:rPr lang="en-US" altLang="zh-CN" sz="2400" dirty="0" smtClean="0"/>
-              <a:t>[‘columns1’].</a:t>
-            </a:r>
-            <a:r>
-              <a:rPr lang="en-US" altLang="zh-CN" sz="2400" dirty="0" err="1" smtClean="0"/>
-              <a:t>isin</a:t>
-            </a:r>
-            <a:r>
-              <a:rPr lang="en-US" altLang="zh-CN" sz="2400" dirty="0" smtClean="0"/>
-              <a:t>([xxx])]</a:t>
+              <a:rPr lang="en-US" dirty="0" err="1"/>
+              <a:t>df.iloc</a:t>
+            </a:r>
+            <a:r>
+              <a:rPr lang="en-US" dirty="0"/>
+              <a:t>[n].</a:t>
+            </a:r>
+            <a:r>
+              <a:rPr lang="en-US" dirty="0" err="1"/>
+              <a:t>values.tolist</a:t>
+            </a:r>
+            <a:r>
+              <a:rPr lang="en-US" dirty="0"/>
+              <a:t>()</a:t>
             </a:r>
           </a:p>
           <a:p>
             <a:pPr lvl="1"/>
-            <a:r>
-              <a:rPr lang="zh-CN" altLang="en-US" sz="2000" dirty="0" smtClean="0"/>
-              <a:t>选择行，其中</a:t>
-            </a:r>
-            <a:r>
-              <a:rPr lang="en-US" altLang="zh-CN" sz="2000" dirty="0" smtClean="0"/>
-              <a:t>column1</a:t>
-            </a:r>
-            <a:r>
-              <a:rPr lang="zh-CN" altLang="en-US" sz="2000" dirty="0" smtClean="0"/>
-              <a:t>的数值在提供的列表中</a:t>
-            </a:r>
-            <a:endParaRPr lang="en-US" altLang="zh-CN" sz="2000" dirty="0" smtClean="0"/>
-          </a:p>
-          <a:p>
-            <a:pPr lvl="1"/>
-            <a:r>
-              <a:rPr lang="en-US" altLang="zh-CN" sz="2000" dirty="0" err="1" smtClean="0"/>
-              <a:t>isin</a:t>
-            </a:r>
-            <a:r>
-              <a:rPr lang="zh-CN" altLang="en-US" sz="2000" dirty="0" smtClean="0"/>
-              <a:t>返回</a:t>
-            </a:r>
-            <a:r>
-              <a:rPr lang="en-US" altLang="zh-CN" sz="2000" dirty="0" err="1" smtClean="0"/>
-              <a:t>bool</a:t>
-            </a:r>
-            <a:r>
-              <a:rPr lang="zh-CN" altLang="en-US" sz="2000" dirty="0" smtClean="0"/>
-              <a:t>类型的</a:t>
-            </a:r>
-            <a:r>
-              <a:rPr lang="en-US" altLang="zh-CN" sz="2000" dirty="0" smtClean="0"/>
-              <a:t>Series</a:t>
-            </a:r>
-          </a:p>
-          <a:p>
-            <a:pPr lvl="1"/>
-            <a:r>
-              <a:rPr lang="zh-CN" altLang="en-US" sz="2000" dirty="0" smtClean="0"/>
-              <a:t>必须用</a:t>
-            </a:r>
-            <a:r>
-              <a:rPr lang="en-US" altLang="zh-CN" sz="2000" dirty="0" err="1" smtClean="0"/>
-              <a:t>isin</a:t>
-            </a:r>
-            <a:r>
-              <a:rPr lang="zh-CN" altLang="en-US" sz="2000" dirty="0" smtClean="0"/>
-              <a:t>，而不是</a:t>
-            </a:r>
-            <a:r>
-              <a:rPr lang="en-US" altLang="zh-CN" sz="2000" dirty="0" smtClean="0"/>
-              <a:t>in</a:t>
-            </a:r>
-          </a:p>
-          <a:p>
-            <a:r>
-              <a:rPr lang="en-US" altLang="en-US" sz="2400" dirty="0" err="1" smtClean="0"/>
-              <a:t>df</a:t>
-            </a:r>
-            <a:r>
-              <a:rPr lang="en-US" altLang="en-US" sz="2400" dirty="0" smtClean="0"/>
-              <a:t>[(</a:t>
-            </a:r>
-            <a:r>
-              <a:rPr lang="en-US" altLang="en-US" sz="2400" dirty="0" err="1" smtClean="0"/>
-              <a:t>df</a:t>
-            </a:r>
-            <a:r>
-              <a:rPr lang="en-US" altLang="en-US" sz="2400" dirty="0" smtClean="0"/>
-              <a:t>[‘column1’]&gt;100) &amp; (</a:t>
-            </a:r>
-            <a:r>
-              <a:rPr lang="en-US" altLang="en-US" sz="2400" dirty="0" err="1" smtClean="0"/>
-              <a:t>df</a:t>
-            </a:r>
-            <a:r>
-              <a:rPr lang="en-US" altLang="en-US" sz="2400" dirty="0" smtClean="0"/>
-              <a:t>[‘column1’].</a:t>
-            </a:r>
-            <a:r>
-              <a:rPr lang="en-US" altLang="en-US" sz="2400" dirty="0" err="1" smtClean="0"/>
-              <a:t>isin</a:t>
-            </a:r>
-            <a:r>
-              <a:rPr lang="en-US" altLang="en-US" sz="2400" dirty="0" smtClean="0"/>
-              <a:t>(list))]</a:t>
-            </a:r>
-          </a:p>
-          <a:p>
-            <a:pPr lvl="1"/>
-            <a:r>
-              <a:rPr lang="zh-CN" altLang="en-US" sz="2000" dirty="0" smtClean="0"/>
-              <a:t>多条件筛选时，每个条件都要加上括号</a:t>
-            </a:r>
-            <a:endParaRPr lang="en-US" altLang="en-US" sz="2000" dirty="0" smtClean="0"/>
-          </a:p>
-          <a:p>
-            <a:endParaRPr lang="zh-CN" altLang="en-US" sz="2400" dirty="0" smtClean="0"/>
+            <a:endParaRPr lang="en-US" dirty="0"/>
           </a:p>
         </p:txBody>
       </p:sp>
     </p:spTree>
+    <p:extLst>
+      <p:ext uri="{BB962C8B-B14F-4D97-AF65-F5344CB8AC3E}">
+        <p14:creationId xmlns:p14="http://schemas.microsoft.com/office/powerpoint/2010/main" val="3308283478"/>
+      </p:ext>
+    </p:extLst>
   </p:cSld>
   <p:clrMapOvr>
     <a:masterClrMapping/>
@@ -4030,14 +3864,13 @@
           <a:lstStyle/>
           <a:p>
             <a:r>
-              <a:rPr lang="en-US" altLang="zh-CN" dirty="0" err="1" smtClean="0"/>
+              <a:rPr lang="en-US" altLang="zh-CN" dirty="0" err="1"/>
               <a:t>DataFrame</a:t>
             </a:r>
             <a:r>
-              <a:rPr lang="zh-CN" altLang="en-US" dirty="0" smtClean="0"/>
-              <a:t>的增删</a:t>
-            </a:r>
-            <a:endParaRPr lang="zh-CN" altLang="en-US" dirty="0"/>
+              <a:rPr lang="zh-CN" altLang="en-US" dirty="0"/>
+              <a:t>的筛选</a:t>
+            </a:r>
           </a:p>
         </p:txBody>
       </p:sp>
@@ -4059,199 +3892,243 @@
           <a:lstStyle/>
           <a:p>
             <a:r>
-              <a:rPr lang="zh-CN" altLang="en-US" sz="2400" dirty="0" smtClean="0"/>
-              <a:t>插入行：</a:t>
-            </a:r>
-            <a:r>
-              <a:rPr lang="en-US" sz="2400" dirty="0" smtClean="0"/>
-              <a:t> </a:t>
+              <a:rPr lang="en-US" altLang="en-US" sz="2400" dirty="0" err="1"/>
+              <a:t>df</a:t>
+            </a:r>
+            <a:r>
+              <a:rPr lang="en-US" altLang="en-US" sz="2400" dirty="0"/>
+              <a:t>[</a:t>
+            </a:r>
+            <a:r>
+              <a:rPr lang="en-US" altLang="en-US" sz="2400" dirty="0" err="1"/>
+              <a:t>df</a:t>
+            </a:r>
+            <a:r>
+              <a:rPr lang="en-US" altLang="en-US" sz="2400" dirty="0"/>
+              <a:t>[‘column1’]&gt;100]</a:t>
             </a:r>
           </a:p>
           <a:p>
             <a:pPr lvl="1"/>
             <a:r>
-              <a:rPr lang="en-US" sz="2000" dirty="0" err="1" smtClean="0"/>
-              <a:t>df.append</a:t>
-            </a:r>
-            <a:r>
-              <a:rPr lang="en-US" sz="2000" dirty="0" smtClean="0"/>
-              <a:t>(</a:t>
-            </a:r>
-            <a:r>
-              <a:rPr lang="en-US" sz="2000" dirty="0" err="1" smtClean="0"/>
-              <a:t>otherData</a:t>
-            </a:r>
-            <a:r>
-              <a:rPr lang="en-US" sz="2000" dirty="0" smtClean="0"/>
-              <a:t>, </a:t>
-            </a:r>
-            <a:r>
-              <a:rPr lang="en-US" sz="2000" dirty="0" err="1" smtClean="0"/>
-              <a:t>ignore_index</a:t>
-            </a:r>
-            <a:r>
-              <a:rPr lang="en-US" sz="2000" dirty="0" smtClean="0"/>
-              <a:t>=False, </a:t>
-            </a:r>
-            <a:r>
-              <a:rPr lang="en-US" sz="2000" dirty="0" err="1" smtClean="0"/>
-              <a:t>verify_integrity</a:t>
-            </a:r>
-            <a:r>
-              <a:rPr lang="en-US" sz="2000" dirty="0" smtClean="0"/>
-              <a:t>=False</a:t>
-            </a:r>
-            <a:r>
-              <a:rPr lang="en-US" sz="2000" dirty="0" smtClean="0"/>
-              <a:t>)</a:t>
+              <a:rPr lang="zh-CN" altLang="en-US" sz="2000" dirty="0"/>
+              <a:t>筛选出</a:t>
+            </a:r>
+            <a:r>
+              <a:rPr lang="en-US" altLang="en-US" sz="2000" dirty="0"/>
+              <a:t>columns</a:t>
+            </a:r>
+            <a:r>
+              <a:rPr lang="zh-CN" altLang="en-US" sz="2000" dirty="0"/>
+              <a:t>列大于</a:t>
+            </a:r>
+            <a:r>
+              <a:rPr lang="en-US" altLang="zh-CN" sz="2000" dirty="0"/>
+              <a:t>100</a:t>
+            </a:r>
+            <a:r>
+              <a:rPr lang="zh-CN" altLang="en-US" sz="2000" dirty="0"/>
+              <a:t>的行</a:t>
+            </a:r>
+            <a:endParaRPr lang="en-US" altLang="zh-CN" sz="2000" dirty="0"/>
+          </a:p>
+          <a:p>
+            <a:r>
+              <a:rPr lang="pt-BR" altLang="zh-CN" sz="2400" dirty="0"/>
+              <a:t>df[[</a:t>
+            </a:r>
+            <a:r>
+              <a:rPr lang="en-US" altLang="zh-CN" sz="2400" dirty="0"/>
+              <a:t>‘</a:t>
+            </a:r>
+            <a:r>
+              <a:rPr lang="en-US" altLang="en-US" sz="2400" dirty="0"/>
+              <a:t>column2</a:t>
+            </a:r>
+            <a:r>
+              <a:rPr lang="pt-BR" altLang="zh-CN" sz="2400" dirty="0"/>
+              <a:t>’, ‘</a:t>
+            </a:r>
+            <a:r>
+              <a:rPr lang="en-US" altLang="en-US" sz="2400" dirty="0"/>
+              <a:t>column3</a:t>
+            </a:r>
+            <a:r>
+              <a:rPr lang="pt-BR" altLang="zh-CN" sz="2400" dirty="0"/>
+              <a:t>’]][</a:t>
+            </a:r>
+            <a:r>
+              <a:rPr lang="en-US" altLang="zh-CN" sz="2400" dirty="0" err="1"/>
+              <a:t>df</a:t>
+            </a:r>
+            <a:r>
+              <a:rPr lang="en-US" altLang="en-US" sz="2400" dirty="0"/>
+              <a:t>["column1"]&gt;100</a:t>
+            </a:r>
+            <a:r>
+              <a:rPr lang="pt-BR" altLang="zh-CN" sz="2400" dirty="0"/>
+              <a:t>]</a:t>
             </a:r>
           </a:p>
           <a:p>
             <a:pPr lvl="1"/>
             <a:r>
-              <a:rPr lang="en-US" sz="2000" dirty="0" smtClean="0"/>
-              <a:t>df.loc[</a:t>
-            </a:r>
-            <a:r>
-              <a:rPr lang="en-US" sz="2000" dirty="0" err="1" smtClean="0"/>
-              <a:t>len</a:t>
-            </a:r>
-            <a:r>
-              <a:rPr lang="en-US" sz="2000" dirty="0" smtClean="0"/>
-              <a:t>(</a:t>
-            </a:r>
-            <a:r>
-              <a:rPr lang="en-US" sz="2000" dirty="0" err="1" smtClean="0"/>
+              <a:rPr lang="en-US" altLang="en-US" sz="2000" dirty="0"/>
+              <a:t>columns</a:t>
+            </a:r>
+            <a:r>
+              <a:rPr lang="zh-CN" altLang="en-US" sz="2000" dirty="0"/>
+              <a:t>列大于</a:t>
+            </a:r>
+            <a:r>
+              <a:rPr lang="en-US" altLang="zh-CN" sz="2000" dirty="0"/>
+              <a:t>100</a:t>
+            </a:r>
+            <a:r>
+              <a:rPr lang="zh-CN" altLang="en-US" sz="2000" dirty="0"/>
+              <a:t>的列，仅选择</a:t>
+            </a:r>
+            <a:r>
+              <a:rPr lang="en-US" altLang="zh-CN" sz="2000" dirty="0"/>
+              <a:t>column2</a:t>
+            </a:r>
+            <a:r>
+              <a:rPr lang="zh-CN" altLang="en-US" sz="2000" dirty="0"/>
+              <a:t>和</a:t>
+            </a:r>
+            <a:r>
+              <a:rPr lang="en-US" altLang="zh-CN" sz="2000" dirty="0"/>
+              <a:t>column3</a:t>
+            </a:r>
+          </a:p>
+          <a:p>
+            <a:r>
+              <a:rPr lang="en-US" altLang="zh-CN" sz="2400" dirty="0" err="1"/>
               <a:t>df</a:t>
             </a:r>
             <a:r>
-              <a:rPr lang="en-US" sz="2000" dirty="0" smtClean="0"/>
-              <a:t>)] = [1,2,3]</a:t>
-            </a:r>
-            <a:endParaRPr lang="en-US" sz="2000" dirty="0" smtClean="0"/>
-          </a:p>
-          <a:p>
-            <a:r>
-              <a:rPr lang="zh-CN" altLang="en-US" sz="2400" dirty="0" smtClean="0"/>
-              <a:t>插入（覆盖）列：</a:t>
-            </a:r>
-            <a:endParaRPr lang="en-US" altLang="zh-CN" sz="2400" dirty="0" smtClean="0"/>
+              <a:rPr lang="en-US" altLang="zh-CN" sz="2400" dirty="0"/>
+              <a:t>[</a:t>
+            </a:r>
+            <a:r>
+              <a:rPr lang="en-US" altLang="zh-CN" sz="2400" dirty="0" err="1"/>
+              <a:t>df</a:t>
+            </a:r>
+            <a:r>
+              <a:rPr lang="en-US" altLang="zh-CN" sz="2400" dirty="0"/>
+              <a:t>[‘columns1’].</a:t>
+            </a:r>
+            <a:r>
+              <a:rPr lang="en-US" altLang="zh-CN" sz="2400" dirty="0" err="1"/>
+              <a:t>isin</a:t>
+            </a:r>
+            <a:r>
+              <a:rPr lang="en-US" altLang="zh-CN" sz="2400" dirty="0"/>
+              <a:t>([xxx])]</a:t>
+            </a:r>
           </a:p>
           <a:p>
             <a:pPr lvl="1"/>
             <a:r>
-              <a:rPr lang="en-US" altLang="zh-CN" sz="2000" dirty="0" smtClean="0"/>
-              <a:t> </a:t>
-            </a:r>
-            <a:r>
-              <a:rPr lang="en-US" altLang="zh-CN" sz="2000" dirty="0" err="1" smtClean="0"/>
+              <a:rPr lang="zh-CN" altLang="en-US" sz="2000" dirty="0"/>
+              <a:t>选择行，其中</a:t>
+            </a:r>
+            <a:r>
+              <a:rPr lang="en-US" altLang="zh-CN" sz="2000" dirty="0"/>
+              <a:t>column1</a:t>
+            </a:r>
+            <a:r>
+              <a:rPr lang="zh-CN" altLang="en-US" sz="2000" dirty="0"/>
+              <a:t>的数值在提供的列表中</a:t>
+            </a:r>
+            <a:endParaRPr lang="en-US" altLang="zh-CN" sz="2000" dirty="0"/>
+          </a:p>
+          <a:p>
+            <a:pPr lvl="1"/>
+            <a:r>
+              <a:rPr lang="en-US" altLang="zh-CN" sz="2000" dirty="0" err="1"/>
+              <a:t>isin</a:t>
+            </a:r>
+            <a:r>
+              <a:rPr lang="zh-CN" altLang="en-US" sz="2000" dirty="0"/>
+              <a:t>返回</a:t>
+            </a:r>
+            <a:r>
+              <a:rPr lang="en-US" altLang="zh-CN" sz="2000" dirty="0" err="1"/>
+              <a:t>bool</a:t>
+            </a:r>
+            <a:r>
+              <a:rPr lang="zh-CN" altLang="en-US" sz="2000" dirty="0"/>
+              <a:t>类型的</a:t>
+            </a:r>
+            <a:r>
+              <a:rPr lang="en-US" altLang="zh-CN" sz="2000" dirty="0"/>
+              <a:t>Series</a:t>
+            </a:r>
+          </a:p>
+          <a:p>
+            <a:pPr lvl="1"/>
+            <a:r>
+              <a:rPr lang="zh-CN" altLang="en-US" sz="2000" dirty="0"/>
+              <a:t>必须用</a:t>
+            </a:r>
+            <a:r>
+              <a:rPr lang="en-US" altLang="zh-CN" sz="2000" dirty="0" err="1"/>
+              <a:t>isin</a:t>
+            </a:r>
+            <a:r>
+              <a:rPr lang="zh-CN" altLang="en-US" sz="2000" dirty="0"/>
+              <a:t>，而不是</a:t>
+            </a:r>
+            <a:r>
+              <a:rPr lang="en-US" altLang="zh-CN" sz="2000" dirty="0"/>
+              <a:t>in</a:t>
+            </a:r>
+          </a:p>
+          <a:p>
+            <a:r>
+              <a:rPr lang="en-US" altLang="en-US" sz="2400" dirty="0" err="1"/>
               <a:t>df</a:t>
             </a:r>
             <a:r>
-              <a:rPr lang="en-US" altLang="zh-CN" sz="2000" dirty="0" smtClean="0"/>
-              <a:t>[‘new'] = </a:t>
-            </a:r>
-            <a:r>
-              <a:rPr lang="en-US" altLang="zh-CN" sz="2000" dirty="0" err="1" smtClean="0"/>
-              <a:t>pd.Series</a:t>
-            </a:r>
-            <a:r>
-              <a:rPr lang="en-US" altLang="zh-CN" sz="2000" dirty="0" smtClean="0"/>
-              <a:t>(</a:t>
-            </a:r>
-            <a:r>
-              <a:rPr lang="en-US" altLang="zh-CN" sz="2000" dirty="0" err="1" smtClean="0"/>
-              <a:t>np.random.randn</a:t>
-            </a:r>
-            <a:r>
-              <a:rPr lang="en-US" altLang="zh-CN" sz="2000" dirty="0" smtClean="0"/>
-              <a:t>(n), index=</a:t>
-            </a:r>
-            <a:r>
-              <a:rPr lang="en-US" altLang="zh-CN" sz="2000" dirty="0" err="1" smtClean="0"/>
-              <a:t>df.index</a:t>
-            </a:r>
-            <a:r>
-              <a:rPr lang="en-US" altLang="zh-CN" sz="2000" dirty="0" smtClean="0"/>
-              <a:t>)</a:t>
-            </a:r>
-          </a:p>
-          <a:p>
-            <a:r>
-              <a:rPr lang="zh-CN" altLang="en-US" sz="2400" dirty="0" smtClean="0"/>
-              <a:t>删除列：</a:t>
-            </a:r>
-            <a:endParaRPr lang="en-US" altLang="zh-CN" sz="2400" dirty="0" smtClean="0"/>
+              <a:rPr lang="en-US" altLang="en-US" sz="2400" dirty="0"/>
+              <a:t>[(</a:t>
+            </a:r>
+            <a:r>
+              <a:rPr lang="en-US" altLang="en-US" sz="2400" dirty="0" err="1"/>
+              <a:t>df</a:t>
+            </a:r>
+            <a:r>
+              <a:rPr lang="en-US" altLang="en-US" sz="2400" dirty="0"/>
+              <a:t>[‘column1’]&gt;100) &amp; (</a:t>
+            </a:r>
+            <a:r>
+              <a:rPr lang="en-US" altLang="en-US" sz="2400" dirty="0" err="1"/>
+              <a:t>df</a:t>
+            </a:r>
+            <a:r>
+              <a:rPr lang="en-US" altLang="en-US" sz="2400" dirty="0"/>
+              <a:t>[‘column1’].</a:t>
+            </a:r>
+            <a:r>
+              <a:rPr lang="en-US" altLang="en-US" sz="2400" dirty="0" err="1"/>
+              <a:t>isin</a:t>
+            </a:r>
+            <a:r>
+              <a:rPr lang="en-US" altLang="en-US" sz="2400" dirty="0"/>
+              <a:t>(list))]</a:t>
+            </a:r>
           </a:p>
           <a:p>
             <a:pPr lvl="1"/>
             <a:r>
-              <a:rPr lang="en-US" altLang="zh-CN" sz="1800" dirty="0" smtClean="0"/>
-              <a:t>del </a:t>
-            </a:r>
-            <a:r>
-              <a:rPr lang="en-US" altLang="zh-CN" sz="1800" dirty="0" err="1" smtClean="0"/>
-              <a:t>df</a:t>
-            </a:r>
-            <a:r>
-              <a:rPr lang="en-US" altLang="zh-CN" sz="1800" dirty="0" smtClean="0"/>
-              <a:t>[‘a’]    # </a:t>
-            </a:r>
-            <a:r>
-              <a:rPr lang="zh-CN" altLang="en-US" sz="1800" dirty="0" smtClean="0"/>
-              <a:t>直接影响当前</a:t>
-            </a:r>
-            <a:r>
-              <a:rPr lang="en-US" altLang="zh-CN" sz="1800" dirty="0" err="1" smtClean="0"/>
-              <a:t>DataFrame</a:t>
-            </a:r>
-            <a:endParaRPr lang="en-US" altLang="zh-CN" sz="1800" dirty="0" smtClean="0"/>
-          </a:p>
-          <a:p>
-            <a:pPr lvl="1"/>
-            <a:r>
-              <a:rPr lang="en-US" altLang="zh-CN" sz="1800" dirty="0" err="1" smtClean="0"/>
-              <a:t>df.drop</a:t>
-            </a:r>
-            <a:r>
-              <a:rPr lang="en-US" altLang="zh-CN" sz="1800" dirty="0" smtClean="0"/>
-              <a:t>([‘a’],axis=1)    # </a:t>
-            </a:r>
-            <a:r>
-              <a:rPr lang="zh-CN" altLang="en-US" sz="1800" dirty="0" smtClean="0"/>
-              <a:t>返回新的</a:t>
-            </a:r>
-            <a:r>
-              <a:rPr lang="en-US" altLang="zh-CN" sz="1800" dirty="0" err="1" smtClean="0"/>
-              <a:t>DataFrame</a:t>
-            </a:r>
-            <a:endParaRPr lang="en-US" altLang="zh-CN" sz="1800" dirty="0" smtClean="0"/>
-          </a:p>
-          <a:p>
-            <a:r>
-              <a:rPr lang="zh-CN" altLang="en-US" sz="2400" dirty="0" smtClean="0"/>
-              <a:t>删除行：</a:t>
-            </a:r>
-          </a:p>
-          <a:p>
-            <a:pPr lvl="1"/>
-            <a:r>
-              <a:rPr lang="en-US" altLang="zh-CN" sz="2000" dirty="0" err="1" smtClean="0"/>
-              <a:t>data.drop</a:t>
-            </a:r>
-            <a:r>
-              <a:rPr lang="en-US" altLang="zh-CN" sz="2000" dirty="0" smtClean="0"/>
-              <a:t>([index1', index2'])     # </a:t>
-            </a:r>
-            <a:r>
-              <a:rPr lang="zh-CN" altLang="en-US" sz="2000" dirty="0" smtClean="0"/>
-              <a:t>返回新的</a:t>
-            </a:r>
-            <a:r>
-              <a:rPr lang="en-US" altLang="zh-CN" sz="2000" dirty="0" err="1" smtClean="0"/>
-              <a:t>DataFrame</a:t>
-            </a:r>
-            <a:endParaRPr lang="en-US" altLang="zh-CN" sz="2000" dirty="0" smtClean="0"/>
+              <a:rPr lang="zh-CN" altLang="en-US" sz="2000" dirty="0"/>
+              <a:t>多条件筛选时，每个条件都要加上括号</a:t>
+            </a:r>
+            <a:endParaRPr lang="en-US" altLang="en-US" sz="2000" dirty="0"/>
+          </a:p>
+          <a:p>
+            <a:endParaRPr lang="zh-CN" altLang="en-US" sz="2400" dirty="0"/>
           </a:p>
         </p:txBody>
       </p:sp>
@@ -4296,14 +4173,13 @@
           <a:lstStyle/>
           <a:p>
             <a:r>
-              <a:rPr lang="en-US" altLang="zh-CN" dirty="0" err="1" smtClean="0"/>
+              <a:rPr lang="en-US" altLang="zh-CN" dirty="0" err="1"/>
               <a:t>DataFrame</a:t>
             </a:r>
             <a:r>
-              <a:rPr lang="zh-CN" altLang="en-US" dirty="0" smtClean="0"/>
-              <a:t>的修改</a:t>
-            </a:r>
-            <a:endParaRPr lang="zh-CN" altLang="en-US" dirty="0"/>
+              <a:rPr lang="zh-CN" altLang="en-US" dirty="0"/>
+              <a:t>的增删</a:t>
+            </a:r>
           </a:p>
         </p:txBody>
       </p:sp>
@@ -4325,91 +4201,194 @@
           <a:lstStyle/>
           <a:p>
             <a:r>
-              <a:rPr lang="en-US" altLang="zh-CN" sz="2800" dirty="0" err="1" smtClean="0"/>
-              <a:t>df.values</a:t>
-            </a:r>
-            <a:r>
-              <a:rPr lang="en-US" altLang="zh-CN" sz="2800" dirty="0" smtClean="0"/>
-              <a:t>[</a:t>
-            </a:r>
-            <a:r>
-              <a:rPr lang="en-US" altLang="zh-CN" sz="2800" dirty="0" err="1" smtClean="0"/>
-              <a:t>i</a:t>
-            </a:r>
-            <a:r>
-              <a:rPr lang="en-US" altLang="zh-CN" sz="2800" dirty="0" smtClean="0"/>
-              <a:t>][j]= xxx # </a:t>
-            </a:r>
-            <a:r>
-              <a:rPr lang="en-US" altLang="zh-CN" sz="2800" dirty="0" err="1" smtClean="0"/>
-              <a:t>i</a:t>
-            </a:r>
-            <a:r>
-              <a:rPr lang="zh-CN" altLang="en-US" sz="2800" dirty="0" smtClean="0"/>
-              <a:t>是行号，</a:t>
-            </a:r>
-            <a:r>
-              <a:rPr lang="en-US" altLang="zh-CN" sz="2800" dirty="0" smtClean="0"/>
-              <a:t>j</a:t>
-            </a:r>
-            <a:r>
-              <a:rPr lang="zh-CN" altLang="en-US" sz="2800" dirty="0" smtClean="0"/>
-              <a:t>是列号，都从</a:t>
-            </a:r>
-            <a:r>
-              <a:rPr lang="en-US" altLang="zh-CN" sz="2800" dirty="0" smtClean="0"/>
-              <a:t>0</a:t>
-            </a:r>
-            <a:r>
-              <a:rPr lang="zh-CN" altLang="en-US" sz="2800" dirty="0" smtClean="0"/>
-              <a:t>开始</a:t>
-            </a:r>
-            <a:endParaRPr lang="en-US" altLang="zh-CN" sz="2800" dirty="0" smtClean="0"/>
-          </a:p>
-          <a:p>
-            <a:r>
-              <a:rPr lang="en-US" altLang="zh-CN" sz="2800" dirty="0" err="1" smtClean="0"/>
-              <a:t>df.values</a:t>
-            </a:r>
-            <a:r>
-              <a:rPr lang="en-US" altLang="zh-CN" sz="2800" dirty="0" smtClean="0"/>
-              <a:t>[</a:t>
-            </a:r>
-            <a:r>
-              <a:rPr lang="en-US" altLang="zh-CN" sz="2800" dirty="0" err="1" smtClean="0"/>
-              <a:t>i</a:t>
-            </a:r>
-            <a:r>
-              <a:rPr lang="en-US" altLang="zh-CN" sz="2800" dirty="0" smtClean="0"/>
-              <a:t>]=xxx # </a:t>
-            </a:r>
-            <a:r>
-              <a:rPr lang="zh-CN" altLang="en-US" sz="2800" dirty="0" smtClean="0"/>
-              <a:t>将一行所有的列设置为同一个值</a:t>
-            </a:r>
-            <a:endParaRPr lang="en-US" altLang="zh-CN" sz="2800" dirty="0" smtClean="0"/>
-          </a:p>
-          <a:p>
-            <a:r>
-              <a:rPr lang="en-US" sz="2800" dirty="0" err="1" smtClean="0"/>
+              <a:rPr lang="zh-CN" altLang="en-US" sz="2400" dirty="0"/>
+              <a:t>插入行：</a:t>
+            </a:r>
+            <a:r>
+              <a:rPr lang="en-US" sz="2400" dirty="0"/>
+              <a:t> </a:t>
+            </a:r>
+          </a:p>
+          <a:p>
+            <a:pPr lvl="1"/>
+            <a:r>
+              <a:rPr lang="en-US" sz="2000" dirty="0" err="1"/>
+              <a:t>df.append</a:t>
+            </a:r>
+            <a:r>
+              <a:rPr lang="en-US" sz="2000" dirty="0"/>
+              <a:t>(</a:t>
+            </a:r>
+            <a:r>
+              <a:rPr lang="en-US" sz="2000" dirty="0" err="1"/>
+              <a:t>otherData</a:t>
+            </a:r>
+            <a:r>
+              <a:rPr lang="en-US" sz="2000" dirty="0"/>
+              <a:t>, </a:t>
+            </a:r>
+            <a:r>
+              <a:rPr lang="en-US" sz="2000" dirty="0" err="1"/>
+              <a:t>ignore_index</a:t>
+            </a:r>
+            <a:r>
+              <a:rPr lang="en-US" sz="2000" dirty="0"/>
+              <a:t>=False, </a:t>
+            </a:r>
+            <a:r>
+              <a:rPr lang="en-US" sz="2000" dirty="0" err="1"/>
+              <a:t>verify_integrity</a:t>
+            </a:r>
+            <a:r>
+              <a:rPr lang="en-US" sz="2000" dirty="0"/>
+              <a:t>=False)</a:t>
+            </a:r>
+          </a:p>
+          <a:p>
+            <a:pPr lvl="1"/>
+            <a:r>
+              <a:rPr lang="en-US" sz="2000" dirty="0"/>
+              <a:t>df.loc[</a:t>
+            </a:r>
+            <a:r>
+              <a:rPr lang="en-US" sz="2000" dirty="0" err="1"/>
+              <a:t>len</a:t>
+            </a:r>
+            <a:r>
+              <a:rPr lang="en-US" sz="2000" dirty="0"/>
+              <a:t>(</a:t>
+            </a:r>
+            <a:r>
+              <a:rPr lang="en-US" sz="2000" dirty="0" err="1"/>
               <a:t>df</a:t>
             </a:r>
             <a:r>
-              <a:rPr lang="en-US" sz="2800" dirty="0" smtClean="0"/>
-              <a:t>[‘column’] = xxx </a:t>
-            </a:r>
-            <a:r>
-              <a:rPr lang="en-US" altLang="zh-CN" sz="2800" dirty="0" smtClean="0"/>
-              <a:t># </a:t>
-            </a:r>
-            <a:r>
-              <a:rPr lang="zh-CN" altLang="en-US" sz="2800" dirty="0" smtClean="0"/>
-              <a:t>将一列设为同一个值，不存在则插入</a:t>
-            </a:r>
-            <a:endParaRPr lang="en-US" altLang="zh-CN" sz="2800" dirty="0" smtClean="0"/>
-          </a:p>
-          <a:p>
-            <a:endParaRPr lang="zh-CN" altLang="en-US" sz="2800" dirty="0"/>
+              <a:rPr lang="en-US" sz="2000" dirty="0"/>
+              <a:t>)] = [1,2,3]</a:t>
+            </a:r>
+          </a:p>
+          <a:p>
+            <a:r>
+              <a:rPr lang="zh-CN" altLang="en-US" sz="2400" dirty="0"/>
+              <a:t>插入（覆盖）列：</a:t>
+            </a:r>
+            <a:endParaRPr lang="en-US" altLang="zh-CN" sz="2400" dirty="0"/>
+          </a:p>
+          <a:p>
+            <a:pPr lvl="1"/>
+            <a:r>
+              <a:rPr lang="en-US" altLang="zh-CN" sz="2000" dirty="0"/>
+              <a:t> </a:t>
+            </a:r>
+            <a:r>
+              <a:rPr lang="en-US" altLang="zh-CN" sz="2000" dirty="0" err="1"/>
+              <a:t>df</a:t>
+            </a:r>
+            <a:r>
+              <a:rPr lang="en-US" altLang="zh-CN" sz="2000" dirty="0"/>
+              <a:t>[‘new'] = </a:t>
+            </a:r>
+            <a:r>
+              <a:rPr lang="en-US" altLang="zh-CN" sz="2000" dirty="0" err="1"/>
+              <a:t>pd.Series</a:t>
+            </a:r>
+            <a:r>
+              <a:rPr lang="en-US" altLang="zh-CN" sz="2000" dirty="0"/>
+              <a:t>(</a:t>
+            </a:r>
+            <a:r>
+              <a:rPr lang="en-US" altLang="zh-CN" sz="2000" dirty="0" err="1"/>
+              <a:t>np.random.randn</a:t>
+            </a:r>
+            <a:r>
+              <a:rPr lang="en-US" altLang="zh-CN" sz="2000" dirty="0"/>
+              <a:t>(n), index=</a:t>
+            </a:r>
+            <a:r>
+              <a:rPr lang="en-US" altLang="zh-CN" sz="2000" dirty="0" err="1"/>
+              <a:t>df.index</a:t>
+            </a:r>
+            <a:r>
+              <a:rPr lang="en-US" altLang="zh-CN" sz="2000" dirty="0"/>
+              <a:t>)</a:t>
+            </a:r>
+          </a:p>
+          <a:p>
+            <a:r>
+              <a:rPr lang="zh-CN" altLang="en-US" sz="2400" dirty="0"/>
+              <a:t>删除列：</a:t>
+            </a:r>
+            <a:endParaRPr lang="en-US" altLang="zh-CN" sz="2400" dirty="0"/>
+          </a:p>
+          <a:p>
+            <a:pPr lvl="1"/>
+            <a:r>
+              <a:rPr lang="en-US" altLang="zh-CN" sz="1800" dirty="0"/>
+              <a:t>del </a:t>
+            </a:r>
+            <a:r>
+              <a:rPr lang="en-US" altLang="zh-CN" sz="1800" dirty="0" err="1"/>
+              <a:t>df</a:t>
+            </a:r>
+            <a:r>
+              <a:rPr lang="en-US" altLang="zh-CN" sz="1800" dirty="0"/>
+              <a:t>[‘a’]    # </a:t>
+            </a:r>
+            <a:r>
+              <a:rPr lang="zh-CN" altLang="en-US" sz="1800" dirty="0"/>
+              <a:t>直接影响当前</a:t>
+            </a:r>
+            <a:r>
+              <a:rPr lang="en-US" altLang="zh-CN" sz="1800" dirty="0" err="1"/>
+              <a:t>DataFrame</a:t>
+            </a:r>
+            <a:endParaRPr lang="en-US" altLang="zh-CN" sz="1800" dirty="0"/>
+          </a:p>
+          <a:p>
+            <a:pPr lvl="1"/>
+            <a:r>
+              <a:rPr lang="en-US" altLang="zh-CN" sz="1800" dirty="0" err="1"/>
+              <a:t>df.drop</a:t>
+            </a:r>
+            <a:r>
+              <a:rPr lang="en-US" altLang="zh-CN" sz="1800" dirty="0"/>
+              <a:t>([‘a’],axis=1)    # </a:t>
+            </a:r>
+            <a:r>
+              <a:rPr lang="zh-CN" altLang="en-US" sz="1800" dirty="0"/>
+              <a:t>返回新的</a:t>
+            </a:r>
+            <a:r>
+              <a:rPr lang="en-US" altLang="zh-CN" sz="1800" dirty="0" err="1"/>
+              <a:t>DataFrame</a:t>
+            </a:r>
+            <a:endParaRPr lang="en-US" altLang="zh-CN" sz="1800" dirty="0"/>
+          </a:p>
+          <a:p>
+            <a:r>
+              <a:rPr lang="zh-CN" altLang="en-US" sz="2400" dirty="0"/>
+              <a:t>删除行：</a:t>
+            </a:r>
+          </a:p>
+          <a:p>
+            <a:pPr lvl="1"/>
+            <a:r>
+              <a:rPr lang="en-US" altLang="zh-CN" sz="2000" dirty="0" err="1"/>
+              <a:t>data.drop</a:t>
+            </a:r>
+            <a:r>
+              <a:rPr lang="en-US" altLang="zh-CN" sz="2000" dirty="0"/>
+              <a:t>([index1', index2'])     # </a:t>
+            </a:r>
+            <a:r>
+              <a:rPr lang="zh-CN" altLang="en-US" sz="2000" dirty="0"/>
+              <a:t>返回新的</a:t>
+            </a:r>
+            <a:r>
+              <a:rPr lang="en-US" altLang="zh-CN" sz="2000" dirty="0" err="1"/>
+              <a:t>DataFrame</a:t>
+            </a:r>
+            <a:endParaRPr lang="en-US" altLang="zh-CN" sz="2000" dirty="0"/>
           </a:p>
         </p:txBody>
       </p:sp>
@@ -4440,7 +4419,13 @@
       </p:grpSpPr>
       <p:sp>
         <p:nvSpPr>
-          <p:cNvPr id="2" name="标题 1"/>
+          <p:cNvPr id="2" name="Title 1">
+            <a:extLst>
+              <a:ext uri="{FF2B5EF4-FFF2-40B4-BE49-F238E27FC236}">
+                <a16:creationId xmlns:a16="http://schemas.microsoft.com/office/drawing/2014/main" id="{2B5DEDAB-0DD3-4269-A921-90595DCE9E9A}"/>
+              </a:ext>
+            </a:extLst>
+          </p:cNvPr>
           <p:cNvSpPr>
             <a:spLocks noGrp="1"/>
           </p:cNvSpPr>
@@ -4453,21 +4438,19 @@
           <a:bodyPr/>
           <a:lstStyle/>
           <a:p>
-            <a:r>
-              <a:rPr lang="en-US" altLang="zh-CN" dirty="0" err="1" smtClean="0"/>
-              <a:t>DataFrame</a:t>
-            </a:r>
-            <a:r>
-              <a:rPr lang="zh-CN" altLang="en-US" dirty="0" smtClean="0"/>
-              <a:t>的基本操作</a:t>
-            </a:r>
-            <a:endParaRPr lang="zh-CN" altLang="en-US" dirty="0"/>
-          </a:p>
-        </p:txBody>
-      </p:sp>
-      <p:sp>
-        <p:nvSpPr>
-          <p:cNvPr id="3" name="内容占位符 2"/>
+            <a:endParaRPr lang="en-US"/>
+          </a:p>
+        </p:txBody>
+      </p:sp>
+      <p:sp>
+        <p:nvSpPr>
+          <p:cNvPr id="3" name="Content Placeholder 2">
+            <a:extLst>
+              <a:ext uri="{FF2B5EF4-FFF2-40B4-BE49-F238E27FC236}">
+                <a16:creationId xmlns:a16="http://schemas.microsoft.com/office/drawing/2014/main" id="{57A4E6F1-8B37-413E-A9AE-EA39842F900C}"/>
+              </a:ext>
+            </a:extLst>
+          </p:cNvPr>
           <p:cNvSpPr>
             <a:spLocks noGrp="1"/>
           </p:cNvSpPr>
@@ -4477,216 +4460,19 @@
         </p:nvSpPr>
         <p:spPr/>
         <p:txBody>
-          <a:bodyPr>
-            <a:normAutofit/>
-          </a:bodyPr>
-          <a:lstStyle/>
-          <a:p>
-            <a:r>
-              <a:rPr lang="zh-CN" altLang="en-US" sz="2000" dirty="0" smtClean="0"/>
-              <a:t>行数：</a:t>
-            </a:r>
-            <a:r>
-              <a:rPr lang="en-US" altLang="zh-CN" sz="2000" dirty="0" smtClean="0"/>
-              <a:t> </a:t>
-            </a:r>
-            <a:r>
-              <a:rPr lang="en-US" altLang="zh-CN" sz="2000" dirty="0" err="1" smtClean="0"/>
-              <a:t>len</a:t>
-            </a:r>
-            <a:r>
-              <a:rPr lang="en-US" altLang="zh-CN" sz="2000" dirty="0" smtClean="0"/>
-              <a:t>(</a:t>
-            </a:r>
-            <a:r>
-              <a:rPr lang="en-US" altLang="zh-CN" sz="2000" dirty="0" err="1" smtClean="0"/>
-              <a:t>df</a:t>
-            </a:r>
-            <a:r>
-              <a:rPr lang="en-US" altLang="zh-CN" sz="2000" dirty="0" smtClean="0"/>
-              <a:t>) or </a:t>
-            </a:r>
-            <a:r>
-              <a:rPr lang="en-US" altLang="zh-CN" sz="2000" dirty="0" err="1" smtClean="0"/>
-              <a:t>len</a:t>
-            </a:r>
-            <a:r>
-              <a:rPr lang="en-US" altLang="zh-CN" sz="2000" dirty="0" smtClean="0"/>
-              <a:t>(</a:t>
-            </a:r>
-            <a:r>
-              <a:rPr lang="en-US" altLang="zh-CN" sz="2000" dirty="0" err="1" smtClean="0"/>
-              <a:t>df.index</a:t>
-            </a:r>
-            <a:r>
-              <a:rPr lang="en-US" altLang="zh-CN" sz="2000" dirty="0" smtClean="0"/>
-              <a:t>)</a:t>
-            </a:r>
-          </a:p>
-          <a:p>
-            <a:r>
-              <a:rPr lang="zh-CN" altLang="en-US" sz="2000" dirty="0" smtClean="0"/>
-              <a:t>索引：</a:t>
-            </a:r>
-            <a:r>
-              <a:rPr lang="en-US" altLang="zh-CN" sz="2000" dirty="0" smtClean="0"/>
-              <a:t> </a:t>
-            </a:r>
-            <a:r>
-              <a:rPr lang="en-US" altLang="zh-CN" sz="2000" dirty="0" err="1" smtClean="0"/>
-              <a:t>df.index</a:t>
-            </a:r>
-            <a:endParaRPr lang="en-US" altLang="zh-CN" sz="2000" dirty="0" smtClean="0"/>
-          </a:p>
-          <a:p>
-            <a:r>
-              <a:rPr lang="zh-CN" altLang="en-US" sz="2000" dirty="0" smtClean="0"/>
-              <a:t>列名：</a:t>
-            </a:r>
-            <a:r>
-              <a:rPr lang="en-US" altLang="zh-CN" sz="2000" dirty="0" smtClean="0"/>
-              <a:t> </a:t>
-            </a:r>
-            <a:r>
-              <a:rPr lang="en-US" altLang="zh-CN" sz="2000" dirty="0" err="1" smtClean="0"/>
-              <a:t>df.columns</a:t>
-            </a:r>
-            <a:endParaRPr lang="en-US" altLang="zh-CN" sz="2000" dirty="0" smtClean="0"/>
-          </a:p>
-          <a:p>
-            <a:r>
-              <a:rPr lang="zh-CN" altLang="en-US" sz="2000" dirty="0" smtClean="0"/>
-              <a:t>底层</a:t>
-            </a:r>
-            <a:r>
-              <a:rPr lang="en-US" altLang="zh-CN" sz="2000" dirty="0" err="1" smtClean="0"/>
-              <a:t>numpy</a:t>
-            </a:r>
-            <a:r>
-              <a:rPr lang="zh-CN" altLang="en-US" sz="2000" dirty="0" smtClean="0"/>
-              <a:t>：</a:t>
-            </a:r>
-            <a:r>
-              <a:rPr lang="en-US" altLang="zh-CN" sz="2000" dirty="0" smtClean="0"/>
-              <a:t> </a:t>
-            </a:r>
-            <a:r>
-              <a:rPr lang="en-US" altLang="zh-CN" sz="2000" dirty="0" err="1" smtClean="0"/>
-              <a:t>df.values</a:t>
-            </a:r>
-            <a:endParaRPr lang="en-US" altLang="zh-CN" sz="2000" dirty="0" smtClean="0"/>
-          </a:p>
-          <a:p>
-            <a:r>
-              <a:rPr lang="zh-CN" altLang="en-US" sz="2000" dirty="0" smtClean="0"/>
-              <a:t>排序：</a:t>
-            </a:r>
-            <a:r>
-              <a:rPr lang="en-US" sz="2000" dirty="0" smtClean="0"/>
-              <a:t> </a:t>
-            </a:r>
-            <a:r>
-              <a:rPr lang="en-US" sz="2000" dirty="0" err="1" smtClean="0"/>
-              <a:t>df</a:t>
-            </a:r>
-            <a:r>
-              <a:rPr lang="en-US" sz="2000" b="1" dirty="0" err="1" smtClean="0"/>
-              <a:t>.</a:t>
-            </a:r>
-            <a:r>
-              <a:rPr lang="en-US" sz="2000" dirty="0" err="1" smtClean="0"/>
-              <a:t>sort_index</a:t>
-            </a:r>
-            <a:r>
-              <a:rPr lang="en-US" sz="2000" dirty="0" smtClean="0"/>
-              <a:t>(</a:t>
-            </a:r>
-            <a:r>
-              <a:rPr lang="en-US" sz="2000" dirty="0" err="1" smtClean="0"/>
-              <a:t>asccending</a:t>
-            </a:r>
-            <a:r>
-              <a:rPr lang="en-US" sz="2000" dirty="0" smtClean="0"/>
-              <a:t>=False, </a:t>
-            </a:r>
-            <a:r>
-              <a:rPr lang="en-US" sz="2000" dirty="0" err="1" smtClean="0"/>
-              <a:t>inpalce</a:t>
-            </a:r>
-            <a:r>
-              <a:rPr lang="en-US" sz="2000" dirty="0" smtClean="0"/>
-              <a:t>=True)</a:t>
-            </a:r>
-          </a:p>
-          <a:p>
-            <a:r>
-              <a:rPr lang="zh-CN" altLang="en-US" sz="2000" dirty="0" smtClean="0"/>
-              <a:t>遍历：</a:t>
-            </a:r>
-            <a:r>
-              <a:rPr lang="en-US" altLang="zh-CN" sz="2000" dirty="0" smtClean="0"/>
-              <a:t>for index, row in </a:t>
-            </a:r>
-            <a:r>
-              <a:rPr lang="en-US" altLang="zh-CN" sz="2000" dirty="0" err="1" smtClean="0"/>
-              <a:t>df.iterrows</a:t>
-            </a:r>
-            <a:r>
-              <a:rPr lang="en-US" altLang="zh-CN" sz="2000" dirty="0" smtClean="0"/>
-              <a:t>(): </a:t>
-            </a:r>
-          </a:p>
-          <a:p>
-            <a:pPr lvl="1"/>
-            <a:r>
-              <a:rPr lang="en-US" altLang="zh-CN" sz="1600" dirty="0" smtClean="0"/>
-              <a:t>index    #</a:t>
-            </a:r>
-            <a:r>
-              <a:rPr lang="zh-CN" altLang="en-US" sz="1600" dirty="0" smtClean="0"/>
-              <a:t>获取行的索引</a:t>
-            </a:r>
-            <a:endParaRPr lang="en-US" altLang="zh-CN" sz="1600" dirty="0" smtClean="0"/>
-          </a:p>
-          <a:p>
-            <a:pPr lvl="1"/>
-            <a:r>
-              <a:rPr lang="en-US" altLang="zh-CN" sz="1600" dirty="0" err="1" smtClean="0"/>
-              <a:t>row.a</a:t>
-            </a:r>
-            <a:r>
-              <a:rPr lang="en-US" altLang="zh-CN" sz="1600" dirty="0" smtClean="0"/>
-              <a:t>    #</a:t>
-            </a:r>
-            <a:r>
-              <a:rPr lang="zh-CN" altLang="en-US" sz="1600" dirty="0" smtClean="0"/>
-              <a:t>根据列名获取字段</a:t>
-            </a:r>
-            <a:endParaRPr lang="en-US" altLang="zh-CN" sz="1600" dirty="0" smtClean="0"/>
-          </a:p>
-          <a:p>
-            <a:pPr lvl="1"/>
-            <a:r>
-              <a:rPr lang="en-US" altLang="zh-CN" sz="1600" dirty="0" smtClean="0"/>
-              <a:t>row[0]  #</a:t>
-            </a:r>
-            <a:r>
-              <a:rPr lang="zh-CN" altLang="en-US" sz="1600" dirty="0" smtClean="0"/>
-              <a:t>根据列的序号（从</a:t>
-            </a:r>
-            <a:r>
-              <a:rPr lang="en-US" altLang="zh-CN" sz="1600" dirty="0" smtClean="0"/>
-              <a:t>0</a:t>
-            </a:r>
-            <a:r>
-              <a:rPr lang="zh-CN" altLang="en-US" sz="1600" dirty="0" smtClean="0"/>
-              <a:t>开始）获取字段</a:t>
-            </a:r>
-            <a:endParaRPr lang="en-US" altLang="zh-CN" sz="1600" dirty="0" smtClean="0"/>
+          <a:bodyPr/>
+          <a:lstStyle/>
+          <a:p>
+            <a:endParaRPr lang="en-US"/>
           </a:p>
         </p:txBody>
       </p:sp>
     </p:spTree>
+    <p:extLst>
+      <p:ext uri="{BB962C8B-B14F-4D97-AF65-F5344CB8AC3E}">
+        <p14:creationId xmlns:p14="http://schemas.microsoft.com/office/powerpoint/2010/main" val="2831842387"/>
+      </p:ext>
+    </p:extLst>
   </p:cSld>
   <p:clrMapOvr>
     <a:masterClrMapping/>
@@ -4727,14 +4513,13 @@
           <a:lstStyle/>
           <a:p>
             <a:r>
-              <a:rPr lang="en-US" altLang="zh-CN" dirty="0" err="1" smtClean="0"/>
+              <a:rPr lang="en-US" altLang="zh-CN" dirty="0" err="1"/>
               <a:t>DataFrame</a:t>
             </a:r>
             <a:r>
-              <a:rPr lang="zh-CN" altLang="en-US" smtClean="0"/>
-              <a:t>的骚操作</a:t>
-            </a:r>
-            <a:endParaRPr lang="zh-CN" altLang="en-US"/>
+              <a:rPr lang="zh-CN" altLang="en-US" dirty="0"/>
+              <a:t>的修改</a:t>
+            </a:r>
           </a:p>
         </p:txBody>
       </p:sp>
@@ -4750,14 +4535,97 @@
         </p:nvSpPr>
         <p:spPr/>
         <p:txBody>
-          <a:bodyPr/>
-          <a:lstStyle/>
-          <a:p>
-            <a:r>
-              <a:rPr lang="zh-CN" altLang="en-US" dirty="0" smtClean="0"/>
-              <a:t>去重</a:t>
-            </a:r>
-            <a:endParaRPr lang="zh-CN" altLang="en-US" dirty="0"/>
+          <a:bodyPr>
+            <a:normAutofit/>
+          </a:bodyPr>
+          <a:lstStyle/>
+          <a:p>
+            <a:r>
+              <a:rPr lang="en-US" altLang="zh-CN" sz="2800" dirty="0" err="1"/>
+              <a:t>df.values</a:t>
+            </a:r>
+            <a:r>
+              <a:rPr lang="en-US" altLang="zh-CN" sz="2800" dirty="0"/>
+              <a:t>[</a:t>
+            </a:r>
+            <a:r>
+              <a:rPr lang="en-US" altLang="zh-CN" sz="2800" dirty="0" err="1"/>
+              <a:t>i</a:t>
+            </a:r>
+            <a:r>
+              <a:rPr lang="en-US" altLang="zh-CN" sz="2800" dirty="0"/>
+              <a:t>][j]= xxx # </a:t>
+            </a:r>
+            <a:r>
+              <a:rPr lang="en-US" altLang="zh-CN" sz="2800" dirty="0" err="1"/>
+              <a:t>i</a:t>
+            </a:r>
+            <a:r>
+              <a:rPr lang="zh-CN" altLang="en-US" sz="2800" dirty="0"/>
+              <a:t>是行号，</a:t>
+            </a:r>
+            <a:r>
+              <a:rPr lang="en-US" altLang="zh-CN" sz="2800" dirty="0"/>
+              <a:t>j</a:t>
+            </a:r>
+            <a:r>
+              <a:rPr lang="zh-CN" altLang="en-US" sz="2800" dirty="0"/>
+              <a:t>是列号，都从</a:t>
+            </a:r>
+            <a:r>
+              <a:rPr lang="en-US" altLang="zh-CN" sz="2800" dirty="0"/>
+              <a:t>0</a:t>
+            </a:r>
+            <a:r>
+              <a:rPr lang="zh-CN" altLang="en-US" sz="2800" dirty="0"/>
+              <a:t>开始</a:t>
+            </a:r>
+            <a:endParaRPr lang="en-US" altLang="zh-CN" sz="2800" dirty="0"/>
+          </a:p>
+          <a:p>
+            <a:r>
+              <a:rPr lang="en-US" altLang="zh-CN" sz="2800" dirty="0" err="1"/>
+              <a:t>df.values</a:t>
+            </a:r>
+            <a:r>
+              <a:rPr lang="en-US" altLang="zh-CN" sz="2800" dirty="0"/>
+              <a:t>[</a:t>
+            </a:r>
+            <a:r>
+              <a:rPr lang="en-US" altLang="zh-CN" sz="2800" dirty="0" err="1"/>
+              <a:t>i</a:t>
+            </a:r>
+            <a:r>
+              <a:rPr lang="en-US" altLang="zh-CN" sz="2800" dirty="0"/>
+              <a:t>]=xxx # </a:t>
+            </a:r>
+            <a:r>
+              <a:rPr lang="zh-CN" altLang="en-US" sz="2800" dirty="0"/>
+              <a:t>将一行所有的列设置为同一个值</a:t>
+            </a:r>
+            <a:endParaRPr lang="en-US" altLang="zh-CN" sz="2800" dirty="0"/>
+          </a:p>
+          <a:p>
+            <a:r>
+              <a:rPr lang="en-US" sz="2800" dirty="0" err="1"/>
+              <a:t>df</a:t>
+            </a:r>
+            <a:r>
+              <a:rPr lang="en-US" sz="2800" dirty="0"/>
+              <a:t>[‘column’] = xxx </a:t>
+            </a:r>
+            <a:r>
+              <a:rPr lang="en-US" altLang="zh-CN" sz="2800" dirty="0"/>
+              <a:t># </a:t>
+            </a:r>
+            <a:r>
+              <a:rPr lang="zh-CN" altLang="en-US" sz="2800" dirty="0"/>
+              <a:t>将一列设为同一个值，不存在则插入</a:t>
+            </a:r>
+            <a:endParaRPr lang="en-US" altLang="zh-CN" sz="2800" dirty="0"/>
+          </a:p>
+          <a:p>
+            <a:endParaRPr lang="zh-CN" altLang="en-US" sz="2800" dirty="0"/>
           </a:p>
         </p:txBody>
       </p:sp>
@@ -4788,13 +4656,7 @@
       </p:grpSpPr>
       <p:sp>
         <p:nvSpPr>
-          <p:cNvPr id="2" name="Title 1">
-            <a:extLst>
-              <a:ext uri="{FF2B5EF4-FFF2-40B4-BE49-F238E27FC236}">
-                <a16:creationId xmlns:a16="http://schemas.microsoft.com/office/drawing/2014/main" xmlns="" id="{C9CDCE50-ED31-421E-839F-CC4C85BEF5FF}"/>
-              </a:ext>
-            </a:extLst>
-          </p:cNvPr>
+          <p:cNvPr id="2" name="标题 1"/>
           <p:cNvSpPr>
             <a:spLocks noGrp="1"/>
           </p:cNvSpPr>
@@ -4808,34 +4670,19 @@
           <a:lstStyle/>
           <a:p>
             <a:r>
-              <a:rPr lang="en-US" dirty="0" err="1"/>
-              <a:t>D</a:t>
-            </a:r>
-            <a:r>
               <a:rPr lang="en-US" altLang="zh-CN" dirty="0" err="1"/>
-              <a:t>ataFrame</a:t>
-            </a:r>
-            <a:r>
-              <a:rPr lang="zh-CN" altLang="en-US" dirty="0"/>
-              <a:t>与</a:t>
-            </a:r>
-            <a:r>
-              <a:rPr lang="en-US" altLang="zh-CN" dirty="0"/>
-              <a:t>CSV</a:t>
-            </a:r>
-            <a:endParaRPr lang="en-US" dirty="0"/>
-          </a:p>
-        </p:txBody>
-      </p:sp>
-      <p:sp>
-        <p:nvSpPr>
-          <p:cNvPr id="3" name="Content Placeholder 2">
-            <a:extLst>
-              <a:ext uri="{FF2B5EF4-FFF2-40B4-BE49-F238E27FC236}">
-                <a16:creationId xmlns:a16="http://schemas.microsoft.com/office/drawing/2014/main" xmlns="" id="{73D2D912-3AD3-4656-BC5D-38DA3D71C239}"/>
-              </a:ext>
-            </a:extLst>
-          </p:cNvPr>
+              <a:t>DataFrame</a:t>
+            </a:r>
+            <a:r>
+              <a:rPr lang="zh-CN" altLang="en-US" dirty="0"/>
+              <a:t>的基本操作</a:t>
+            </a:r>
+          </a:p>
+        </p:txBody>
+      </p:sp>
+      <p:sp>
+        <p:nvSpPr>
+          <p:cNvPr id="3" name="内容占位符 2"/>
           <p:cNvSpPr>
             <a:spLocks noGrp="1"/>
           </p:cNvSpPr>
@@ -4845,100 +4692,289 @@
         </p:nvSpPr>
         <p:spPr/>
         <p:txBody>
-          <a:bodyPr/>
-          <a:lstStyle/>
-          <a:p>
-            <a:r>
-              <a:rPr lang="zh-CN" altLang="en-US" dirty="0"/>
-              <a:t>导入</a:t>
-            </a:r>
-            <a:endParaRPr lang="en-US" altLang="zh-CN" dirty="0"/>
+          <a:bodyPr>
+            <a:normAutofit/>
+          </a:bodyPr>
+          <a:lstStyle/>
+          <a:p>
+            <a:r>
+              <a:rPr lang="zh-CN" altLang="en-US" sz="2000" dirty="0"/>
+              <a:t>行数：</a:t>
+            </a:r>
+            <a:r>
+              <a:rPr lang="en-US" altLang="zh-CN" sz="2000" dirty="0"/>
+              <a:t> </a:t>
+            </a:r>
+            <a:r>
+              <a:rPr lang="en-US" altLang="zh-CN" sz="2000" dirty="0" err="1"/>
+              <a:t>len</a:t>
+            </a:r>
+            <a:r>
+              <a:rPr lang="en-US" altLang="zh-CN" sz="2000" dirty="0"/>
+              <a:t>(</a:t>
+            </a:r>
+            <a:r>
+              <a:rPr lang="en-US" altLang="zh-CN" sz="2000" dirty="0" err="1"/>
+              <a:t>df</a:t>
+            </a:r>
+            <a:r>
+              <a:rPr lang="en-US" altLang="zh-CN" sz="2000" dirty="0"/>
+              <a:t>) or </a:t>
+            </a:r>
+            <a:r>
+              <a:rPr lang="en-US" altLang="zh-CN" sz="2000" dirty="0" err="1"/>
+              <a:t>len</a:t>
+            </a:r>
+            <a:r>
+              <a:rPr lang="en-US" altLang="zh-CN" sz="2000" dirty="0"/>
+              <a:t>(</a:t>
+            </a:r>
+            <a:r>
+              <a:rPr lang="en-US" altLang="zh-CN" sz="2000" dirty="0" err="1"/>
+              <a:t>df.index</a:t>
+            </a:r>
+            <a:r>
+              <a:rPr lang="en-US" altLang="zh-CN" sz="2000" dirty="0"/>
+              <a:t>)</a:t>
+            </a:r>
+          </a:p>
+          <a:p>
+            <a:r>
+              <a:rPr lang="zh-CN" altLang="en-US" sz="2000" dirty="0"/>
+              <a:t>索引：</a:t>
+            </a:r>
+            <a:r>
+              <a:rPr lang="en-US" altLang="zh-CN" sz="2000" dirty="0"/>
+              <a:t> </a:t>
+            </a:r>
+            <a:r>
+              <a:rPr lang="en-US" altLang="zh-CN" sz="2000" dirty="0" err="1"/>
+              <a:t>df.index</a:t>
+            </a:r>
+            <a:endParaRPr lang="en-US" altLang="zh-CN" sz="2000" dirty="0"/>
+          </a:p>
+          <a:p>
+            <a:r>
+              <a:rPr lang="zh-CN" altLang="en-US" sz="2000" dirty="0"/>
+              <a:t>列名：</a:t>
+            </a:r>
+            <a:r>
+              <a:rPr lang="en-US" altLang="zh-CN" sz="2000" dirty="0"/>
+              <a:t> </a:t>
+            </a:r>
+            <a:r>
+              <a:rPr lang="en-US" altLang="zh-CN" sz="2000" dirty="0" err="1"/>
+              <a:t>df.columns</a:t>
+            </a:r>
+            <a:endParaRPr lang="en-US" altLang="zh-CN" sz="2000" dirty="0"/>
+          </a:p>
+          <a:p>
+            <a:r>
+              <a:rPr lang="zh-CN" altLang="en-US" sz="2000" dirty="0"/>
+              <a:t>底层</a:t>
+            </a:r>
+            <a:r>
+              <a:rPr lang="en-US" altLang="zh-CN" sz="2000" dirty="0" err="1"/>
+              <a:t>numpy</a:t>
+            </a:r>
+            <a:r>
+              <a:rPr lang="zh-CN" altLang="en-US" sz="2000" dirty="0"/>
+              <a:t>：</a:t>
+            </a:r>
+            <a:r>
+              <a:rPr lang="en-US" altLang="zh-CN" sz="2000" dirty="0"/>
+              <a:t> </a:t>
+            </a:r>
+            <a:r>
+              <a:rPr lang="en-US" altLang="zh-CN" sz="2000" dirty="0" err="1"/>
+              <a:t>df.values</a:t>
+            </a:r>
+            <a:endParaRPr lang="en-US" altLang="zh-CN" sz="2000" dirty="0"/>
+          </a:p>
+          <a:p>
+            <a:r>
+              <a:rPr lang="zh-CN" altLang="en-US" sz="2000" dirty="0"/>
+              <a:t>排序：</a:t>
+            </a:r>
+            <a:r>
+              <a:rPr lang="en-US" sz="2000" dirty="0"/>
+              <a:t> </a:t>
+            </a:r>
+            <a:r>
+              <a:rPr lang="en-US" sz="2000" dirty="0" err="1"/>
+              <a:t>df</a:t>
+            </a:r>
+            <a:r>
+              <a:rPr lang="en-US" sz="2000" b="1" dirty="0" err="1"/>
+              <a:t>.</a:t>
+            </a:r>
+            <a:r>
+              <a:rPr lang="en-US" sz="2000" dirty="0" err="1"/>
+              <a:t>sort_index</a:t>
+            </a:r>
+            <a:r>
+              <a:rPr lang="en-US" sz="2000" dirty="0"/>
+              <a:t>(</a:t>
+            </a:r>
+            <a:r>
+              <a:rPr lang="en-US" sz="2000" dirty="0" err="1"/>
+              <a:t>asccending</a:t>
+            </a:r>
+            <a:r>
+              <a:rPr lang="en-US" sz="2000" dirty="0"/>
+              <a:t>=False, </a:t>
+            </a:r>
+            <a:r>
+              <a:rPr lang="en-US" sz="2000" dirty="0" err="1"/>
+              <a:t>inpalce</a:t>
+            </a:r>
+            <a:r>
+              <a:rPr lang="en-US" sz="2000" dirty="0"/>
+              <a:t>=True)</a:t>
+            </a:r>
+          </a:p>
+          <a:p>
+            <a:r>
+              <a:rPr lang="zh-CN" altLang="en-US" sz="2000" dirty="0"/>
+              <a:t>遍历：</a:t>
+            </a:r>
+            <a:r>
+              <a:rPr lang="en-US" altLang="zh-CN" sz="2000" dirty="0"/>
+              <a:t>for index, row in </a:t>
+            </a:r>
+            <a:r>
+              <a:rPr lang="en-US" altLang="zh-CN" sz="2000" dirty="0" err="1"/>
+              <a:t>df.iterrows</a:t>
+            </a:r>
+            <a:r>
+              <a:rPr lang="en-US" altLang="zh-CN" sz="2000" dirty="0"/>
+              <a:t>(): </a:t>
+            </a:r>
           </a:p>
           <a:p>
             <a:pPr lvl="1"/>
             <a:r>
+              <a:rPr lang="en-US" altLang="zh-CN" sz="1600" dirty="0"/>
+              <a:t>index    #</a:t>
+            </a:r>
+            <a:r>
+              <a:rPr lang="zh-CN" altLang="en-US" sz="1600" dirty="0"/>
+              <a:t>获取行的索引</a:t>
+            </a:r>
+            <a:endParaRPr lang="en-US" altLang="zh-CN" sz="1600" dirty="0"/>
+          </a:p>
+          <a:p>
+            <a:pPr lvl="1"/>
+            <a:r>
+              <a:rPr lang="en-US" altLang="zh-CN" sz="1600" dirty="0" err="1"/>
+              <a:t>row.a</a:t>
+            </a:r>
+            <a:r>
+              <a:rPr lang="en-US" altLang="zh-CN" sz="1600" dirty="0"/>
+              <a:t>    #</a:t>
+            </a:r>
+            <a:r>
+              <a:rPr lang="zh-CN" altLang="en-US" sz="1600" dirty="0"/>
+              <a:t>根据列名获取字段</a:t>
+            </a:r>
+            <a:endParaRPr lang="en-US" altLang="zh-CN" sz="1600" dirty="0"/>
+          </a:p>
+          <a:p>
+            <a:pPr lvl="1"/>
+            <a:r>
+              <a:rPr lang="en-US" altLang="zh-CN" sz="1600" dirty="0"/>
+              <a:t>row[0]  #</a:t>
+            </a:r>
+            <a:r>
+              <a:rPr lang="zh-CN" altLang="en-US" sz="1600" dirty="0"/>
+              <a:t>根据列的序号（从</a:t>
+            </a:r>
+            <a:r>
+              <a:rPr lang="en-US" altLang="zh-CN" sz="1600" dirty="0"/>
+              <a:t>0</a:t>
+            </a:r>
+            <a:r>
+              <a:rPr lang="zh-CN" altLang="en-US" sz="1600" dirty="0"/>
+              <a:t>开始）获取字段</a:t>
+            </a:r>
+            <a:endParaRPr lang="en-US" altLang="zh-CN" sz="1600" dirty="0"/>
+          </a:p>
+        </p:txBody>
+      </p:sp>
+    </p:spTree>
+  </p:cSld>
+  <p:clrMapOvr>
+    <a:masterClrMapping/>
+  </p:clrMapOvr>
+</p:sld>
+</file>
+
+<file path=ppt/slides/slide19.xml><?xml version="1.0" encoding="utf-8"?>
+<p:sld xmlns:a="http://schemas.openxmlformats.org/drawingml/2006/main" xmlns:r="http://schemas.openxmlformats.org/officeDocument/2006/relationships" xmlns:p="http://schemas.openxmlformats.org/presentationml/2006/main">
+  <p:cSld>
+    <p:spTree>
+      <p:nvGrpSpPr>
+        <p:cNvPr id="1" name=""/>
+        <p:cNvGrpSpPr/>
+        <p:nvPr/>
+      </p:nvGrpSpPr>
+      <p:grpSpPr>
+        <a:xfrm>
+          <a:off x="0" y="0"/>
+          <a:ext cx="0" cy="0"/>
+          <a:chOff x="0" y="0"/>
+          <a:chExt cx="0" cy="0"/>
+        </a:xfrm>
+      </p:grpSpPr>
+      <p:sp>
+        <p:nvSpPr>
+          <p:cNvPr id="2" name="标题 1"/>
+          <p:cNvSpPr>
+            <a:spLocks noGrp="1"/>
+          </p:cNvSpPr>
+          <p:nvPr>
+            <p:ph type="title"/>
+          </p:nvPr>
+        </p:nvSpPr>
+        <p:spPr/>
+        <p:txBody>
+          <a:bodyPr/>
+          <a:lstStyle/>
+          <a:p>
+            <a:r>
               <a:rPr lang="en-US" altLang="zh-CN" dirty="0" err="1"/>
-              <a:t>pd.from_csv</a:t>
-            </a:r>
-            <a:r>
-              <a:rPr lang="en-US" altLang="zh-CN" dirty="0"/>
-              <a:t>()  # Deprecated</a:t>
-            </a:r>
-          </a:p>
-          <a:p>
-            <a:pPr lvl="1"/>
-            <a:r>
-              <a:rPr lang="en-US" dirty="0" err="1"/>
-              <a:t>pd.read_csv</a:t>
-            </a:r>
-            <a:r>
-              <a:rPr lang="en-US" dirty="0"/>
-              <a:t>()</a:t>
-            </a:r>
-          </a:p>
-          <a:p>
-            <a:pPr lvl="1"/>
-            <a:r>
-              <a:rPr lang="zh-CN" altLang="en-US" dirty="0"/>
-              <a:t>主要参数：</a:t>
-            </a:r>
-            <a:endParaRPr lang="en-US" altLang="zh-CN" dirty="0"/>
-          </a:p>
-          <a:p>
-            <a:pPr lvl="2"/>
-            <a:r>
-              <a:rPr lang="en-US" dirty="0"/>
-              <a:t>header</a:t>
-            </a:r>
-            <a:r>
-              <a:rPr lang="zh-CN" altLang="en-US" dirty="0"/>
-              <a:t>：如果不需要把一行当作</a:t>
-            </a:r>
-            <a:r>
-              <a:rPr lang="en-US" altLang="zh-CN" dirty="0"/>
-              <a:t>header</a:t>
-            </a:r>
-            <a:r>
-              <a:rPr lang="zh-CN" altLang="en-US" dirty="0"/>
-              <a:t>，设成</a:t>
-            </a:r>
-            <a:r>
-              <a:rPr lang="en-US" altLang="zh-CN" dirty="0"/>
-              <a:t>None</a:t>
-            </a:r>
-          </a:p>
-          <a:p>
-            <a:pPr lvl="2"/>
-            <a:r>
-              <a:rPr lang="en-US" dirty="0" err="1"/>
-              <a:t>index_col</a:t>
-            </a:r>
-            <a:r>
-              <a:rPr lang="zh-CN" altLang="en-US" dirty="0"/>
-              <a:t>：如果不需要把一列当作</a:t>
-            </a:r>
-            <a:r>
-              <a:rPr lang="en-US" altLang="zh-CN" dirty="0"/>
-              <a:t>index</a:t>
-            </a:r>
-            <a:r>
-              <a:rPr lang="zh-CN" altLang="en-US" dirty="0"/>
-              <a:t> ，设成</a:t>
-            </a:r>
-            <a:r>
-              <a:rPr lang="en-US" altLang="zh-CN" dirty="0"/>
-              <a:t>None</a:t>
-            </a:r>
-            <a:endParaRPr lang="en-US" dirty="0"/>
+              <a:t>DataFrame</a:t>
+            </a:r>
+            <a:r>
+              <a:rPr lang="zh-CN" altLang="en-US"/>
+              <a:t>的骚操作</a:t>
+            </a:r>
+          </a:p>
+        </p:txBody>
+      </p:sp>
+      <p:sp>
+        <p:nvSpPr>
+          <p:cNvPr id="3" name="内容占位符 2"/>
+          <p:cNvSpPr>
+            <a:spLocks noGrp="1"/>
+          </p:cNvSpPr>
+          <p:nvPr>
+            <p:ph idx="1"/>
+          </p:nvPr>
+        </p:nvSpPr>
+        <p:spPr/>
+        <p:txBody>
+          <a:bodyPr/>
+          <a:lstStyle/>
+          <a:p>
+            <a:r>
+              <a:rPr lang="zh-CN" altLang="en-US" dirty="0"/>
+              <a:t>去重</a:t>
+            </a:r>
           </a:p>
         </p:txBody>
       </p:sp>
     </p:spTree>
-    <p:extLst>
-      <p:ext uri="{BB962C8B-B14F-4D97-AF65-F5344CB8AC3E}">
-        <p14:creationId xmlns:p14="http://schemas.microsoft.com/office/powerpoint/2010/main" xmlns="" val="524410915"/>
-      </p:ext>
-    </p:extLst>
   </p:cSld>
   <p:clrMapOvr>
     <a:masterClrMapping/>
@@ -5094,6 +5130,183 @@
 </p:sld>
 </file>
 
+<file path=ppt/slides/slide20.xml><?xml version="1.0" encoding="utf-8"?>
+<p:sld xmlns:a="http://schemas.openxmlformats.org/drawingml/2006/main" xmlns:r="http://schemas.openxmlformats.org/officeDocument/2006/relationships" xmlns:p="http://schemas.openxmlformats.org/presentationml/2006/main">
+  <p:cSld>
+    <p:spTree>
+      <p:nvGrpSpPr>
+        <p:cNvPr id="1" name=""/>
+        <p:cNvGrpSpPr/>
+        <p:nvPr/>
+      </p:nvGrpSpPr>
+      <p:grpSpPr>
+        <a:xfrm>
+          <a:off x="0" y="0"/>
+          <a:ext cx="0" cy="0"/>
+          <a:chOff x="0" y="0"/>
+          <a:chExt cx="0" cy="0"/>
+        </a:xfrm>
+      </p:grpSpPr>
+      <p:sp>
+        <p:nvSpPr>
+          <p:cNvPr id="2" name="Title 1">
+            <a:extLst>
+              <a:ext uri="{FF2B5EF4-FFF2-40B4-BE49-F238E27FC236}">
+                <a16:creationId xmlns:a16="http://schemas.microsoft.com/office/drawing/2014/main" id="{C9CDCE50-ED31-421E-839F-CC4C85BEF5FF}"/>
+              </a:ext>
+            </a:extLst>
+          </p:cNvPr>
+          <p:cNvSpPr>
+            <a:spLocks noGrp="1"/>
+          </p:cNvSpPr>
+          <p:nvPr>
+            <p:ph type="title"/>
+          </p:nvPr>
+        </p:nvSpPr>
+        <p:spPr/>
+        <p:txBody>
+          <a:bodyPr/>
+          <a:lstStyle/>
+          <a:p>
+            <a:r>
+              <a:rPr lang="en-US" dirty="0" err="1"/>
+              <a:t>D</a:t>
+            </a:r>
+            <a:r>
+              <a:rPr lang="en-US" altLang="zh-CN" dirty="0" err="1"/>
+              <a:t>ataFrame</a:t>
+            </a:r>
+            <a:r>
+              <a:rPr lang="zh-CN" altLang="en-US" dirty="0"/>
+              <a:t>与</a:t>
+            </a:r>
+            <a:r>
+              <a:rPr lang="en-US" altLang="zh-CN" dirty="0"/>
+              <a:t>CSV</a:t>
+            </a:r>
+            <a:endParaRPr lang="en-US" dirty="0"/>
+          </a:p>
+        </p:txBody>
+      </p:sp>
+      <p:sp>
+        <p:nvSpPr>
+          <p:cNvPr id="3" name="Content Placeholder 2">
+            <a:extLst>
+              <a:ext uri="{FF2B5EF4-FFF2-40B4-BE49-F238E27FC236}">
+                <a16:creationId xmlns:a16="http://schemas.microsoft.com/office/drawing/2014/main" id="{73D2D912-3AD3-4656-BC5D-38DA3D71C239}"/>
+              </a:ext>
+            </a:extLst>
+          </p:cNvPr>
+          <p:cNvSpPr>
+            <a:spLocks noGrp="1"/>
+          </p:cNvSpPr>
+          <p:nvPr>
+            <p:ph idx="1"/>
+          </p:nvPr>
+        </p:nvSpPr>
+        <p:spPr/>
+        <p:txBody>
+          <a:bodyPr/>
+          <a:lstStyle/>
+          <a:p>
+            <a:r>
+              <a:rPr lang="zh-CN" altLang="en-US" dirty="0"/>
+              <a:t>导入</a:t>
+            </a:r>
+            <a:endParaRPr lang="en-US" altLang="zh-CN" dirty="0"/>
+          </a:p>
+          <a:p>
+            <a:pPr lvl="1"/>
+            <a:r>
+              <a:rPr lang="en-US" altLang="zh-CN" dirty="0" err="1"/>
+              <a:t>pd.from_csv</a:t>
+            </a:r>
+            <a:r>
+              <a:rPr lang="en-US" altLang="zh-CN" dirty="0"/>
+              <a:t>()  # Deprecated</a:t>
+            </a:r>
+          </a:p>
+          <a:p>
+            <a:pPr lvl="1"/>
+            <a:r>
+              <a:rPr lang="en-US" dirty="0" err="1"/>
+              <a:t>pd.read_csv</a:t>
+            </a:r>
+            <a:r>
+              <a:rPr lang="en-US" dirty="0"/>
+              <a:t>()</a:t>
+            </a:r>
+          </a:p>
+          <a:p>
+            <a:pPr lvl="1"/>
+            <a:r>
+              <a:rPr lang="zh-CN" altLang="en-US" dirty="0"/>
+              <a:t>主要参数：</a:t>
+            </a:r>
+            <a:endParaRPr lang="en-US" altLang="zh-CN" dirty="0"/>
+          </a:p>
+          <a:p>
+            <a:pPr lvl="2"/>
+            <a:r>
+              <a:rPr lang="en-US" dirty="0"/>
+              <a:t>header</a:t>
+            </a:r>
+            <a:r>
+              <a:rPr lang="zh-CN" altLang="en-US" dirty="0"/>
+              <a:t>：如果不需要把一行当作</a:t>
+            </a:r>
+            <a:r>
+              <a:rPr lang="en-US" altLang="zh-CN" dirty="0"/>
+              <a:t>header</a:t>
+            </a:r>
+            <a:r>
+              <a:rPr lang="zh-CN" altLang="en-US" dirty="0"/>
+              <a:t>，设成</a:t>
+            </a:r>
+            <a:r>
+              <a:rPr lang="en-US" altLang="zh-CN" dirty="0"/>
+              <a:t>None</a:t>
+            </a:r>
+          </a:p>
+          <a:p>
+            <a:pPr lvl="2"/>
+            <a:r>
+              <a:rPr lang="en-US" dirty="0" err="1"/>
+              <a:t>index_col</a:t>
+            </a:r>
+            <a:r>
+              <a:rPr lang="zh-CN" altLang="en-US" dirty="0"/>
+              <a:t>：如果不需要把一列当作</a:t>
+            </a:r>
+            <a:r>
+              <a:rPr lang="en-US" altLang="zh-CN" dirty="0"/>
+              <a:t>index</a:t>
+            </a:r>
+            <a:r>
+              <a:rPr lang="zh-CN" altLang="en-US" dirty="0"/>
+              <a:t> ，设成</a:t>
+            </a:r>
+            <a:r>
+              <a:rPr lang="en-US" altLang="zh-CN" dirty="0"/>
+              <a:t>None</a:t>
+            </a:r>
+            <a:endParaRPr lang="en-US" dirty="0"/>
+          </a:p>
+        </p:txBody>
+      </p:sp>
+    </p:spTree>
+    <p:extLst>
+      <p:ext uri="{BB962C8B-B14F-4D97-AF65-F5344CB8AC3E}">
+        <p14:creationId xmlns:p14="http://schemas.microsoft.com/office/powerpoint/2010/main" val="524410915"/>
+      </p:ext>
+    </p:extLst>
+  </p:cSld>
+  <p:clrMapOvr>
+    <a:masterClrMapping/>
+  </p:clrMapOvr>
+</p:sld>
+</file>
+
 <file path=ppt/slides/slide3.xml><?xml version="1.0" encoding="utf-8"?>
 <p:sld xmlns:a="http://schemas.openxmlformats.org/drawingml/2006/main" xmlns:r="http://schemas.openxmlformats.org/officeDocument/2006/relationships" xmlns:p="http://schemas.openxmlformats.org/presentationml/2006/main">
   <p:cSld>
@@ -5205,14 +5418,13 @@
               <a:t>s = </a:t>
             </a:r>
             <a:r>
-              <a:rPr lang="en-US" dirty="0" err="1" smtClean="0"/>
+              <a:rPr lang="en-US" dirty="0" err="1"/>
               <a:t>pd.Series</a:t>
             </a:r>
             <a:r>
-              <a:rPr lang="en-US" dirty="0" smtClean="0"/>
+              <a:rPr lang="en-US" dirty="0"/>
               <a:t> ([1, 2, ‘three’, 3.14, -5])</a:t>
             </a:r>
-            <a:endParaRPr lang="en-US" dirty="0"/>
           </a:p>
           <a:p>
             <a:pPr lvl="1"/>
@@ -5268,25 +5480,13 @@
             </a:r>
             <a:r>
               <a:rPr lang="en-US" dirty="0"/>
-              <a:t>(5</a:t>
-            </a:r>
-            <a:r>
-              <a:rPr lang="en-US" dirty="0" smtClean="0"/>
-              <a:t>))</a:t>
-            </a:r>
-          </a:p>
-          <a:p>
-            <a:r>
-              <a:rPr lang="zh-CN" altLang="en-US" dirty="0" smtClean="0"/>
-              <a:t>通过</a:t>
-            </a:r>
-            <a:r>
-              <a:rPr lang="zh-CN" altLang="en-US" dirty="0"/>
-              <a:t>一个字典</a:t>
-            </a:r>
-            <a:r>
-              <a:rPr lang="zh-CN" altLang="en-US" dirty="0" smtClean="0"/>
-              <a:t>创建</a:t>
+              <a:t>(5))</a:t>
+            </a:r>
+          </a:p>
+          <a:p>
+            <a:r>
+              <a:rPr lang="zh-CN" altLang="en-US" dirty="0"/>
+              <a:t>通过一个字典创建</a:t>
             </a:r>
             <a:endParaRPr lang="en-US" altLang="zh-CN" dirty="0"/>
           </a:p>
@@ -5326,29 +5526,25 @@
             </a:r>
             <a:r>
               <a:rPr lang="en-US" dirty="0"/>
-              <a:t>': 40</a:t>
-            </a:r>
-            <a:r>
-              <a:rPr lang="en-US" dirty="0" smtClean="0"/>
-              <a:t>})</a:t>
+              <a:t>': 40})</a:t>
             </a:r>
           </a:p>
           <a:p>
             <a:pPr lvl="1"/>
             <a:r>
-              <a:rPr lang="en-US" altLang="zh-CN" dirty="0" smtClean="0"/>
+              <a:rPr lang="en-US" altLang="zh-CN" dirty="0"/>
               <a:t>key</a:t>
             </a:r>
             <a:r>
-              <a:rPr lang="zh-CN" altLang="en-US" dirty="0" smtClean="0"/>
+              <a:rPr lang="zh-CN" altLang="en-US" dirty="0"/>
               <a:t>为索引，</a:t>
             </a:r>
             <a:r>
-              <a:rPr lang="en-US" altLang="zh-CN" dirty="0" smtClean="0"/>
+              <a:rPr lang="en-US" altLang="zh-CN" dirty="0"/>
               <a:t>value</a:t>
             </a:r>
             <a:r>
-              <a:rPr lang="zh-CN" altLang="en-US" dirty="0" smtClean="0"/>
+              <a:rPr lang="zh-CN" altLang="en-US" dirty="0"/>
               <a:t>为内容</a:t>
             </a:r>
             <a:endParaRPr lang="en-US" dirty="0"/>
@@ -5371,11 +5567,11 @@
               <a:t>list</a:t>
             </a:r>
             <a:r>
-              <a:rPr lang="zh-CN" altLang="en-US" dirty="0" smtClean="0"/>
+              <a:rPr lang="zh-CN" altLang="en-US" dirty="0"/>
               <a:t>为</a:t>
             </a:r>
             <a:r>
-              <a:rPr lang="en-US" altLang="zh-CN" dirty="0" smtClean="0"/>
+              <a:rPr lang="en-US" altLang="zh-CN" dirty="0"/>
               <a:t>Index</a:t>
             </a:r>
             <a:endParaRPr lang="zh-CN" altLang="en-US" dirty="0"/>
@@ -5516,12 +5712,8 @@
           <a:p>
             <a:pPr lvl="1"/>
             <a:r>
-              <a:rPr lang="zh-CN" altLang="en-US" dirty="0" smtClean="0"/>
-              <a:t>切片</a:t>
-            </a:r>
-            <a:r>
-              <a:rPr lang="zh-CN" altLang="en-US" dirty="0"/>
-              <a:t>：</a:t>
+              <a:rPr lang="zh-CN" altLang="en-US" dirty="0"/>
+              <a:t>切片：</a:t>
             </a:r>
             <a:r>
               <a:rPr lang="en-US" altLang="zh-CN" dirty="0"/>
@@ -5653,15 +5845,15 @@
           </a:p>
           <a:p>
             <a:r>
-              <a:rPr lang="zh-CN" altLang="en-US" dirty="0" smtClean="0"/>
+              <a:rPr lang="zh-CN" altLang="en-US" dirty="0"/>
               <a:t>检查数据存在性</a:t>
             </a:r>
-            <a:endParaRPr lang="en-US" altLang="zh-CN" dirty="0" smtClean="0"/>
+            <a:endParaRPr lang="en-US" altLang="zh-CN" dirty="0"/>
           </a:p>
           <a:p>
             <a:pPr lvl="1"/>
             <a:r>
-              <a:rPr lang="en-US" altLang="zh-CN" dirty="0" smtClean="0"/>
+              <a:rPr lang="en-US" altLang="zh-CN" dirty="0"/>
               <a:t>value in s</a:t>
             </a:r>
           </a:p>
@@ -5708,14 +5900,13 @@
           <a:lstStyle/>
           <a:p>
             <a:r>
-              <a:rPr lang="en-US" dirty="0" smtClean="0"/>
+              <a:rPr lang="en-US" dirty="0"/>
               <a:t>Series</a:t>
             </a:r>
             <a:r>
-              <a:rPr lang="zh-CN" altLang="en-US" dirty="0" smtClean="0"/>
+              <a:rPr lang="zh-CN" altLang="en-US" dirty="0"/>
               <a:t>运算</a:t>
             </a:r>
-            <a:endParaRPr lang="zh-CN" altLang="en-US" dirty="0"/>
           </a:p>
         </p:txBody>
       </p:sp>
@@ -5737,83 +5928,83 @@
           <a:lstStyle/>
           <a:p>
             <a:r>
-              <a:rPr lang="zh-CN" altLang="en-US" dirty="0" smtClean="0"/>
+              <a:rPr lang="zh-CN" altLang="en-US" dirty="0"/>
               <a:t>对整个</a:t>
             </a:r>
             <a:r>
-              <a:rPr lang="en-US" altLang="zh-CN" dirty="0" smtClean="0"/>
+              <a:rPr lang="en-US" altLang="zh-CN" dirty="0"/>
               <a:t>series</a:t>
             </a:r>
             <a:r>
-              <a:rPr lang="zh-CN" altLang="en-US" dirty="0" smtClean="0"/>
+              <a:rPr lang="zh-CN" altLang="en-US" dirty="0"/>
               <a:t>的元素进行运算</a:t>
             </a:r>
-            <a:endParaRPr lang="en-US" altLang="zh-CN" dirty="0" smtClean="0"/>
+            <a:endParaRPr lang="en-US" altLang="zh-CN" dirty="0"/>
           </a:p>
           <a:p>
             <a:pPr lvl="1"/>
             <a:r>
-              <a:rPr lang="en-US" altLang="zh-CN" dirty="0" smtClean="0"/>
+              <a:rPr lang="en-US" altLang="zh-CN" dirty="0"/>
               <a:t>s = s / 2</a:t>
             </a:r>
           </a:p>
           <a:p>
             <a:pPr lvl="1"/>
             <a:r>
-              <a:rPr lang="en-US" altLang="zh-CN" dirty="0" smtClean="0"/>
+              <a:rPr lang="en-US" altLang="zh-CN" dirty="0"/>
               <a:t>s = s * 5</a:t>
             </a:r>
           </a:p>
           <a:p>
             <a:pPr lvl="1"/>
             <a:r>
-              <a:rPr lang="en-US" altLang="zh-CN" dirty="0" smtClean="0"/>
+              <a:rPr lang="en-US" altLang="zh-CN" dirty="0"/>
               <a:t>np.exp(s)    # e</a:t>
             </a:r>
             <a:r>
-              <a:rPr lang="zh-CN" altLang="en-US" dirty="0" smtClean="0"/>
+              <a:rPr lang="zh-CN" altLang="en-US" dirty="0"/>
               <a:t>的幂次方</a:t>
             </a:r>
-            <a:endParaRPr lang="en-US" altLang="zh-CN" dirty="0" smtClean="0"/>
-          </a:p>
-          <a:p>
-            <a:r>
-              <a:rPr lang="zh-CN" altLang="en-US" dirty="0" smtClean="0"/>
+            <a:endParaRPr lang="en-US" altLang="zh-CN" dirty="0"/>
+          </a:p>
+          <a:p>
+            <a:r>
+              <a:rPr lang="zh-CN" altLang="en-US" dirty="0"/>
               <a:t>两个</a:t>
             </a:r>
             <a:r>
-              <a:rPr lang="en-US" altLang="zh-CN" dirty="0" smtClean="0"/>
+              <a:rPr lang="en-US" altLang="zh-CN" dirty="0"/>
               <a:t>series</a:t>
             </a:r>
             <a:r>
-              <a:rPr lang="zh-CN" altLang="en-US" dirty="0" smtClean="0"/>
+              <a:rPr lang="zh-CN" altLang="en-US" dirty="0"/>
               <a:t>之前的运算</a:t>
             </a:r>
-            <a:endParaRPr lang="en-US" altLang="zh-CN" dirty="0" smtClean="0"/>
+            <a:endParaRPr lang="en-US" altLang="zh-CN" dirty="0"/>
           </a:p>
           <a:p>
             <a:pPr lvl="1"/>
             <a:r>
-              <a:rPr lang="en-US" altLang="zh-CN" dirty="0" smtClean="0"/>
+              <a:rPr lang="en-US" altLang="zh-CN" dirty="0"/>
               <a:t>s1 + s2</a:t>
             </a:r>
           </a:p>
           <a:p>
             <a:pPr lvl="1"/>
             <a:r>
-              <a:rPr lang="zh-CN" altLang="en-US" dirty="0" smtClean="0"/>
+              <a:rPr lang="zh-CN" altLang="en-US" dirty="0"/>
               <a:t>相同</a:t>
             </a:r>
             <a:r>
-              <a:rPr lang="en-US" altLang="zh-CN" dirty="0" smtClean="0"/>
+              <a:rPr lang="en-US" altLang="zh-CN" dirty="0"/>
               <a:t>Index</a:t>
             </a:r>
             <a:r>
-              <a:rPr lang="zh-CN" altLang="en-US" dirty="0" smtClean="0"/>
+              <a:rPr lang="zh-CN" altLang="en-US" dirty="0"/>
               <a:t>的元素相加，其余为</a:t>
             </a:r>
             <a:r>
-              <a:rPr lang="en-US" altLang="zh-CN" dirty="0" err="1" smtClean="0"/>
+              <a:rPr lang="en-US" altLang="zh-CN" dirty="0" err="1"/>
               <a:t>NaN</a:t>
             </a:r>
             <a:endParaRPr lang="zh-CN" altLang="en-US" dirty="0"/>
@@ -5861,14 +6052,13 @@
           <a:lstStyle/>
           <a:p>
             <a:r>
-              <a:rPr lang="en-US" dirty="0" smtClean="0"/>
+              <a:rPr lang="en-US" dirty="0"/>
               <a:t>Series</a:t>
             </a:r>
             <a:r>
-              <a:rPr lang="zh-CN" altLang="en-US" dirty="0" smtClean="0"/>
+              <a:rPr lang="zh-CN" altLang="en-US" dirty="0"/>
               <a:t>筛选</a:t>
             </a:r>
-            <a:endParaRPr lang="zh-CN" altLang="en-US" dirty="0"/>
           </a:p>
         </p:txBody>
       </p:sp>
@@ -5890,100 +6080,100 @@
           <a:lstStyle/>
           <a:p>
             <a:r>
-              <a:rPr lang="zh-CN" altLang="en-US" sz="2800" dirty="0" smtClean="0"/>
+              <a:rPr lang="zh-CN" altLang="en-US" sz="2800" dirty="0"/>
               <a:t>原理：</a:t>
             </a:r>
-            <a:endParaRPr lang="en-US" altLang="zh-CN" sz="2800" dirty="0" smtClean="0"/>
+            <a:endParaRPr lang="en-US" altLang="zh-CN" sz="2800" dirty="0"/>
           </a:p>
           <a:p>
             <a:pPr lvl="1"/>
             <a:r>
-              <a:rPr lang="zh-CN" altLang="en-US" sz="2400" dirty="0" smtClean="0"/>
+              <a:rPr lang="zh-CN" altLang="en-US" sz="2400" dirty="0"/>
               <a:t>传入一个</a:t>
             </a:r>
             <a:r>
-              <a:rPr lang="en-US" altLang="zh-CN" sz="2400" dirty="0" err="1" smtClean="0"/>
+              <a:rPr lang="en-US" altLang="zh-CN" sz="2400" dirty="0" err="1"/>
               <a:t>bool</a:t>
             </a:r>
             <a:r>
-              <a:rPr lang="zh-CN" altLang="en-US" sz="2400" dirty="0" smtClean="0"/>
+              <a:rPr lang="zh-CN" altLang="en-US" sz="2400" dirty="0"/>
               <a:t>类型</a:t>
             </a:r>
             <a:r>
-              <a:rPr lang="en-US" altLang="zh-CN" sz="2400" dirty="0" smtClean="0"/>
+              <a:rPr lang="en-US" altLang="zh-CN" sz="2400" dirty="0"/>
               <a:t>list</a:t>
             </a:r>
             <a:r>
-              <a:rPr lang="zh-CN" altLang="en-US" sz="2400" dirty="0" smtClean="0"/>
+              <a:rPr lang="zh-CN" altLang="en-US" sz="2400" dirty="0"/>
               <a:t>，挑出对应位置为</a:t>
             </a:r>
             <a:r>
-              <a:rPr lang="en-US" altLang="zh-CN" sz="2400" dirty="0" smtClean="0"/>
+              <a:rPr lang="en-US" altLang="zh-CN" sz="2400" dirty="0"/>
               <a:t>true</a:t>
             </a:r>
             <a:r>
-              <a:rPr lang="zh-CN" altLang="en-US" sz="2400" dirty="0" smtClean="0"/>
+              <a:rPr lang="zh-CN" altLang="en-US" sz="2400" dirty="0"/>
               <a:t>的元素</a:t>
             </a:r>
-            <a:endParaRPr lang="en-US" altLang="zh-CN" sz="2400" dirty="0" smtClean="0"/>
+            <a:endParaRPr lang="en-US" altLang="zh-CN" sz="2400" dirty="0"/>
           </a:p>
           <a:p>
             <a:pPr lvl="1"/>
             <a:r>
-              <a:rPr lang="en-US" altLang="zh-CN" sz="2400" dirty="0" smtClean="0"/>
+              <a:rPr lang="en-US" altLang="zh-CN" sz="2400" dirty="0"/>
               <a:t>s[</a:t>
             </a:r>
             <a:r>
-              <a:rPr lang="en-US" altLang="zh-CN" sz="2400" dirty="0" err="1" smtClean="0"/>
+              <a:rPr lang="en-US" altLang="zh-CN" sz="2400" dirty="0" err="1"/>
               <a:t>bool</a:t>
             </a:r>
             <a:r>
-              <a:rPr lang="en-US" altLang="zh-CN" sz="2400" dirty="0" smtClean="0"/>
+              <a:rPr lang="en-US" altLang="zh-CN" sz="2400" dirty="0"/>
               <a:t> list]</a:t>
             </a:r>
           </a:p>
           <a:p>
             <a:r>
-              <a:rPr lang="zh-CN" altLang="en-US" dirty="0" smtClean="0"/>
+              <a:rPr lang="zh-CN" altLang="en-US" dirty="0"/>
               <a:t>常用条件</a:t>
             </a:r>
-            <a:endParaRPr lang="en-US" altLang="zh-CN" dirty="0" smtClean="0"/>
+            <a:endParaRPr lang="en-US" altLang="zh-CN" dirty="0"/>
           </a:p>
           <a:p>
             <a:pPr lvl="1"/>
             <a:r>
-              <a:rPr lang="en-US" altLang="zh-CN" dirty="0" err="1" smtClean="0"/>
+              <a:rPr lang="en-US" altLang="zh-CN" dirty="0" err="1"/>
               <a:t>s.notnull</a:t>
             </a:r>
             <a:r>
-              <a:rPr lang="en-US" altLang="zh-CN" dirty="0" smtClean="0"/>
+              <a:rPr lang="en-US" altLang="zh-CN" dirty="0"/>
               <a:t>() </a:t>
             </a:r>
             <a:r>
-              <a:rPr lang="zh-CN" altLang="en-US" dirty="0" smtClean="0"/>
+              <a:rPr lang="zh-CN" altLang="en-US" dirty="0"/>
               <a:t>或</a:t>
             </a:r>
             <a:r>
-              <a:rPr lang="en-US" altLang="zh-CN" dirty="0" smtClean="0"/>
+              <a:rPr lang="en-US" altLang="zh-CN" dirty="0"/>
               <a:t> </a:t>
             </a:r>
             <a:r>
-              <a:rPr lang="en-US" altLang="zh-CN" dirty="0" err="1" smtClean="0"/>
+              <a:rPr lang="en-US" altLang="zh-CN" dirty="0" err="1"/>
               <a:t>s.isnull</a:t>
             </a:r>
             <a:r>
-              <a:rPr lang="en-US" altLang="zh-CN" dirty="0" smtClean="0"/>
+              <a:rPr lang="en-US" altLang="zh-CN" dirty="0"/>
               <a:t>()</a:t>
             </a:r>
           </a:p>
           <a:p>
             <a:pPr lvl="1"/>
             <a:r>
-              <a:rPr lang="zh-CN" altLang="en-US" dirty="0" smtClean="0"/>
+              <a:rPr lang="zh-CN" altLang="en-US" dirty="0"/>
               <a:t>布尔运算：</a:t>
             </a:r>
             <a:r>
-              <a:rPr lang="en-US" altLang="zh-CN" dirty="0" smtClean="0"/>
+              <a:rPr lang="en-US" altLang="zh-CN" dirty="0"/>
               <a:t>s &gt; N</a:t>
             </a:r>
             <a:endParaRPr lang="zh-CN" altLang="en-US" dirty="0"/>
@@ -6184,311 +6374,311 @@
           <a:lstStyle/>
           <a:p>
             <a:r>
-              <a:rPr lang="zh-CN" altLang="en-US" sz="2200" dirty="0" smtClean="0"/>
+              <a:rPr lang="zh-CN" altLang="en-US" sz="2200" dirty="0"/>
               <a:t>标准方式：</a:t>
             </a:r>
             <a:r>
-              <a:rPr lang="en-US" altLang="zh-CN" sz="2200" dirty="0" err="1" smtClean="0"/>
+              <a:rPr lang="en-US" altLang="zh-CN" sz="2200" dirty="0" err="1"/>
               <a:t>DataFrame</a:t>
             </a:r>
             <a:r>
-              <a:rPr lang="en-US" altLang="zh-CN" sz="2200" dirty="0" smtClean="0"/>
+              <a:rPr lang="en-US" altLang="zh-CN" sz="2200" dirty="0"/>
               <a:t>(data=[],index=[],</a:t>
             </a:r>
             <a:r>
-              <a:rPr lang="en-US" altLang="zh-CN" sz="2200" dirty="0" err="1" smtClean="0"/>
+              <a:rPr lang="en-US" altLang="zh-CN" sz="2200" dirty="0" err="1"/>
               <a:t>coloumns</a:t>
             </a:r>
             <a:r>
-              <a:rPr lang="en-US" altLang="zh-CN" sz="2200" dirty="0" smtClean="0"/>
+              <a:rPr lang="en-US" altLang="zh-CN" sz="2200" dirty="0"/>
               <a:t>=[])</a:t>
             </a:r>
           </a:p>
           <a:p>
             <a:pPr lvl="1"/>
             <a:r>
-              <a:rPr lang="en-US" altLang="zh-CN" sz="1800" dirty="0" err="1" smtClean="0"/>
+              <a:rPr lang="en-US" altLang="zh-CN" sz="1800" dirty="0" err="1"/>
               <a:t>pd.DataFrame</a:t>
             </a:r>
             <a:r>
-              <a:rPr lang="en-US" altLang="zh-CN" sz="1800" dirty="0" smtClean="0"/>
+              <a:rPr lang="en-US" altLang="zh-CN" sz="1800" dirty="0"/>
               <a:t>(</a:t>
             </a:r>
             <a:r>
-              <a:rPr lang="en-US" altLang="zh-CN" sz="1800" dirty="0" err="1" smtClean="0"/>
+              <a:rPr lang="en-US" altLang="zh-CN" sz="1800" dirty="0" err="1"/>
               <a:t>np.arange</a:t>
             </a:r>
             <a:r>
-              <a:rPr lang="en-US" altLang="zh-CN" sz="1800" dirty="0" smtClean="0"/>
+              <a:rPr lang="en-US" altLang="zh-CN" sz="1800" dirty="0"/>
               <a:t>(16).reshape(4,4))    # </a:t>
             </a:r>
             <a:r>
-              <a:rPr lang="zh-CN" altLang="en-US" sz="1800" dirty="0" smtClean="0"/>
+              <a:rPr lang="zh-CN" altLang="en-US" sz="1800" dirty="0"/>
               <a:t>创建一个</a:t>
             </a:r>
             <a:r>
-              <a:rPr lang="en-US" altLang="zh-CN" sz="1800" dirty="0" smtClean="0"/>
+              <a:rPr lang="en-US" altLang="zh-CN" sz="1800" dirty="0"/>
               <a:t>4x4</a:t>
             </a:r>
             <a:r>
-              <a:rPr lang="zh-CN" altLang="en-US" sz="1800" dirty="0" smtClean="0"/>
+              <a:rPr lang="zh-CN" altLang="en-US" sz="1800" dirty="0"/>
               <a:t>的</a:t>
             </a:r>
             <a:r>
-              <a:rPr lang="en-US" altLang="zh-CN" sz="1800" dirty="0" err="1" smtClean="0"/>
+              <a:rPr lang="en-US" altLang="zh-CN" sz="1800" dirty="0" err="1"/>
               <a:t>df</a:t>
             </a:r>
-            <a:endParaRPr lang="en-US" altLang="zh-CN" sz="1800" dirty="0" smtClean="0"/>
+            <a:endParaRPr lang="en-US" altLang="zh-CN" sz="1800" dirty="0"/>
           </a:p>
           <a:p>
             <a:pPr lvl="1"/>
             <a:r>
-              <a:rPr lang="en-US" altLang="zh-CN" sz="1800" dirty="0" err="1" smtClean="0"/>
+              <a:rPr lang="en-US" altLang="zh-CN" sz="1800" dirty="0" err="1"/>
               <a:t>pd.DataFrame</a:t>
             </a:r>
             <a:r>
-              <a:rPr lang="en-US" altLang="zh-CN" sz="1800" dirty="0" smtClean="0"/>
+              <a:rPr lang="en-US" altLang="zh-CN" sz="1800" dirty="0"/>
               <a:t>(columns=[‘A’, ‘B’, ‘C’, ‘D’])    # </a:t>
             </a:r>
             <a:r>
-              <a:rPr lang="zh-CN" altLang="en-US" sz="1800" dirty="0" smtClean="0"/>
+              <a:rPr lang="zh-CN" altLang="en-US" sz="1800" dirty="0"/>
               <a:t>创建一个</a:t>
             </a:r>
             <a:r>
-              <a:rPr lang="en-US" altLang="zh-CN" sz="1800" dirty="0" smtClean="0"/>
+              <a:rPr lang="en-US" altLang="zh-CN" sz="1800" dirty="0"/>
               <a:t>4</a:t>
             </a:r>
             <a:r>
-              <a:rPr lang="zh-CN" altLang="en-US" sz="1800" dirty="0" smtClean="0"/>
+              <a:rPr lang="zh-CN" altLang="en-US" sz="1800" dirty="0"/>
               <a:t>列空白</a:t>
             </a:r>
             <a:r>
-              <a:rPr lang="en-US" altLang="zh-CN" sz="1800" dirty="0" err="1" smtClean="0"/>
+              <a:rPr lang="en-US" altLang="zh-CN" sz="1800" dirty="0" err="1"/>
               <a:t>df</a:t>
             </a:r>
-            <a:endParaRPr lang="en-US" altLang="zh-CN" sz="1800" dirty="0" smtClean="0"/>
+            <a:endParaRPr lang="en-US" altLang="zh-CN" sz="1800" dirty="0"/>
           </a:p>
           <a:p>
             <a:pPr lvl="1"/>
             <a:r>
-              <a:rPr lang="en-US" altLang="zh-CN" sz="1800" dirty="0" smtClean="0"/>
+              <a:rPr lang="en-US" altLang="zh-CN" sz="1800" dirty="0"/>
               <a:t>data</a:t>
             </a:r>
             <a:r>
-              <a:rPr lang="zh-CN" altLang="en-US" sz="1800" dirty="0" smtClean="0"/>
+              <a:rPr lang="zh-CN" altLang="en-US" sz="1800" dirty="0"/>
               <a:t>可以为</a:t>
             </a:r>
             <a:r>
-              <a:rPr lang="en-US" altLang="zh-CN" sz="1800" dirty="0" smtClean="0"/>
+              <a:rPr lang="en-US" altLang="zh-CN" sz="1800" dirty="0"/>
               <a:t>list</a:t>
             </a:r>
             <a:r>
-              <a:rPr lang="zh-CN" altLang="en-US" sz="1800" dirty="0" smtClean="0"/>
+              <a:rPr lang="zh-CN" altLang="en-US" sz="1800" dirty="0"/>
               <a:t>嵌套</a:t>
             </a:r>
             <a:r>
-              <a:rPr lang="en-US" altLang="zh-CN" sz="1800" dirty="0" smtClean="0"/>
+              <a:rPr lang="en-US" altLang="zh-CN" sz="1800" dirty="0"/>
               <a:t>list</a:t>
             </a:r>
             <a:r>
-              <a:rPr lang="zh-CN" altLang="en-US" sz="1800" dirty="0" smtClean="0"/>
+              <a:rPr lang="zh-CN" altLang="en-US" sz="1800" dirty="0"/>
               <a:t>，里层</a:t>
             </a:r>
             <a:r>
-              <a:rPr lang="en-US" altLang="zh-CN" sz="1800" dirty="0" smtClean="0"/>
+              <a:rPr lang="en-US" altLang="zh-CN" sz="1800" dirty="0"/>
               <a:t>list</a:t>
             </a:r>
             <a:r>
-              <a:rPr lang="zh-CN" altLang="en-US" sz="1800" dirty="0" smtClean="0"/>
+              <a:rPr lang="zh-CN" altLang="en-US" sz="1800" dirty="0"/>
               <a:t>长度和</a:t>
             </a:r>
             <a:r>
-              <a:rPr lang="en-US" altLang="zh-CN" sz="1800" dirty="0" smtClean="0"/>
+              <a:rPr lang="en-US" altLang="zh-CN" sz="1800" dirty="0"/>
               <a:t>columns</a:t>
             </a:r>
             <a:r>
-              <a:rPr lang="zh-CN" altLang="en-US" sz="1800" dirty="0" smtClean="0"/>
+              <a:rPr lang="zh-CN" altLang="en-US" sz="1800" dirty="0"/>
               <a:t>长度相同</a:t>
             </a:r>
-            <a:endParaRPr lang="en-US" altLang="zh-CN" sz="1800" dirty="0" smtClean="0"/>
+            <a:endParaRPr lang="en-US" altLang="zh-CN" sz="1800" dirty="0"/>
           </a:p>
           <a:p>
             <a:pPr lvl="1"/>
             <a:r>
-              <a:rPr lang="en-US" altLang="zh-CN" sz="1800" dirty="0" smtClean="0"/>
+              <a:rPr lang="en-US" altLang="zh-CN" sz="1800" dirty="0"/>
               <a:t>data</a:t>
             </a:r>
             <a:r>
-              <a:rPr lang="zh-CN" altLang="en-US" sz="1800" dirty="0" smtClean="0"/>
+              <a:rPr lang="zh-CN" altLang="en-US" sz="1800" dirty="0"/>
               <a:t>也可以为单</a:t>
             </a:r>
             <a:r>
-              <a:rPr lang="en-US" altLang="zh-CN" sz="1800" dirty="0" smtClean="0"/>
+              <a:rPr lang="en-US" altLang="zh-CN" sz="1800" dirty="0"/>
               <a:t>list</a:t>
             </a:r>
             <a:r>
-              <a:rPr lang="zh-CN" altLang="en-US" sz="1800" dirty="0" smtClean="0"/>
+              <a:rPr lang="zh-CN" altLang="en-US" sz="1800" dirty="0"/>
               <a:t>，</a:t>
             </a:r>
             <a:r>
-              <a:rPr lang="en-US" altLang="zh-CN" sz="1800" dirty="0" err="1" smtClean="0"/>
+              <a:rPr lang="en-US" altLang="zh-CN" sz="1800" dirty="0" err="1"/>
               <a:t>df</a:t>
             </a:r>
             <a:r>
-              <a:rPr lang="zh-CN" altLang="en-US" sz="1800" dirty="0" smtClean="0"/>
+              <a:rPr lang="zh-CN" altLang="en-US" sz="1800" dirty="0"/>
               <a:t>会自动按列数折行</a:t>
             </a:r>
-            <a:endParaRPr lang="en-US" altLang="zh-CN" sz="1800" dirty="0" smtClean="0"/>
-          </a:p>
-          <a:p>
-            <a:r>
-              <a:rPr lang="zh-CN" altLang="en-US" sz="2200" dirty="0" smtClean="0"/>
+            <a:endParaRPr lang="en-US" altLang="zh-CN" sz="1800" dirty="0"/>
+          </a:p>
+          <a:p>
+            <a:r>
+              <a:rPr lang="zh-CN" altLang="en-US" sz="2200" dirty="0"/>
               <a:t>通过等长列表</a:t>
             </a:r>
             <a:r>
-              <a:rPr lang="en-US" altLang="zh-CN" sz="2200" dirty="0" err="1" smtClean="0"/>
+              <a:rPr lang="en-US" altLang="zh-CN" sz="2200" dirty="0" err="1"/>
               <a:t>dict</a:t>
             </a:r>
             <a:r>
-              <a:rPr lang="zh-CN" altLang="en-US" sz="2200" dirty="0" smtClean="0"/>
+              <a:rPr lang="zh-CN" altLang="en-US" sz="2200" dirty="0"/>
               <a:t>创建：</a:t>
             </a:r>
             <a:r>
-              <a:rPr lang="en-US" altLang="zh-CN" sz="2200" dirty="0" err="1" smtClean="0"/>
+              <a:rPr lang="en-US" altLang="zh-CN" sz="2200" dirty="0" err="1"/>
               <a:t>DataFrame</a:t>
             </a:r>
             <a:r>
-              <a:rPr lang="en-US" altLang="zh-CN" sz="2200" dirty="0" smtClean="0"/>
+              <a:rPr lang="en-US" altLang="zh-CN" sz="2200" dirty="0"/>
               <a:t>({'c':['1','2'],'a':[‘3',‘4']})</a:t>
             </a:r>
           </a:p>
           <a:p>
             <a:pPr lvl="1"/>
             <a:r>
-              <a:rPr lang="en-US" altLang="zh-CN" sz="1800" dirty="0" smtClean="0"/>
+              <a:rPr lang="en-US" altLang="zh-CN" sz="1800" dirty="0"/>
               <a:t>List</a:t>
             </a:r>
             <a:r>
-              <a:rPr lang="zh-CN" altLang="en-US" sz="1800" dirty="0" smtClean="0"/>
+              <a:rPr lang="zh-CN" altLang="en-US" sz="1800" dirty="0"/>
               <a:t>必须等长</a:t>
             </a:r>
-            <a:endParaRPr lang="en-US" altLang="zh-CN" sz="1800" dirty="0" smtClean="0"/>
+            <a:endParaRPr lang="en-US" altLang="zh-CN" sz="1800" dirty="0"/>
           </a:p>
           <a:p>
             <a:pPr lvl="1"/>
             <a:r>
-              <a:rPr lang="zh-CN" altLang="en-US" sz="1800" dirty="0" smtClean="0"/>
+              <a:rPr lang="zh-CN" altLang="en-US" sz="1800" dirty="0"/>
               <a:t>以</a:t>
             </a:r>
             <a:r>
-              <a:rPr lang="en-US" altLang="zh-CN" sz="1800" dirty="0" smtClean="0"/>
+              <a:rPr lang="en-US" altLang="zh-CN" sz="1800" dirty="0"/>
               <a:t>key</a:t>
             </a:r>
             <a:r>
-              <a:rPr lang="zh-CN" altLang="en-US" sz="1800" dirty="0" smtClean="0"/>
+              <a:rPr lang="zh-CN" altLang="en-US" sz="1800" dirty="0"/>
               <a:t>为列名，</a:t>
             </a:r>
             <a:r>
-              <a:rPr lang="en-US" altLang="zh-CN" sz="1800" dirty="0" smtClean="0"/>
+              <a:rPr lang="en-US" altLang="zh-CN" sz="1800" dirty="0"/>
               <a:t>list</a:t>
             </a:r>
             <a:r>
-              <a:rPr lang="zh-CN" altLang="en-US" sz="1800" dirty="0" smtClean="0"/>
+              <a:rPr lang="zh-CN" altLang="en-US" sz="1800" dirty="0"/>
               <a:t>中位置相同元素为同一行</a:t>
             </a:r>
-            <a:endParaRPr lang="en-US" altLang="zh-CN" sz="1800" dirty="0" smtClean="0"/>
+            <a:endParaRPr lang="en-US" altLang="zh-CN" sz="1800" dirty="0"/>
           </a:p>
           <a:p>
             <a:pPr lvl="1"/>
             <a:r>
-              <a:rPr lang="zh-CN" altLang="en-US" sz="1800" dirty="0" smtClean="0"/>
+              <a:rPr lang="zh-CN" altLang="en-US" sz="1800" dirty="0"/>
               <a:t>列按列名自动排序，</a:t>
             </a:r>
             <a:r>
-              <a:rPr lang="en-US" altLang="zh-CN" sz="1800" dirty="0" smtClean="0"/>
+              <a:rPr lang="en-US" altLang="zh-CN" sz="1800" dirty="0"/>
               <a:t>index</a:t>
             </a:r>
             <a:r>
-              <a:rPr lang="zh-CN" altLang="en-US" sz="1800" dirty="0" smtClean="0"/>
+              <a:rPr lang="zh-CN" altLang="en-US" sz="1800" dirty="0"/>
               <a:t>自动生成，可传入列表指定</a:t>
             </a:r>
             <a:r>
-              <a:rPr lang="en-US" altLang="zh-CN" sz="1800" dirty="0" smtClean="0"/>
+              <a:rPr lang="en-US" altLang="zh-CN" sz="1800" dirty="0"/>
               <a:t>column</a:t>
             </a:r>
             <a:r>
-              <a:rPr lang="zh-CN" altLang="en-US" sz="1800" dirty="0" smtClean="0"/>
+              <a:rPr lang="zh-CN" altLang="en-US" sz="1800" dirty="0"/>
               <a:t>顺序</a:t>
             </a:r>
-            <a:endParaRPr lang="en-US" altLang="zh-CN" sz="1800" dirty="0" smtClean="0"/>
-          </a:p>
-          <a:p>
-            <a:r>
-              <a:rPr lang="zh-CN" altLang="en-US" sz="2200" dirty="0" smtClean="0"/>
+            <a:endParaRPr lang="en-US" altLang="zh-CN" sz="1800" dirty="0"/>
+          </a:p>
+          <a:p>
+            <a:r>
+              <a:rPr lang="zh-CN" altLang="en-US" sz="2200" dirty="0"/>
               <a:t>通过嵌套字典创建：</a:t>
             </a:r>
             <a:r>
-              <a:rPr lang="en-US" altLang="zh-CN" sz="2200" dirty="0" err="1" smtClean="0"/>
+              <a:rPr lang="en-US" altLang="zh-CN" sz="2200" dirty="0" err="1"/>
               <a:t>DataFrame</a:t>
             </a:r>
             <a:r>
-              <a:rPr lang="en-US" altLang="zh-CN" sz="2200" dirty="0" smtClean="0"/>
+              <a:rPr lang="en-US" altLang="zh-CN" sz="2200" dirty="0"/>
               <a:t>({‘a’: {2020: 1, 2021: 2}, ‘b': {2020: 3, 2021: 4}})</a:t>
             </a:r>
           </a:p>
           <a:p>
             <a:pPr lvl="1"/>
             <a:r>
-              <a:rPr lang="zh-CN" altLang="en-US" sz="1800" dirty="0" smtClean="0"/>
+              <a:rPr lang="zh-CN" altLang="en-US" sz="1800" dirty="0"/>
               <a:t>外层</a:t>
             </a:r>
             <a:r>
-              <a:rPr lang="en-US" altLang="zh-CN" sz="1800" dirty="0" err="1" smtClean="0"/>
+              <a:rPr lang="en-US" altLang="zh-CN" sz="1800" dirty="0" err="1"/>
               <a:t>dict</a:t>
             </a:r>
             <a:r>
-              <a:rPr lang="zh-CN" altLang="en-US" sz="1800" dirty="0" smtClean="0"/>
+              <a:rPr lang="zh-CN" altLang="en-US" sz="1800" dirty="0"/>
               <a:t>的</a:t>
             </a:r>
             <a:r>
-              <a:rPr lang="en-US" altLang="zh-CN" sz="1800" dirty="0" smtClean="0"/>
+              <a:rPr lang="en-US" altLang="zh-CN" sz="1800" dirty="0"/>
               <a:t>key</a:t>
             </a:r>
             <a:r>
-              <a:rPr lang="zh-CN" altLang="en-US" sz="1800" dirty="0" smtClean="0"/>
+              <a:rPr lang="zh-CN" altLang="en-US" sz="1800" dirty="0"/>
               <a:t>为列名，内层</a:t>
             </a:r>
             <a:r>
-              <a:rPr lang="en-US" altLang="zh-CN" sz="1800" dirty="0" err="1" smtClean="0"/>
+              <a:rPr lang="en-US" altLang="zh-CN" sz="1800" dirty="0" err="1"/>
               <a:t>dict</a:t>
             </a:r>
             <a:r>
-              <a:rPr lang="zh-CN" altLang="en-US" sz="1800" dirty="0" smtClean="0"/>
+              <a:rPr lang="zh-CN" altLang="en-US" sz="1800" dirty="0"/>
               <a:t>的</a:t>
             </a:r>
             <a:r>
-              <a:rPr lang="en-US" altLang="zh-CN" sz="1800" dirty="0" smtClean="0"/>
+              <a:rPr lang="en-US" altLang="zh-CN" sz="1800" dirty="0"/>
               <a:t>key</a:t>
             </a:r>
             <a:r>
-              <a:rPr lang="zh-CN" altLang="en-US" sz="1800" dirty="0" smtClean="0"/>
+              <a:rPr lang="zh-CN" altLang="en-US" sz="1800" dirty="0"/>
               <a:t>为</a:t>
             </a:r>
             <a:r>
-              <a:rPr lang="en-US" altLang="zh-CN" sz="1800" dirty="0" smtClean="0"/>
+              <a:rPr lang="en-US" altLang="zh-CN" sz="1800" dirty="0"/>
               <a:t>index</a:t>
             </a:r>
           </a:p>
           <a:p>
             <a:pPr lvl="1"/>
-            <a:endParaRPr lang="en-US" altLang="zh-CN" sz="1800" dirty="0" smtClean="0"/>
+            <a:endParaRPr lang="en-US" altLang="zh-CN" sz="1800" dirty="0"/>
           </a:p>
           <a:p>
             <a:pPr lvl="2"/>
-            <a:endParaRPr lang="en-US" altLang="zh-CN" sz="2000" dirty="0" smtClean="0"/>
-          </a:p>
-          <a:p>
-            <a:endParaRPr lang="en-US" altLang="zh-CN" dirty="0" smtClean="0"/>
+            <a:endParaRPr lang="en-US" altLang="zh-CN" sz="2000" dirty="0"/>
+          </a:p>
+          <a:p>
+            <a:endParaRPr lang="en-US" altLang="zh-CN" dirty="0"/>
           </a:p>
         </p:txBody>
       </p:sp>

--- a/Pandas_Cheat_Sheet.pptx
+++ b/Pandas_Cheat_Sheet.pptx
@@ -125,7 +125,7 @@
   </p:defaultTextStyle>
   <p:extLst>
     <p:ext uri="{EFAFB233-063F-42B5-8137-9DF3F51BA10A}">
-      <p15:sldGuideLst xmlns:p15="http://schemas.microsoft.com/office/powerpoint/2012/main">
+      <p15:sldGuideLst xmlns:p15="http://schemas.microsoft.com/office/powerpoint/2012/main" xmlns="">
         <p15:guide id="1" orient="horz" pos="2160">
           <p15:clr>
             <a:srgbClr val="A4A3A4"/>
@@ -322,7 +322,7 @@
             <a:fld id="{530820CF-B880-4189-942D-D702A7CBA730}" type="datetimeFigureOut">
               <a:rPr lang="zh-CN" altLang="en-US" smtClean="0"/>
               <a:pPr/>
-              <a:t>2019/12/25</a:t>
+              <a:t>2019/12/26</a:t>
             </a:fld>
             <a:endParaRPr lang="zh-CN" altLang="en-US"/>
           </a:p>
@@ -487,7 +487,7 @@
             <a:fld id="{530820CF-B880-4189-942D-D702A7CBA730}" type="datetimeFigureOut">
               <a:rPr lang="zh-CN" altLang="en-US" smtClean="0"/>
               <a:pPr/>
-              <a:t>2019/12/25</a:t>
+              <a:t>2019/12/26</a:t>
             </a:fld>
             <a:endParaRPr lang="zh-CN" altLang="en-US"/>
           </a:p>
@@ -662,7 +662,7 @@
             <a:fld id="{530820CF-B880-4189-942D-D702A7CBA730}" type="datetimeFigureOut">
               <a:rPr lang="zh-CN" altLang="en-US" smtClean="0"/>
               <a:pPr/>
-              <a:t>2019/12/25</a:t>
+              <a:t>2019/12/26</a:t>
             </a:fld>
             <a:endParaRPr lang="zh-CN" altLang="en-US"/>
           </a:p>
@@ -827,7 +827,7 @@
             <a:fld id="{530820CF-B880-4189-942D-D702A7CBA730}" type="datetimeFigureOut">
               <a:rPr lang="zh-CN" altLang="en-US" smtClean="0"/>
               <a:pPr/>
-              <a:t>2019/12/25</a:t>
+              <a:t>2019/12/26</a:t>
             </a:fld>
             <a:endParaRPr lang="zh-CN" altLang="en-US"/>
           </a:p>
@@ -1069,7 +1069,7 @@
             <a:fld id="{530820CF-B880-4189-942D-D702A7CBA730}" type="datetimeFigureOut">
               <a:rPr lang="zh-CN" altLang="en-US" smtClean="0"/>
               <a:pPr/>
-              <a:t>2019/12/25</a:t>
+              <a:t>2019/12/26</a:t>
             </a:fld>
             <a:endParaRPr lang="zh-CN" altLang="en-US"/>
           </a:p>
@@ -1351,7 +1351,7 @@
             <a:fld id="{530820CF-B880-4189-942D-D702A7CBA730}" type="datetimeFigureOut">
               <a:rPr lang="zh-CN" altLang="en-US" smtClean="0"/>
               <a:pPr/>
-              <a:t>2019/12/25</a:t>
+              <a:t>2019/12/26</a:t>
             </a:fld>
             <a:endParaRPr lang="zh-CN" altLang="en-US"/>
           </a:p>
@@ -1767,7 +1767,7 @@
             <a:fld id="{530820CF-B880-4189-942D-D702A7CBA730}" type="datetimeFigureOut">
               <a:rPr lang="zh-CN" altLang="en-US" smtClean="0"/>
               <a:pPr/>
-              <a:t>2019/12/25</a:t>
+              <a:t>2019/12/26</a:t>
             </a:fld>
             <a:endParaRPr lang="zh-CN" altLang="en-US"/>
           </a:p>
@@ -1881,7 +1881,7 @@
             <a:fld id="{530820CF-B880-4189-942D-D702A7CBA730}" type="datetimeFigureOut">
               <a:rPr lang="zh-CN" altLang="en-US" smtClean="0"/>
               <a:pPr/>
-              <a:t>2019/12/25</a:t>
+              <a:t>2019/12/26</a:t>
             </a:fld>
             <a:endParaRPr lang="zh-CN" altLang="en-US"/>
           </a:p>
@@ -1973,7 +1973,7 @@
             <a:fld id="{530820CF-B880-4189-942D-D702A7CBA730}" type="datetimeFigureOut">
               <a:rPr lang="zh-CN" altLang="en-US" smtClean="0"/>
               <a:pPr/>
-              <a:t>2019/12/25</a:t>
+              <a:t>2019/12/26</a:t>
             </a:fld>
             <a:endParaRPr lang="zh-CN" altLang="en-US"/>
           </a:p>
@@ -2245,7 +2245,7 @@
             <a:fld id="{530820CF-B880-4189-942D-D702A7CBA730}" type="datetimeFigureOut">
               <a:rPr lang="zh-CN" altLang="en-US" smtClean="0"/>
               <a:pPr/>
-              <a:t>2019/12/25</a:t>
+              <a:t>2019/12/26</a:t>
             </a:fld>
             <a:endParaRPr lang="zh-CN" altLang="en-US"/>
           </a:p>
@@ -2494,7 +2494,7 @@
             <a:fld id="{530820CF-B880-4189-942D-D702A7CBA730}" type="datetimeFigureOut">
               <a:rPr lang="zh-CN" altLang="en-US" smtClean="0"/>
               <a:pPr/>
-              <a:t>2019/12/25</a:t>
+              <a:t>2019/12/26</a:t>
             </a:fld>
             <a:endParaRPr lang="zh-CN" altLang="en-US"/>
           </a:p>
@@ -2702,7 +2702,7 @@
             <a:fld id="{530820CF-B880-4189-942D-D702A7CBA730}" type="datetimeFigureOut">
               <a:rPr lang="zh-CN" altLang="en-US" smtClean="0"/>
               <a:pPr/>
-              <a:t>2019/12/25</a:t>
+              <a:t>2019/12/26</a:t>
             </a:fld>
             <a:endParaRPr lang="zh-CN" altLang="en-US"/>
           </a:p>
@@ -3528,7 +3528,7 @@
           <p:cNvPr id="2" name="Title 1">
             <a:extLst>
               <a:ext uri="{FF2B5EF4-FFF2-40B4-BE49-F238E27FC236}">
-                <a16:creationId xmlns:a16="http://schemas.microsoft.com/office/drawing/2014/main" id="{3D5DEDCA-A91F-4E1C-9F56-607D6645AF51}"/>
+                <a16:creationId xmlns:a16="http://schemas.microsoft.com/office/drawing/2014/main" xmlns="" id="{3D5DEDCA-A91F-4E1C-9F56-607D6645AF51}"/>
               </a:ext>
             </a:extLst>
           </p:cNvPr>
@@ -3561,7 +3561,7 @@
           <p:cNvPr id="3" name="Content Placeholder 2">
             <a:extLst>
               <a:ext uri="{FF2B5EF4-FFF2-40B4-BE49-F238E27FC236}">
-                <a16:creationId xmlns:a16="http://schemas.microsoft.com/office/drawing/2014/main" id="{4D7145D0-92E3-4294-941D-1D28C5F13751}"/>
+                <a16:creationId xmlns:a16="http://schemas.microsoft.com/office/drawing/2014/main" xmlns="" id="{4D7145D0-92E3-4294-941D-1D28C5F13751}"/>
               </a:ext>
             </a:extLst>
           </p:cNvPr>
@@ -3670,7 +3670,7 @@
     </p:spTree>
     <p:extLst>
       <p:ext uri="{BB962C8B-B14F-4D97-AF65-F5344CB8AC3E}">
-        <p14:creationId xmlns:p14="http://schemas.microsoft.com/office/powerpoint/2010/main" val="1359580981"/>
+        <p14:creationId xmlns:p14="http://schemas.microsoft.com/office/powerpoint/2010/main" xmlns="" val="1359580981"/>
       </p:ext>
     </p:extLst>
   </p:cSld>
@@ -3702,7 +3702,7 @@
           <p:cNvPr id="2" name="Title 1">
             <a:extLst>
               <a:ext uri="{FF2B5EF4-FFF2-40B4-BE49-F238E27FC236}">
-                <a16:creationId xmlns:a16="http://schemas.microsoft.com/office/drawing/2014/main" id="{1BF769BC-4229-4114-B0FD-32695EB1EA27}"/>
+                <a16:creationId xmlns:a16="http://schemas.microsoft.com/office/drawing/2014/main" xmlns="" id="{1BF769BC-4229-4114-B0FD-32695EB1EA27}"/>
               </a:ext>
             </a:extLst>
           </p:cNvPr>
@@ -3719,7 +3719,7 @@
           <a:lstStyle/>
           <a:p>
             <a:r>
-              <a:rPr lang="en-US" altLang="zh-CN" dirty="0" err="1"/>
+              <a:rPr lang="en-US" altLang="zh-CN" dirty="0" err="1" smtClean="0"/>
               <a:t>DataFrame</a:t>
             </a:r>
             <a:r>
@@ -3739,7 +3739,7 @@
           <p:cNvPr id="3" name="Content Placeholder 2">
             <a:extLst>
               <a:ext uri="{FF2B5EF4-FFF2-40B4-BE49-F238E27FC236}">
-                <a16:creationId xmlns:a16="http://schemas.microsoft.com/office/drawing/2014/main" id="{C20577FB-AFB5-4DD8-97C9-A175FE51C8BF}"/>
+                <a16:creationId xmlns:a16="http://schemas.microsoft.com/office/drawing/2014/main" xmlns="" id="{C20577FB-AFB5-4DD8-97C9-A175FE51C8BF}"/>
               </a:ext>
             </a:extLst>
           </p:cNvPr>
@@ -3808,9 +3808,43 @@
               <a:t>values.tolist</a:t>
             </a:r>
             <a:r>
-              <a:rPr lang="en-US" dirty="0"/>
+              <a:rPr lang="en-US" dirty="0" smtClean="0"/>
               <a:t>()</a:t>
             </a:r>
+          </a:p>
+          <a:p>
+            <a:r>
+              <a:rPr lang="zh-CN" altLang="en-US" dirty="0" smtClean="0"/>
+              <a:t>列转</a:t>
+            </a:r>
+            <a:r>
+              <a:rPr lang="en-US" altLang="zh-CN" dirty="0" smtClean="0"/>
+              <a:t>List</a:t>
+            </a:r>
+          </a:p>
+          <a:p>
+            <a:pPr lvl="1"/>
+            <a:r>
+              <a:rPr lang="en-US" dirty="0" err="1" smtClean="0"/>
+              <a:t>d</a:t>
+            </a:r>
+            <a:r>
+              <a:rPr lang="en-US" dirty="0" err="1" smtClean="0"/>
+              <a:t>f</a:t>
+            </a:r>
+            <a:r>
+              <a:rPr lang="en-US" dirty="0" smtClean="0"/>
+              <a:t>[‘column’].</a:t>
+            </a:r>
+            <a:r>
+              <a:rPr lang="en-US" dirty="0" err="1" smtClean="0"/>
+              <a:t>values.tolist</a:t>
+            </a:r>
+            <a:r>
+              <a:rPr lang="en-US" smtClean="0"/>
+              <a:t>()</a:t>
+            </a:r>
+            <a:endParaRPr lang="en-US" dirty="0"/>
           </a:p>
           <a:p>
             <a:pPr lvl="1"/>
@@ -3821,7 +3855,7 @@
     </p:spTree>
     <p:extLst>
       <p:ext uri="{BB962C8B-B14F-4D97-AF65-F5344CB8AC3E}">
-        <p14:creationId xmlns:p14="http://schemas.microsoft.com/office/powerpoint/2010/main" val="3308283478"/>
+        <p14:creationId xmlns:p14="http://schemas.microsoft.com/office/powerpoint/2010/main" xmlns="" val="3308283478"/>
       </p:ext>
     </p:extLst>
   </p:cSld>
@@ -4422,7 +4456,7 @@
           <p:cNvPr id="2" name="Title 1">
             <a:extLst>
               <a:ext uri="{FF2B5EF4-FFF2-40B4-BE49-F238E27FC236}">
-                <a16:creationId xmlns:a16="http://schemas.microsoft.com/office/drawing/2014/main" id="{2B5DEDAB-0DD3-4269-A921-90595DCE9E9A}"/>
+                <a16:creationId xmlns:a16="http://schemas.microsoft.com/office/drawing/2014/main" xmlns="" id="{2B5DEDAB-0DD3-4269-A921-90595DCE9E9A}"/>
               </a:ext>
             </a:extLst>
           </p:cNvPr>
@@ -4447,7 +4481,7 @@
           <p:cNvPr id="3" name="Content Placeholder 2">
             <a:extLst>
               <a:ext uri="{FF2B5EF4-FFF2-40B4-BE49-F238E27FC236}">
-                <a16:creationId xmlns:a16="http://schemas.microsoft.com/office/drawing/2014/main" id="{57A4E6F1-8B37-413E-A9AE-EA39842F900C}"/>
+                <a16:creationId xmlns:a16="http://schemas.microsoft.com/office/drawing/2014/main" xmlns="" id="{57A4E6F1-8B37-413E-A9AE-EA39842F900C}"/>
               </a:ext>
             </a:extLst>
           </p:cNvPr>
@@ -4470,7 +4504,7 @@
     </p:spTree>
     <p:extLst>
       <p:ext uri="{BB962C8B-B14F-4D97-AF65-F5344CB8AC3E}">
-        <p14:creationId xmlns:p14="http://schemas.microsoft.com/office/powerpoint/2010/main" val="2831842387"/>
+        <p14:creationId xmlns:p14="http://schemas.microsoft.com/office/powerpoint/2010/main" xmlns="" val="2831842387"/>
       </p:ext>
     </p:extLst>
   </p:cSld>
@@ -5152,7 +5186,7 @@
           <p:cNvPr id="2" name="Title 1">
             <a:extLst>
               <a:ext uri="{FF2B5EF4-FFF2-40B4-BE49-F238E27FC236}">
-                <a16:creationId xmlns:a16="http://schemas.microsoft.com/office/drawing/2014/main" id="{C9CDCE50-ED31-421E-839F-CC4C85BEF5FF}"/>
+                <a16:creationId xmlns:a16="http://schemas.microsoft.com/office/drawing/2014/main" xmlns="" id="{C9CDCE50-ED31-421E-839F-CC4C85BEF5FF}"/>
               </a:ext>
             </a:extLst>
           </p:cNvPr>
@@ -5193,7 +5227,7 @@
           <p:cNvPr id="3" name="Content Placeholder 2">
             <a:extLst>
               <a:ext uri="{FF2B5EF4-FFF2-40B4-BE49-F238E27FC236}">
-                <a16:creationId xmlns:a16="http://schemas.microsoft.com/office/drawing/2014/main" id="{73D2D912-3AD3-4656-BC5D-38DA3D71C239}"/>
+                <a16:creationId xmlns:a16="http://schemas.microsoft.com/office/drawing/2014/main" xmlns="" id="{73D2D912-3AD3-4656-BC5D-38DA3D71C239}"/>
               </a:ext>
             </a:extLst>
           </p:cNvPr>
@@ -5297,7 +5331,7 @@
     </p:spTree>
     <p:extLst>
       <p:ext uri="{BB962C8B-B14F-4D97-AF65-F5344CB8AC3E}">
-        <p14:creationId xmlns:p14="http://schemas.microsoft.com/office/powerpoint/2010/main" val="524410915"/>
+        <p14:creationId xmlns:p14="http://schemas.microsoft.com/office/powerpoint/2010/main" xmlns="" val="524410915"/>
       </p:ext>
     </p:extLst>
   </p:cSld>

--- a/Pandas_Cheat_Sheet.pptx
+++ b/Pandas_Cheat_Sheet.pptx
@@ -125,7 +125,7 @@
   </p:defaultTextStyle>
   <p:extLst>
     <p:ext uri="{EFAFB233-063F-42B5-8137-9DF3F51BA10A}">
-      <p15:sldGuideLst xmlns:p15="http://schemas.microsoft.com/office/powerpoint/2012/main" xmlns="">
+      <p15:sldGuideLst xmlns:p15="http://schemas.microsoft.com/office/powerpoint/2012/main">
         <p15:guide id="1" orient="horz" pos="2160">
           <p15:clr>
             <a:srgbClr val="A4A3A4"/>
@@ -322,7 +322,7 @@
             <a:fld id="{530820CF-B880-4189-942D-D702A7CBA730}" type="datetimeFigureOut">
               <a:rPr lang="zh-CN" altLang="en-US" smtClean="0"/>
               <a:pPr/>
-              <a:t>2019/12/26</a:t>
+              <a:t>2020/1/16</a:t>
             </a:fld>
             <a:endParaRPr lang="zh-CN" altLang="en-US"/>
           </a:p>
@@ -487,7 +487,7 @@
             <a:fld id="{530820CF-B880-4189-942D-D702A7CBA730}" type="datetimeFigureOut">
               <a:rPr lang="zh-CN" altLang="en-US" smtClean="0"/>
               <a:pPr/>
-              <a:t>2019/12/26</a:t>
+              <a:t>2020/1/16</a:t>
             </a:fld>
             <a:endParaRPr lang="zh-CN" altLang="en-US"/>
           </a:p>
@@ -662,7 +662,7 @@
             <a:fld id="{530820CF-B880-4189-942D-D702A7CBA730}" type="datetimeFigureOut">
               <a:rPr lang="zh-CN" altLang="en-US" smtClean="0"/>
               <a:pPr/>
-              <a:t>2019/12/26</a:t>
+              <a:t>2020/1/16</a:t>
             </a:fld>
             <a:endParaRPr lang="zh-CN" altLang="en-US"/>
           </a:p>
@@ -827,7 +827,7 @@
             <a:fld id="{530820CF-B880-4189-942D-D702A7CBA730}" type="datetimeFigureOut">
               <a:rPr lang="zh-CN" altLang="en-US" smtClean="0"/>
               <a:pPr/>
-              <a:t>2019/12/26</a:t>
+              <a:t>2020/1/16</a:t>
             </a:fld>
             <a:endParaRPr lang="zh-CN" altLang="en-US"/>
           </a:p>
@@ -1069,7 +1069,7 @@
             <a:fld id="{530820CF-B880-4189-942D-D702A7CBA730}" type="datetimeFigureOut">
               <a:rPr lang="zh-CN" altLang="en-US" smtClean="0"/>
               <a:pPr/>
-              <a:t>2019/12/26</a:t>
+              <a:t>2020/1/16</a:t>
             </a:fld>
             <a:endParaRPr lang="zh-CN" altLang="en-US"/>
           </a:p>
@@ -1351,7 +1351,7 @@
             <a:fld id="{530820CF-B880-4189-942D-D702A7CBA730}" type="datetimeFigureOut">
               <a:rPr lang="zh-CN" altLang="en-US" smtClean="0"/>
               <a:pPr/>
-              <a:t>2019/12/26</a:t>
+              <a:t>2020/1/16</a:t>
             </a:fld>
             <a:endParaRPr lang="zh-CN" altLang="en-US"/>
           </a:p>
@@ -1767,7 +1767,7 @@
             <a:fld id="{530820CF-B880-4189-942D-D702A7CBA730}" type="datetimeFigureOut">
               <a:rPr lang="zh-CN" altLang="en-US" smtClean="0"/>
               <a:pPr/>
-              <a:t>2019/12/26</a:t>
+              <a:t>2020/1/16</a:t>
             </a:fld>
             <a:endParaRPr lang="zh-CN" altLang="en-US"/>
           </a:p>
@@ -1881,7 +1881,7 @@
             <a:fld id="{530820CF-B880-4189-942D-D702A7CBA730}" type="datetimeFigureOut">
               <a:rPr lang="zh-CN" altLang="en-US" smtClean="0"/>
               <a:pPr/>
-              <a:t>2019/12/26</a:t>
+              <a:t>2020/1/16</a:t>
             </a:fld>
             <a:endParaRPr lang="zh-CN" altLang="en-US"/>
           </a:p>
@@ -1973,7 +1973,7 @@
             <a:fld id="{530820CF-B880-4189-942D-D702A7CBA730}" type="datetimeFigureOut">
               <a:rPr lang="zh-CN" altLang="en-US" smtClean="0"/>
               <a:pPr/>
-              <a:t>2019/12/26</a:t>
+              <a:t>2020/1/16</a:t>
             </a:fld>
             <a:endParaRPr lang="zh-CN" altLang="en-US"/>
           </a:p>
@@ -2245,7 +2245,7 @@
             <a:fld id="{530820CF-B880-4189-942D-D702A7CBA730}" type="datetimeFigureOut">
               <a:rPr lang="zh-CN" altLang="en-US" smtClean="0"/>
               <a:pPr/>
-              <a:t>2019/12/26</a:t>
+              <a:t>2020/1/16</a:t>
             </a:fld>
             <a:endParaRPr lang="zh-CN" altLang="en-US"/>
           </a:p>
@@ -2494,7 +2494,7 @@
             <a:fld id="{530820CF-B880-4189-942D-D702A7CBA730}" type="datetimeFigureOut">
               <a:rPr lang="zh-CN" altLang="en-US" smtClean="0"/>
               <a:pPr/>
-              <a:t>2019/12/26</a:t>
+              <a:t>2020/1/16</a:t>
             </a:fld>
             <a:endParaRPr lang="zh-CN" altLang="en-US"/>
           </a:p>
@@ -2702,7 +2702,7 @@
             <a:fld id="{530820CF-B880-4189-942D-D702A7CBA730}" type="datetimeFigureOut">
               <a:rPr lang="zh-CN" altLang="en-US" smtClean="0"/>
               <a:pPr/>
-              <a:t>2019/12/26</a:t>
+              <a:t>2020/1/16</a:t>
             </a:fld>
             <a:endParaRPr lang="zh-CN" altLang="en-US"/>
           </a:p>
@@ -3528,7 +3528,7 @@
           <p:cNvPr id="2" name="Title 1">
             <a:extLst>
               <a:ext uri="{FF2B5EF4-FFF2-40B4-BE49-F238E27FC236}">
-                <a16:creationId xmlns:a16="http://schemas.microsoft.com/office/drawing/2014/main" xmlns="" id="{3D5DEDCA-A91F-4E1C-9F56-607D6645AF51}"/>
+                <a16:creationId xmlns:a16="http://schemas.microsoft.com/office/drawing/2014/main" id="{3D5DEDCA-A91F-4E1C-9F56-607D6645AF51}"/>
               </a:ext>
             </a:extLst>
           </p:cNvPr>
@@ -3561,7 +3561,7 @@
           <p:cNvPr id="3" name="Content Placeholder 2">
             <a:extLst>
               <a:ext uri="{FF2B5EF4-FFF2-40B4-BE49-F238E27FC236}">
-                <a16:creationId xmlns:a16="http://schemas.microsoft.com/office/drawing/2014/main" xmlns="" id="{4D7145D0-92E3-4294-941D-1D28C5F13751}"/>
+                <a16:creationId xmlns:a16="http://schemas.microsoft.com/office/drawing/2014/main" id="{4D7145D0-92E3-4294-941D-1D28C5F13751}"/>
               </a:ext>
             </a:extLst>
           </p:cNvPr>
@@ -3670,7 +3670,7 @@
     </p:spTree>
     <p:extLst>
       <p:ext uri="{BB962C8B-B14F-4D97-AF65-F5344CB8AC3E}">
-        <p14:creationId xmlns:p14="http://schemas.microsoft.com/office/powerpoint/2010/main" xmlns="" val="1359580981"/>
+        <p14:creationId xmlns:p14="http://schemas.microsoft.com/office/powerpoint/2010/main" val="1359580981"/>
       </p:ext>
     </p:extLst>
   </p:cSld>
@@ -3702,7 +3702,7 @@
           <p:cNvPr id="2" name="Title 1">
             <a:extLst>
               <a:ext uri="{FF2B5EF4-FFF2-40B4-BE49-F238E27FC236}">
-                <a16:creationId xmlns:a16="http://schemas.microsoft.com/office/drawing/2014/main" xmlns="" id="{1BF769BC-4229-4114-B0FD-32695EB1EA27}"/>
+                <a16:creationId xmlns:a16="http://schemas.microsoft.com/office/drawing/2014/main" id="{1BF769BC-4229-4114-B0FD-32695EB1EA27}"/>
               </a:ext>
             </a:extLst>
           </p:cNvPr>
@@ -3719,7 +3719,7 @@
           <a:lstStyle/>
           <a:p>
             <a:r>
-              <a:rPr lang="en-US" altLang="zh-CN" dirty="0" err="1" smtClean="0"/>
+              <a:rPr lang="en-US" altLang="zh-CN" dirty="0" err="1"/>
               <a:t>DataFrame</a:t>
             </a:r>
             <a:r>
@@ -3739,7 +3739,7 @@
           <p:cNvPr id="3" name="Content Placeholder 2">
             <a:extLst>
               <a:ext uri="{FF2B5EF4-FFF2-40B4-BE49-F238E27FC236}">
-                <a16:creationId xmlns:a16="http://schemas.microsoft.com/office/drawing/2014/main" xmlns="" id="{C20577FB-AFB5-4DD8-97C9-A175FE51C8BF}"/>
+                <a16:creationId xmlns:a16="http://schemas.microsoft.com/office/drawing/2014/main" id="{C20577FB-AFB5-4DD8-97C9-A175FE51C8BF}"/>
               </a:ext>
             </a:extLst>
           </p:cNvPr>
@@ -3808,40 +3808,36 @@
               <a:t>values.tolist</a:t>
             </a:r>
             <a:r>
-              <a:rPr lang="en-US" dirty="0" smtClean="0"/>
+              <a:rPr lang="en-US" dirty="0"/>
               <a:t>()</a:t>
             </a:r>
           </a:p>
           <a:p>
             <a:r>
-              <a:rPr lang="zh-CN" altLang="en-US" dirty="0" smtClean="0"/>
+              <a:rPr lang="zh-CN" altLang="en-US" dirty="0"/>
               <a:t>列转</a:t>
             </a:r>
             <a:r>
-              <a:rPr lang="en-US" altLang="zh-CN" dirty="0" smtClean="0"/>
+              <a:rPr lang="en-US" altLang="zh-CN" dirty="0"/>
               <a:t>List</a:t>
             </a:r>
           </a:p>
           <a:p>
             <a:pPr lvl="1"/>
             <a:r>
-              <a:rPr lang="en-US" dirty="0" err="1" smtClean="0"/>
-              <a:t>d</a:t>
-            </a:r>
-            <a:r>
-              <a:rPr lang="en-US" dirty="0" err="1" smtClean="0"/>
-              <a:t>f</a:t>
-            </a:r>
-            <a:r>
-              <a:rPr lang="en-US" dirty="0" smtClean="0"/>
+              <a:rPr lang="en-US" dirty="0" err="1"/>
+              <a:t>df</a:t>
+            </a:r>
+            <a:r>
+              <a:rPr lang="en-US" dirty="0"/>
               <a:t>[‘column’].</a:t>
             </a:r>
             <a:r>
-              <a:rPr lang="en-US" dirty="0" err="1" smtClean="0"/>
+              <a:rPr lang="en-US" dirty="0" err="1"/>
               <a:t>values.tolist</a:t>
             </a:r>
             <a:r>
-              <a:rPr lang="en-US" smtClean="0"/>
+              <a:rPr lang="en-US"/>
               <a:t>()</a:t>
             </a:r>
             <a:endParaRPr lang="en-US" dirty="0"/>
@@ -3855,7 +3851,7 @@
     </p:spTree>
     <p:extLst>
       <p:ext uri="{BB962C8B-B14F-4D97-AF65-F5344CB8AC3E}">
-        <p14:creationId xmlns:p14="http://schemas.microsoft.com/office/powerpoint/2010/main" xmlns="" val="3308283478"/>
+        <p14:creationId xmlns:p14="http://schemas.microsoft.com/office/powerpoint/2010/main" val="3308283478"/>
       </p:ext>
     </p:extLst>
   </p:cSld>
@@ -4456,7 +4452,7 @@
           <p:cNvPr id="2" name="Title 1">
             <a:extLst>
               <a:ext uri="{FF2B5EF4-FFF2-40B4-BE49-F238E27FC236}">
-                <a16:creationId xmlns:a16="http://schemas.microsoft.com/office/drawing/2014/main" xmlns="" id="{2B5DEDAB-0DD3-4269-A921-90595DCE9E9A}"/>
+                <a16:creationId xmlns:a16="http://schemas.microsoft.com/office/drawing/2014/main" id="{2B5DEDAB-0DD3-4269-A921-90595DCE9E9A}"/>
               </a:ext>
             </a:extLst>
           </p:cNvPr>
@@ -4481,7 +4477,7 @@
           <p:cNvPr id="3" name="Content Placeholder 2">
             <a:extLst>
               <a:ext uri="{FF2B5EF4-FFF2-40B4-BE49-F238E27FC236}">
-                <a16:creationId xmlns:a16="http://schemas.microsoft.com/office/drawing/2014/main" xmlns="" id="{57A4E6F1-8B37-413E-A9AE-EA39842F900C}"/>
+                <a16:creationId xmlns:a16="http://schemas.microsoft.com/office/drawing/2014/main" id="{57A4E6F1-8B37-413E-A9AE-EA39842F900C}"/>
               </a:ext>
             </a:extLst>
           </p:cNvPr>
@@ -4504,7 +4500,7 @@
     </p:spTree>
     <p:extLst>
       <p:ext uri="{BB962C8B-B14F-4D97-AF65-F5344CB8AC3E}">
-        <p14:creationId xmlns:p14="http://schemas.microsoft.com/office/powerpoint/2010/main" xmlns="" val="2831842387"/>
+        <p14:creationId xmlns:p14="http://schemas.microsoft.com/office/powerpoint/2010/main" val="2831842387"/>
       </p:ext>
     </p:extLst>
   </p:cSld>
@@ -5186,7 +5182,7 @@
           <p:cNvPr id="2" name="Title 1">
             <a:extLst>
               <a:ext uri="{FF2B5EF4-FFF2-40B4-BE49-F238E27FC236}">
-                <a16:creationId xmlns:a16="http://schemas.microsoft.com/office/drawing/2014/main" xmlns="" id="{C9CDCE50-ED31-421E-839F-CC4C85BEF5FF}"/>
+                <a16:creationId xmlns:a16="http://schemas.microsoft.com/office/drawing/2014/main" id="{C9CDCE50-ED31-421E-839F-CC4C85BEF5FF}"/>
               </a:ext>
             </a:extLst>
           </p:cNvPr>
@@ -5227,7 +5223,7 @@
           <p:cNvPr id="3" name="Content Placeholder 2">
             <a:extLst>
               <a:ext uri="{FF2B5EF4-FFF2-40B4-BE49-F238E27FC236}">
-                <a16:creationId xmlns:a16="http://schemas.microsoft.com/office/drawing/2014/main" xmlns="" id="{73D2D912-3AD3-4656-BC5D-38DA3D71C239}"/>
+                <a16:creationId xmlns:a16="http://schemas.microsoft.com/office/drawing/2014/main" id="{73D2D912-3AD3-4656-BC5D-38DA3D71C239}"/>
               </a:ext>
             </a:extLst>
           </p:cNvPr>
@@ -5331,7 +5327,7 @@
     </p:spTree>
     <p:extLst>
       <p:ext uri="{BB962C8B-B14F-4D97-AF65-F5344CB8AC3E}">
-        <p14:creationId xmlns:p14="http://schemas.microsoft.com/office/powerpoint/2010/main" xmlns="" val="524410915"/>
+        <p14:creationId xmlns:p14="http://schemas.microsoft.com/office/powerpoint/2010/main" val="524410915"/>
       </p:ext>
     </p:extLst>
   </p:cSld>
@@ -5753,6 +5749,34 @@
               <a:rPr lang="en-US" altLang="zh-CN" dirty="0"/>
               <a:t>s[]</a:t>
             </a:r>
+          </a:p>
+          <a:p>
+            <a:pPr lvl="1"/>
+            <a:r>
+              <a:rPr lang="zh-CN" altLang="en-US" dirty="0"/>
+              <a:t>取第</a:t>
+            </a:r>
+            <a:r>
+              <a:rPr lang="en-US" altLang="zh-CN" dirty="0"/>
+              <a:t>N</a:t>
+            </a:r>
+            <a:r>
+              <a:rPr lang="zh-CN" altLang="en-US" dirty="0"/>
+              <a:t>个：</a:t>
+            </a:r>
+            <a:r>
+              <a:rPr lang="en-US" altLang="zh-CN" dirty="0" err="1"/>
+              <a:t>s</a:t>
+            </a:r>
+            <a:r>
+              <a:rPr lang="en-US" dirty="0" err="1"/>
+              <a:t>.tolist</a:t>
+            </a:r>
+            <a:r>
+              <a:rPr lang="en-US"/>
+              <a:t>()[N]</a:t>
+            </a:r>
+            <a:endParaRPr lang="en-US" altLang="zh-CN" dirty="0"/>
           </a:p>
         </p:txBody>
       </p:sp>

--- a/Pandas_Cheat_Sheet.pptx
+++ b/Pandas_Cheat_Sheet.pptx
@@ -322,7 +322,7 @@
             <a:fld id="{530820CF-B880-4189-942D-D702A7CBA730}" type="datetimeFigureOut">
               <a:rPr lang="zh-CN" altLang="en-US" smtClean="0"/>
               <a:pPr/>
-              <a:t>2020/1/16</a:t>
+              <a:t>2020/2/24</a:t>
             </a:fld>
             <a:endParaRPr lang="zh-CN" altLang="en-US"/>
           </a:p>
@@ -487,7 +487,7 @@
             <a:fld id="{530820CF-B880-4189-942D-D702A7CBA730}" type="datetimeFigureOut">
               <a:rPr lang="zh-CN" altLang="en-US" smtClean="0"/>
               <a:pPr/>
-              <a:t>2020/1/16</a:t>
+              <a:t>2020/2/24</a:t>
             </a:fld>
             <a:endParaRPr lang="zh-CN" altLang="en-US"/>
           </a:p>
@@ -662,7 +662,7 @@
             <a:fld id="{530820CF-B880-4189-942D-D702A7CBA730}" type="datetimeFigureOut">
               <a:rPr lang="zh-CN" altLang="en-US" smtClean="0"/>
               <a:pPr/>
-              <a:t>2020/1/16</a:t>
+              <a:t>2020/2/24</a:t>
             </a:fld>
             <a:endParaRPr lang="zh-CN" altLang="en-US"/>
           </a:p>
@@ -827,7 +827,7 @@
             <a:fld id="{530820CF-B880-4189-942D-D702A7CBA730}" type="datetimeFigureOut">
               <a:rPr lang="zh-CN" altLang="en-US" smtClean="0"/>
               <a:pPr/>
-              <a:t>2020/1/16</a:t>
+              <a:t>2020/2/24</a:t>
             </a:fld>
             <a:endParaRPr lang="zh-CN" altLang="en-US"/>
           </a:p>
@@ -1069,7 +1069,7 @@
             <a:fld id="{530820CF-B880-4189-942D-D702A7CBA730}" type="datetimeFigureOut">
               <a:rPr lang="zh-CN" altLang="en-US" smtClean="0"/>
               <a:pPr/>
-              <a:t>2020/1/16</a:t>
+              <a:t>2020/2/24</a:t>
             </a:fld>
             <a:endParaRPr lang="zh-CN" altLang="en-US"/>
           </a:p>
@@ -1351,7 +1351,7 @@
             <a:fld id="{530820CF-B880-4189-942D-D702A7CBA730}" type="datetimeFigureOut">
               <a:rPr lang="zh-CN" altLang="en-US" smtClean="0"/>
               <a:pPr/>
-              <a:t>2020/1/16</a:t>
+              <a:t>2020/2/24</a:t>
             </a:fld>
             <a:endParaRPr lang="zh-CN" altLang="en-US"/>
           </a:p>
@@ -1767,7 +1767,7 @@
             <a:fld id="{530820CF-B880-4189-942D-D702A7CBA730}" type="datetimeFigureOut">
               <a:rPr lang="zh-CN" altLang="en-US" smtClean="0"/>
               <a:pPr/>
-              <a:t>2020/1/16</a:t>
+              <a:t>2020/2/24</a:t>
             </a:fld>
             <a:endParaRPr lang="zh-CN" altLang="en-US"/>
           </a:p>
@@ -1881,7 +1881,7 @@
             <a:fld id="{530820CF-B880-4189-942D-D702A7CBA730}" type="datetimeFigureOut">
               <a:rPr lang="zh-CN" altLang="en-US" smtClean="0"/>
               <a:pPr/>
-              <a:t>2020/1/16</a:t>
+              <a:t>2020/2/24</a:t>
             </a:fld>
             <a:endParaRPr lang="zh-CN" altLang="en-US"/>
           </a:p>
@@ -1973,7 +1973,7 @@
             <a:fld id="{530820CF-B880-4189-942D-D702A7CBA730}" type="datetimeFigureOut">
               <a:rPr lang="zh-CN" altLang="en-US" smtClean="0"/>
               <a:pPr/>
-              <a:t>2020/1/16</a:t>
+              <a:t>2020/2/24</a:t>
             </a:fld>
             <a:endParaRPr lang="zh-CN" altLang="en-US"/>
           </a:p>
@@ -2245,7 +2245,7 @@
             <a:fld id="{530820CF-B880-4189-942D-D702A7CBA730}" type="datetimeFigureOut">
               <a:rPr lang="zh-CN" altLang="en-US" smtClean="0"/>
               <a:pPr/>
-              <a:t>2020/1/16</a:t>
+              <a:t>2020/2/24</a:t>
             </a:fld>
             <a:endParaRPr lang="zh-CN" altLang="en-US"/>
           </a:p>
@@ -2494,7 +2494,7 @@
             <a:fld id="{530820CF-B880-4189-942D-D702A7CBA730}" type="datetimeFigureOut">
               <a:rPr lang="zh-CN" altLang="en-US" smtClean="0"/>
               <a:pPr/>
-              <a:t>2020/1/16</a:t>
+              <a:t>2020/2/24</a:t>
             </a:fld>
             <a:endParaRPr lang="zh-CN" altLang="en-US"/>
           </a:p>
@@ -2702,7 +2702,7 @@
             <a:fld id="{530820CF-B880-4189-942D-D702A7CBA730}" type="datetimeFigureOut">
               <a:rPr lang="zh-CN" altLang="en-US" smtClean="0"/>
               <a:pPr/>
-              <a:t>2020/1/16</a:t>
+              <a:t>2020/2/24</a:t>
             </a:fld>
             <a:endParaRPr lang="zh-CN" altLang="en-US"/>
           </a:p>
@@ -3595,7 +3595,7 @@
             <a:pPr lvl="2"/>
             <a:r>
               <a:rPr lang="en-US" dirty="0"/>
-              <a:t>df[‘column name’]</a:t>
+              <a:t>df['column name']</a:t>
             </a:r>
           </a:p>
           <a:p>
@@ -3610,7 +3610,7 @@
             <a:pPr lvl="2"/>
             <a:r>
               <a:rPr lang="en-US" dirty="0"/>
-              <a:t>df[[‘column A’, ‘column B’]]</a:t>
+              <a:t>df[['column A', 'column B']]</a:t>
             </a:r>
           </a:p>
           <a:p>
@@ -3825,22 +3825,17 @@
           <a:p>
             <a:pPr lvl="1"/>
             <a:r>
-              <a:rPr lang="en-US" dirty="0" err="1"/>
-              <a:t>df</a:t>
-            </a:r>
-            <a:r>
               <a:rPr lang="en-US" dirty="0"/>
-              <a:t>[‘column’].</a:t>
+              <a:t>df['column'].</a:t>
             </a:r>
             <a:r>
               <a:rPr lang="en-US" dirty="0" err="1"/>
               <a:t>values.tolist</a:t>
             </a:r>
             <a:r>
-              <a:rPr lang="en-US"/>
+              <a:rPr lang="en-US" dirty="0"/>
               <a:t>()</a:t>
             </a:r>
-            <a:endParaRPr lang="en-US" dirty="0"/>
           </a:p>
           <a:p>
             <a:pPr lvl="1"/>
@@ -3922,20 +3917,8 @@
           <a:lstStyle/>
           <a:p>
             <a:r>
-              <a:rPr lang="en-US" altLang="en-US" sz="2400" dirty="0" err="1"/>
-              <a:t>df</a:t>
-            </a:r>
-            <a:r>
               <a:rPr lang="en-US" altLang="en-US" sz="2400" dirty="0"/>
-              <a:t>[</a:t>
-            </a:r>
-            <a:r>
-              <a:rPr lang="en-US" altLang="en-US" sz="2400" dirty="0" err="1"/>
-              <a:t>df</a:t>
-            </a:r>
-            <a:r>
-              <a:rPr lang="en-US" altLang="en-US" sz="2400" dirty="0"/>
-              <a:t>[‘column1’]&gt;100]</a:t>
+              <a:t>df[df['column1']&gt;100]</a:t>
             </a:r>
           </a:p>
           <a:p>
@@ -3969,7 +3952,7 @@
             </a:r>
             <a:r>
               <a:rPr lang="en-US" altLang="zh-CN" sz="2400" dirty="0"/>
-              <a:t>‘</a:t>
+              <a:t>'</a:t>
             </a:r>
             <a:r>
               <a:rPr lang="en-US" altLang="en-US" sz="2400" dirty="0"/>
@@ -3977,7 +3960,7 @@
             </a:r>
             <a:r>
               <a:rPr lang="pt-BR" altLang="zh-CN" sz="2400" dirty="0"/>
-              <a:t>’, ‘</a:t>
+              <a:t>', '</a:t>
             </a:r>
             <a:r>
               <a:rPr lang="en-US" altLang="en-US" sz="2400" dirty="0"/>
@@ -3985,7 +3968,7 @@
             </a:r>
             <a:r>
               <a:rPr lang="pt-BR" altLang="zh-CN" sz="2400" dirty="0"/>
-              <a:t>’]][</a:t>
+              <a:t>']][</a:t>
             </a:r>
             <a:r>
               <a:rPr lang="en-US" altLang="zh-CN" sz="2400" dirty="0" err="1"/>
@@ -4033,20 +4016,8 @@
           </a:p>
           <a:p>
             <a:r>
-              <a:rPr lang="en-US" altLang="zh-CN" sz="2400" dirty="0" err="1"/>
-              <a:t>df</a:t>
-            </a:r>
-            <a:r>
               <a:rPr lang="en-US" altLang="zh-CN" sz="2400" dirty="0"/>
-              <a:t>[</a:t>
-            </a:r>
-            <a:r>
-              <a:rPr lang="en-US" altLang="zh-CN" sz="2400" dirty="0" err="1"/>
-              <a:t>df</a:t>
-            </a:r>
-            <a:r>
-              <a:rPr lang="en-US" altLang="zh-CN" sz="2400" dirty="0"/>
-              <a:t>[‘columns1’].</a:t>
+              <a:t>df[df['columns1'].</a:t>
             </a:r>
             <a:r>
               <a:rPr lang="en-US" altLang="zh-CN" sz="2400" dirty="0" err="1"/>
@@ -4117,28 +4088,8 @@
           </a:p>
           <a:p>
             <a:r>
-              <a:rPr lang="en-US" altLang="en-US" sz="2400" dirty="0" err="1"/>
-              <a:t>df</a:t>
-            </a:r>
-            <a:r>
               <a:rPr lang="en-US" altLang="en-US" sz="2400" dirty="0"/>
-              <a:t>[(</a:t>
-            </a:r>
-            <a:r>
-              <a:rPr lang="en-US" altLang="en-US" sz="2400" dirty="0" err="1"/>
-              <a:t>df</a:t>
-            </a:r>
-            <a:r>
-              <a:rPr lang="en-US" altLang="en-US" sz="2400" dirty="0"/>
-              <a:t>[‘column1’]&gt;100) &amp; (</a:t>
-            </a:r>
-            <a:r>
-              <a:rPr lang="en-US" altLang="en-US" sz="2400" dirty="0" err="1"/>
-              <a:t>df</a:t>
-            </a:r>
-            <a:r>
-              <a:rPr lang="en-US" altLang="en-US" sz="2400" dirty="0"/>
-              <a:t>[‘column1’].</a:t>
+              <a:t>df[(df['column1']&gt;100) &amp; (df['column1'].</a:t>
             </a:r>
             <a:r>
               <a:rPr lang="en-US" altLang="en-US" sz="2400" dirty="0" err="1"/>
@@ -4308,15 +4259,7 @@
             <a:pPr lvl="1"/>
             <a:r>
               <a:rPr lang="en-US" altLang="zh-CN" sz="2000" dirty="0"/>
-              <a:t> </a:t>
-            </a:r>
-            <a:r>
-              <a:rPr lang="en-US" altLang="zh-CN" sz="2000" dirty="0" err="1"/>
-              <a:t>df</a:t>
-            </a:r>
-            <a:r>
-              <a:rPr lang="en-US" altLang="zh-CN" sz="2000" dirty="0"/>
-              <a:t>[‘new'] = </a:t>
+              <a:t> df['new'] = </a:t>
             </a:r>
             <a:r>
               <a:rPr lang="en-US" altLang="zh-CN" sz="2000" dirty="0" err="1"/>
@@ -4354,15 +4297,7 @@
             <a:pPr lvl="1"/>
             <a:r>
               <a:rPr lang="en-US" altLang="zh-CN" sz="1800" dirty="0"/>
-              <a:t>del </a:t>
-            </a:r>
-            <a:r>
-              <a:rPr lang="en-US" altLang="zh-CN" sz="1800" dirty="0" err="1"/>
-              <a:t>df</a:t>
-            </a:r>
-            <a:r>
-              <a:rPr lang="en-US" altLang="zh-CN" sz="1800" dirty="0"/>
-              <a:t>[‘a’]    # </a:t>
+              <a:t>del df['a']    # </a:t>
             </a:r>
             <a:r>
               <a:rPr lang="zh-CN" altLang="en-US" sz="1800" dirty="0"/>
@@ -4382,7 +4317,7 @@
             </a:r>
             <a:r>
               <a:rPr lang="en-US" altLang="zh-CN" sz="1800" dirty="0"/>
-              <a:t>([‘a’],axis=1)    # </a:t>
+              <a:t>(['a'],axis=1)    # </a:t>
             </a:r>
             <a:r>
               <a:rPr lang="zh-CN" altLang="en-US" sz="1800" dirty="0"/>
@@ -4637,12 +4572,8 @@
           </a:p>
           <a:p>
             <a:r>
-              <a:rPr lang="en-US" sz="2800" dirty="0" err="1"/>
-              <a:t>df</a:t>
-            </a:r>
-            <a:r>
               <a:rPr lang="en-US" sz="2800" dirty="0"/>
-              <a:t>[‘column’] = xxx </a:t>
+              <a:t>df['column'] = xxx </a:t>
             </a:r>
             <a:r>
               <a:rPr lang="en-US" altLang="zh-CN" sz="2800" dirty="0"/>
@@ -4998,9 +4929,285 @@
           <a:lstStyle/>
           <a:p>
             <a:r>
-              <a:rPr lang="zh-CN" altLang="en-US" dirty="0"/>
-              <a:t>去重</a:t>
-            </a:r>
+              <a:rPr lang="zh-CN" altLang="en-US" sz="2400" dirty="0"/>
+              <a:t>将两列组成一个</a:t>
+            </a:r>
+            <a:r>
+              <a:rPr lang="en-US" altLang="zh-CN" sz="2400" dirty="0" err="1"/>
+              <a:t>dict</a:t>
+            </a:r>
+            <a:endParaRPr lang="en-US" altLang="zh-CN" sz="2400" dirty="0"/>
+          </a:p>
+          <a:p>
+            <a:pPr lvl="1"/>
+            <a:r>
+              <a:rPr lang="en-US" altLang="zh-CN" sz="1600" dirty="0"/>
+              <a:t>df['merged'] = [{key: </a:t>
+            </a:r>
+            <a:r>
+              <a:rPr lang="en-US" altLang="zh-CN" sz="1600" dirty="0" err="1"/>
+              <a:t>val</a:t>
+            </a:r>
+            <a:r>
+              <a:rPr lang="en-US" altLang="zh-CN" sz="1600" dirty="0"/>
+              <a:t>} for key, </a:t>
+            </a:r>
+            <a:r>
+              <a:rPr lang="en-US" altLang="zh-CN" sz="1600" dirty="0" err="1"/>
+              <a:t>val</a:t>
+            </a:r>
+            <a:r>
+              <a:rPr lang="en-US" altLang="zh-CN" sz="1600" dirty="0"/>
+              <a:t> in zip(</a:t>
+            </a:r>
+            <a:r>
+              <a:rPr lang="en-US" altLang="zh-CN" sz="1600" dirty="0" err="1"/>
+              <a:t>df.colomn_a</a:t>
+            </a:r>
+            <a:r>
+              <a:rPr lang="en-US" altLang="zh-CN" sz="1600" dirty="0"/>
+              <a:t>, df.column_b)]</a:t>
+            </a:r>
+          </a:p>
+          <a:p>
+            <a:pPr lvl="1"/>
+            <a:r>
+              <a:rPr lang="en-US" altLang="zh-CN" sz="1600" dirty="0"/>
+              <a:t>df['merged'] = </a:t>
+            </a:r>
+            <a:r>
+              <a:rPr lang="en-US" altLang="zh-CN" sz="1600" dirty="0" err="1"/>
+              <a:t>df.apply</a:t>
+            </a:r>
+            <a:r>
+              <a:rPr lang="en-US" altLang="zh-CN" sz="1600" dirty="0"/>
+              <a:t>(lambda row: {row['</a:t>
+            </a:r>
+            <a:r>
+              <a:rPr lang="en-US" altLang="zh-CN" sz="1600" dirty="0" err="1"/>
+              <a:t>colomn_a</a:t>
+            </a:r>
+            <a:r>
+              <a:rPr lang="en-US" altLang="zh-CN" sz="1600" dirty="0"/>
+              <a:t>']:row['</a:t>
+            </a:r>
+            <a:r>
+              <a:rPr lang="en-US" altLang="zh-CN" sz="1600" dirty="0" err="1"/>
+              <a:t>column_b</a:t>
+            </a:r>
+            <a:r>
+              <a:rPr lang="en-US" altLang="zh-CN" sz="1600" dirty="0"/>
+              <a:t>']}, axis=1)</a:t>
+            </a:r>
+          </a:p>
+          <a:p>
+            <a:r>
+              <a:rPr lang="zh-CN" altLang="en-US" sz="2400" dirty="0"/>
+              <a:t>将两列</a:t>
+            </a:r>
+            <a:r>
+              <a:rPr lang="en-US" altLang="zh-CN" sz="2400" dirty="0" err="1"/>
+              <a:t>dict</a:t>
+            </a:r>
+            <a:r>
+              <a:rPr lang="zh-CN" altLang="en-US" sz="2400" dirty="0"/>
+              <a:t>按</a:t>
+            </a:r>
+            <a:r>
+              <a:rPr lang="en-US" altLang="zh-CN" sz="2400" dirty="0" err="1"/>
+              <a:t>groupby</a:t>
+            </a:r>
+            <a:r>
+              <a:rPr lang="zh-CN" altLang="en-US" sz="2400" dirty="0"/>
+              <a:t>合并成整个</a:t>
+            </a:r>
+            <a:r>
+              <a:rPr lang="en-US" altLang="zh-CN" sz="2400" dirty="0" err="1"/>
+              <a:t>dict</a:t>
+            </a:r>
+            <a:endParaRPr lang="en-US" altLang="zh-CN" sz="2400" dirty="0"/>
+          </a:p>
+          <a:p>
+            <a:pPr lvl="1"/>
+            <a:r>
+              <a:rPr lang="en-US" altLang="zh-CN" sz="1800" dirty="0"/>
+              <a:t>def </a:t>
+            </a:r>
+            <a:r>
+              <a:rPr lang="en-US" altLang="zh-CN" sz="1800" dirty="0" err="1"/>
+              <a:t>merge_dicts</a:t>
+            </a:r>
+            <a:r>
+              <a:rPr lang="en-US" altLang="zh-CN" sz="1800" dirty="0"/>
+              <a:t>(x): return {k: v for d in </a:t>
+            </a:r>
+            <a:r>
+              <a:rPr lang="en-US" altLang="zh-CN" sz="1800" dirty="0" err="1"/>
+              <a:t>x.dropna</a:t>
+            </a:r>
+            <a:r>
+              <a:rPr lang="en-US" altLang="zh-CN" sz="1800" dirty="0"/>
+              <a:t>() for k, v in </a:t>
+            </a:r>
+            <a:r>
+              <a:rPr lang="en-US" altLang="zh-CN" sz="1800" dirty="0" err="1"/>
+              <a:t>d.items</a:t>
+            </a:r>
+            <a:r>
+              <a:rPr lang="en-US" altLang="zh-CN" sz="1800" dirty="0"/>
+              <a:t>()}</a:t>
+            </a:r>
+          </a:p>
+          <a:p>
+            <a:pPr lvl="1"/>
+            <a:r>
+              <a:rPr lang="en-US" altLang="zh-CN" sz="1800" dirty="0" err="1"/>
+              <a:t>df.groupby</a:t>
+            </a:r>
+            <a:r>
+              <a:rPr lang="en-US" altLang="zh-CN" sz="1800" dirty="0"/>
+              <a:t>([‘</a:t>
+            </a:r>
+            <a:r>
+              <a:rPr lang="en-US" altLang="zh-CN" sz="1800" dirty="0" err="1"/>
+              <a:t>column_a</a:t>
+            </a:r>
+            <a:r>
+              <a:rPr lang="en-US" altLang="zh-CN" sz="1800" dirty="0"/>
+              <a:t>', ‘</a:t>
+            </a:r>
+            <a:r>
+              <a:rPr lang="en-US" altLang="zh-CN" sz="1800" dirty="0" err="1"/>
+              <a:t>column_b</a:t>
+            </a:r>
+            <a:r>
+              <a:rPr lang="en-US" altLang="zh-CN" sz="1800" dirty="0"/>
+              <a:t>'], </a:t>
+            </a:r>
+            <a:r>
+              <a:rPr lang="en-US" altLang="zh-CN" sz="1800" dirty="0" err="1"/>
+              <a:t>as_index</a:t>
+            </a:r>
+            <a:r>
+              <a:rPr lang="en-US" altLang="zh-CN" sz="1800" dirty="0"/>
+              <a:t>=False).</a:t>
+            </a:r>
+            <a:r>
+              <a:rPr lang="en-US" altLang="zh-CN" sz="1800" dirty="0" err="1"/>
+              <a:t>agg</a:t>
+            </a:r>
+            <a:r>
+              <a:rPr lang="en-US" altLang="zh-CN" sz="1800" dirty="0"/>
+              <a:t>(</a:t>
+            </a:r>
+            <a:r>
+              <a:rPr lang="en-US" altLang="zh-CN" sz="1800" dirty="0" err="1"/>
+              <a:t>merge_dicts</a:t>
+            </a:r>
+            <a:r>
+              <a:rPr lang="en-US" altLang="zh-CN" sz="1800" dirty="0"/>
+              <a:t>)</a:t>
+            </a:r>
+          </a:p>
+          <a:p>
+            <a:pPr lvl="1"/>
+            <a:r>
+              <a:rPr lang="en-US" altLang="zh-CN" sz="1800" dirty="0">
+                <a:hlinkClick r:id="rId2"/>
+              </a:rPr>
+              <a:t>https://stackoverflow.com/a/52783558/12929244</a:t>
+            </a:r>
+            <a:endParaRPr lang="en-US" altLang="zh-CN" sz="1800" dirty="0"/>
+          </a:p>
+          <a:p>
+            <a:r>
+              <a:rPr lang="zh-CN" altLang="en-US" sz="2400" dirty="0"/>
+              <a:t>将两列数据</a:t>
+            </a:r>
+            <a:r>
+              <a:rPr lang="en-US" altLang="zh-CN" sz="2400" dirty="0" err="1"/>
+              <a:t>groupby</a:t>
+            </a:r>
+            <a:r>
+              <a:rPr lang="zh-CN" altLang="en-US" sz="2400" dirty="0"/>
+              <a:t>按列合并成</a:t>
+            </a:r>
+            <a:r>
+              <a:rPr lang="en-US" altLang="zh-CN" sz="2400" dirty="0"/>
+              <a:t>list</a:t>
+            </a:r>
+          </a:p>
+          <a:p>
+            <a:pPr lvl="1"/>
+            <a:r>
+              <a:rPr lang="en-US" altLang="zh-CN" sz="1800" dirty="0" err="1"/>
+              <a:t>df.groupby</a:t>
+            </a:r>
+            <a:r>
+              <a:rPr lang="en-US" altLang="zh-CN" sz="1800" dirty="0"/>
+              <a:t>(‘</a:t>
+            </a:r>
+            <a:r>
+              <a:rPr lang="en-US" altLang="zh-CN" sz="1800" dirty="0" err="1"/>
+              <a:t>column_a</a:t>
+            </a:r>
+            <a:r>
+              <a:rPr lang="en-US" altLang="zh-CN" sz="1800" dirty="0"/>
+              <a:t>').</a:t>
+            </a:r>
+            <a:r>
+              <a:rPr lang="en-US" altLang="zh-CN" sz="1800" dirty="0" err="1"/>
+              <a:t>agg</a:t>
+            </a:r>
+            <a:r>
+              <a:rPr lang="en-US" altLang="zh-CN" sz="1800" dirty="0"/>
+              <a:t>(lambda x: list(x))</a:t>
+            </a:r>
+          </a:p>
+          <a:p>
+            <a:pPr lvl="1"/>
+            <a:r>
+              <a:rPr lang="en-US" altLang="zh-CN" sz="1800" dirty="0" err="1"/>
+              <a:t>df.groupby</a:t>
+            </a:r>
+            <a:r>
+              <a:rPr lang="en-US" altLang="zh-CN" sz="1800" dirty="0"/>
+              <a:t>(‘</a:t>
+            </a:r>
+            <a:r>
+              <a:rPr lang="en-US" altLang="zh-CN" sz="1800" dirty="0" err="1"/>
+              <a:t>column_a</a:t>
+            </a:r>
+            <a:r>
+              <a:rPr lang="en-US" altLang="zh-CN" sz="1800" dirty="0"/>
+              <a:t>').</a:t>
+            </a:r>
+            <a:r>
+              <a:rPr lang="en-US" altLang="zh-CN" sz="1800" dirty="0" err="1"/>
+              <a:t>agg</a:t>
+            </a:r>
+            <a:r>
+              <a:rPr lang="en-US" altLang="zh-CN" sz="1800" dirty="0"/>
+              <a:t>(</a:t>
+            </a:r>
+            <a:r>
+              <a:rPr lang="en-US" altLang="zh-CN" sz="1800" dirty="0" err="1"/>
+              <a:t>pd.Series.tolist</a:t>
+            </a:r>
+            <a:r>
+              <a:rPr lang="en-US" altLang="zh-CN" sz="1800" dirty="0"/>
+              <a:t>)</a:t>
+            </a:r>
+          </a:p>
+          <a:p>
+            <a:pPr lvl="1"/>
+            <a:r>
+              <a:rPr lang="en-US" sz="1800" dirty="0">
+                <a:hlinkClick r:id="rId3"/>
+              </a:rPr>
+              <a:t>https://stackoverflow.com/a/55839464/12929244</a:t>
+            </a:r>
+            <a:endParaRPr lang="en-US" sz="1800" dirty="0"/>
           </a:p>
         </p:txBody>
       </p:sp>
@@ -5453,7 +5660,7 @@
             </a:r>
             <a:r>
               <a:rPr lang="en-US" dirty="0"/>
-              <a:t> ([1, 2, ‘three’, 3.14, -5])</a:t>
+              <a:t> ([1, 2, 'three', 3.14, -5])</a:t>
             </a:r>
           </a:p>
           <a:p>
@@ -5468,15 +5675,7 @@
             </a:r>
             <a:r>
               <a:rPr lang="en-US" dirty="0"/>
-              <a:t>(</a:t>
-            </a:r>
-            <a:r>
-              <a:rPr lang="en-US" dirty="0" err="1"/>
-              <a:t>tuple</a:t>
-            </a:r>
-            <a:r>
-              <a:rPr lang="en-US" dirty="0"/>
-              <a:t>(‘</a:t>
+              <a:t>(tuple('</a:t>
             </a:r>
             <a:r>
               <a:rPr lang="en-US" dirty="0" err="1"/>
@@ -5484,7 +5683,7 @@
             </a:r>
             <a:r>
               <a:rPr lang="en-US" dirty="0"/>
-              <a:t>’))</a:t>
+              <a:t>'))</a:t>
             </a:r>
           </a:p>
           <a:p>
@@ -5540,15 +5739,7 @@
             </a:r>
             <a:r>
               <a:rPr lang="en-US" dirty="0"/>
-              <a:t>': 20, '</a:t>
-            </a:r>
-            <a:r>
-              <a:rPr lang="en-US" dirty="0" err="1"/>
-              <a:t>ccc</a:t>
-            </a:r>
-            <a:r>
-              <a:rPr lang="en-US" dirty="0"/>
-              <a:t>': 30, '</a:t>
+              <a:t>': 20, 'ccc': 30, '</a:t>
             </a:r>
             <a:r>
               <a:rPr lang="en-US" dirty="0" err="1"/>
@@ -6496,7 +6687,7 @@
             </a:r>
             <a:r>
               <a:rPr lang="en-US" altLang="zh-CN" sz="1800" dirty="0"/>
-              <a:t>(columns=[‘A’, ‘B’, ‘C’, ‘D’])    # </a:t>
+              <a:t>(columns=['A', 'B', 'C', 'D'])    # </a:t>
             </a:r>
             <a:r>
               <a:rPr lang="zh-CN" altLang="en-US" sz="1800" dirty="0"/>
@@ -6607,7 +6798,7 @@
             </a:r>
             <a:r>
               <a:rPr lang="en-US" altLang="zh-CN" sz="2200" dirty="0"/>
-              <a:t>({'c':['1','2'],'a':[‘3',‘4']})</a:t>
+              <a:t>({'c':['1','2'],'a':['3','4']})</a:t>
             </a:r>
           </a:p>
           <a:p>
@@ -6681,7 +6872,7 @@
             </a:r>
             <a:r>
               <a:rPr lang="en-US" altLang="zh-CN" sz="2200" dirty="0"/>
-              <a:t>({‘a’: {2020: 1, 2021: 2}, ‘b': {2020: 3, 2021: 4}})</a:t>
+              <a:t>({'a': {2020: 1, 2021: 2}, 'b': {2020: 3, 2021: 4}})</a:t>
             </a:r>
           </a:p>
           <a:p>

--- a/Pandas_Cheat_Sheet.pptx
+++ b/Pandas_Cheat_Sheet.pptx
@@ -4925,7 +4925,9 @@
         </p:nvSpPr>
         <p:spPr/>
         <p:txBody>
-          <a:bodyPr/>
+          <a:bodyPr>
+            <a:normAutofit/>
+          </a:bodyPr>
           <a:lstStyle/>
           <a:p>
             <a:r>
@@ -5120,6 +5122,16 @@
             <a:endParaRPr lang="en-US" altLang="zh-CN" sz="1800" dirty="0"/>
           </a:p>
           <a:p>
+            <a:pPr lvl="1"/>
+            <a:r>
+              <a:rPr lang="en-US" altLang="zh-CN" sz="1800" dirty="0">
+                <a:hlinkClick r:id="rId3"/>
+              </a:rPr>
+              <a:t>https://stackoverflow.com/a/33379050/12929244</a:t>
+            </a:r>
+            <a:endParaRPr lang="en-US" altLang="zh-CN" sz="1800" dirty="0"/>
+          </a:p>
+          <a:p>
             <a:r>
               <a:rPr lang="zh-CN" altLang="en-US" sz="2400" dirty="0"/>
               <a:t>将两列数据</a:t>
@@ -5203,7 +5215,7 @@
             <a:pPr lvl="1"/>
             <a:r>
               <a:rPr lang="en-US" sz="1800" dirty="0">
-                <a:hlinkClick r:id="rId3"/>
+                <a:hlinkClick r:id="rId4"/>
               </a:rPr>
               <a:t>https://stackoverflow.com/a/55839464/12929244</a:t>
             </a:r>
